--- a/Apresentacao/dimensionamento de engrenagens.pptx
+++ b/Apresentacao/dimensionamento de engrenagens.pptx
@@ -5,28 +5,23 @@
     <p:sldMasterId id="2147483684" r:id="rId1"/>
   </p:sldMasterIdLst>
   <p:notesMasterIdLst>
-    <p:notesMasterId r:id="rId21"/>
+    <p:notesMasterId r:id="rId16"/>
   </p:notesMasterIdLst>
   <p:sldIdLst>
     <p:sldId id="256" r:id="rId2"/>
     <p:sldId id="257" r:id="rId3"/>
-    <p:sldId id="258" r:id="rId4"/>
-    <p:sldId id="259" r:id="rId5"/>
-    <p:sldId id="260" r:id="rId6"/>
-    <p:sldId id="261" r:id="rId7"/>
-    <p:sldId id="262" r:id="rId8"/>
-    <p:sldId id="263" r:id="rId9"/>
-    <p:sldId id="264" r:id="rId10"/>
-    <p:sldId id="265" r:id="rId11"/>
-    <p:sldId id="266" r:id="rId12"/>
-    <p:sldId id="267" r:id="rId13"/>
-    <p:sldId id="268" r:id="rId14"/>
-    <p:sldId id="269" r:id="rId15"/>
-    <p:sldId id="270" r:id="rId16"/>
-    <p:sldId id="271" r:id="rId17"/>
-    <p:sldId id="272" r:id="rId18"/>
-    <p:sldId id="273" r:id="rId19"/>
-    <p:sldId id="274" r:id="rId20"/>
+    <p:sldId id="263" r:id="rId4"/>
+    <p:sldId id="264" r:id="rId5"/>
+    <p:sldId id="265" r:id="rId6"/>
+    <p:sldId id="266" r:id="rId7"/>
+    <p:sldId id="267" r:id="rId8"/>
+    <p:sldId id="268" r:id="rId9"/>
+    <p:sldId id="269" r:id="rId10"/>
+    <p:sldId id="270" r:id="rId11"/>
+    <p:sldId id="271" r:id="rId12"/>
+    <p:sldId id="272" r:id="rId13"/>
+    <p:sldId id="273" r:id="rId14"/>
+    <p:sldId id="274" r:id="rId15"/>
   </p:sldIdLst>
   <p:sldSz cx="9144000" cy="6858000" type="screen4x3"/>
   <p:notesSz cx="6858000" cy="9144000"/>
@@ -125,6 +120,22 @@
       </a:defRPr>
     </a:lvl9pPr>
   </p:defaultTextStyle>
+  <p:extLst>
+    <p:ext uri="{EFAFB233-063F-42B5-8137-9DF3F51BA10A}">
+      <p15:sldGuideLst xmlns:p15="http://schemas.microsoft.com/office/powerpoint/2012/main">
+        <p15:guide id="1" orient="horz" pos="2160">
+          <p15:clr>
+            <a:srgbClr val="A4A3A4"/>
+          </p15:clr>
+        </p15:guide>
+        <p15:guide id="2" pos="2880">
+          <p15:clr>
+            <a:srgbClr val="A4A3A4"/>
+          </p15:clr>
+        </p15:guide>
+      </p15:sldGuideLst>
+    </p:ext>
+  </p:extLst>
 </p:presentation>
 </file>
 
@@ -210,7 +221,7 @@
           <a:p>
             <a:fld id="{6177B968-3613-4605-AAC2-64125082D71E}" type="datetimeFigureOut">
               <a:rPr lang="pt-BR" smtClean="0"/>
-              <a:t>25/11/2018</a:t>
+              <a:t>28/11/2018</a:t>
             </a:fld>
             <a:endParaRPr lang="pt-BR"/>
           </a:p>
@@ -274,38 +285,37 @@
           <a:p>
             <a:pPr lvl="0"/>
             <a:r>
-              <a:rPr lang="pt-BR" smtClean="0"/>
+              <a:rPr lang="pt-BR"/>
               <a:t>Clique para editar o texto mestre</a:t>
             </a:r>
           </a:p>
           <a:p>
             <a:pPr lvl="1"/>
             <a:r>
-              <a:rPr lang="pt-BR" smtClean="0"/>
+              <a:rPr lang="pt-BR"/>
               <a:t>Segundo nível</a:t>
             </a:r>
           </a:p>
           <a:p>
             <a:pPr lvl="2"/>
             <a:r>
-              <a:rPr lang="pt-BR" smtClean="0"/>
+              <a:rPr lang="pt-BR"/>
               <a:t>Terceiro nível</a:t>
             </a:r>
           </a:p>
           <a:p>
             <a:pPr lvl="3"/>
             <a:r>
-              <a:rPr lang="pt-BR" smtClean="0"/>
+              <a:rPr lang="pt-BR"/>
               <a:t>Quarto nível</a:t>
             </a:r>
           </a:p>
           <a:p>
             <a:pPr lvl="4"/>
             <a:r>
-              <a:rPr lang="pt-BR" smtClean="0"/>
+              <a:rPr lang="pt-BR"/>
               <a:t>Quinto nível</a:t>
             </a:r>
-            <a:endParaRPr lang="pt-BR"/>
           </a:p>
         </p:txBody>
       </p:sp>
@@ -543,7 +553,7 @@
           <a:p>
             <a:fld id="{3A9CD775-91DF-4817-84F6-782B718304B1}" type="slidenum">
               <a:rPr lang="pt-BR" smtClean="0"/>
-              <a:t>9</a:t>
+              <a:t>4</a:t>
             </a:fld>
             <a:endParaRPr lang="pt-BR"/>
           </a:p>
@@ -611,7 +621,7 @@
           </a:lstStyle>
           <a:p>
             <a:r>
-              <a:rPr lang="pt-BR" smtClean="0"/>
+              <a:rPr lang="pt-BR"/>
               <a:t>Clique para editar o título mestre</a:t>
             </a:r>
             <a:endParaRPr lang="en-US" dirty="0"/>
@@ -732,7 +742,7 @@
           </a:lstStyle>
           <a:p>
             <a:r>
-              <a:rPr lang="pt-BR" smtClean="0"/>
+              <a:rPr lang="pt-BR"/>
               <a:t>Clique para editar o estilo do subtítulo mestre</a:t>
             </a:r>
             <a:endParaRPr lang="en-US" dirty="0"/>
@@ -756,7 +766,7 @@
           <a:p>
             <a:fld id="{724020EB-94CE-41CA-9BE9-4E55217656EA}" type="datetimeFigureOut">
               <a:rPr lang="pt-BR" smtClean="0"/>
-              <a:t>25/11/2018</a:t>
+              <a:t>28/11/2018</a:t>
             </a:fld>
             <a:endParaRPr lang="pt-BR"/>
           </a:p>
@@ -845,7 +855,7 @@
           <a:lstStyle/>
           <a:p>
             <a:r>
-              <a:rPr lang="pt-BR" smtClean="0"/>
+              <a:rPr lang="pt-BR"/>
               <a:t>Clique para editar o título mestre</a:t>
             </a:r>
             <a:endParaRPr lang="en-US"/>
@@ -869,35 +879,35 @@
           <a:p>
             <a:pPr lvl="0"/>
             <a:r>
-              <a:rPr lang="pt-BR" smtClean="0"/>
+              <a:rPr lang="pt-BR"/>
               <a:t>Clique para editar o texto mestre</a:t>
             </a:r>
           </a:p>
           <a:p>
             <a:pPr lvl="1"/>
             <a:r>
-              <a:rPr lang="pt-BR" smtClean="0"/>
+              <a:rPr lang="pt-BR"/>
               <a:t>Segundo nível</a:t>
             </a:r>
           </a:p>
           <a:p>
             <a:pPr lvl="2"/>
             <a:r>
-              <a:rPr lang="pt-BR" smtClean="0"/>
+              <a:rPr lang="pt-BR"/>
               <a:t>Terceiro nível</a:t>
             </a:r>
           </a:p>
           <a:p>
             <a:pPr lvl="3"/>
             <a:r>
-              <a:rPr lang="pt-BR" smtClean="0"/>
+              <a:rPr lang="pt-BR"/>
               <a:t>Quarto nível</a:t>
             </a:r>
           </a:p>
           <a:p>
             <a:pPr lvl="4"/>
             <a:r>
-              <a:rPr lang="pt-BR" smtClean="0"/>
+              <a:rPr lang="pt-BR"/>
               <a:t>Quinto nível</a:t>
             </a:r>
             <a:endParaRPr lang="en-US"/>
@@ -921,7 +931,7 @@
           <a:p>
             <a:fld id="{724020EB-94CE-41CA-9BE9-4E55217656EA}" type="datetimeFigureOut">
               <a:rPr lang="pt-BR" smtClean="0"/>
-              <a:t>25/11/2018</a:t>
+              <a:t>28/11/2018</a:t>
             </a:fld>
             <a:endParaRPr lang="pt-BR"/>
           </a:p>
@@ -1015,7 +1025,7 @@
           <a:lstStyle/>
           <a:p>
             <a:r>
-              <a:rPr lang="pt-BR" smtClean="0"/>
+              <a:rPr lang="pt-BR"/>
               <a:t>Clique para editar o título mestre</a:t>
             </a:r>
             <a:endParaRPr lang="en-US" dirty="0"/>
@@ -1044,35 +1054,35 @@
           <a:p>
             <a:pPr lvl="0"/>
             <a:r>
-              <a:rPr lang="pt-BR" smtClean="0"/>
+              <a:rPr lang="pt-BR"/>
               <a:t>Clique para editar o texto mestre</a:t>
             </a:r>
           </a:p>
           <a:p>
             <a:pPr lvl="1"/>
             <a:r>
-              <a:rPr lang="pt-BR" smtClean="0"/>
+              <a:rPr lang="pt-BR"/>
               <a:t>Segundo nível</a:t>
             </a:r>
           </a:p>
           <a:p>
             <a:pPr lvl="2"/>
             <a:r>
-              <a:rPr lang="pt-BR" smtClean="0"/>
+              <a:rPr lang="pt-BR"/>
               <a:t>Terceiro nível</a:t>
             </a:r>
           </a:p>
           <a:p>
             <a:pPr lvl="3"/>
             <a:r>
-              <a:rPr lang="pt-BR" smtClean="0"/>
+              <a:rPr lang="pt-BR"/>
               <a:t>Quarto nível</a:t>
             </a:r>
           </a:p>
           <a:p>
             <a:pPr lvl="4"/>
             <a:r>
-              <a:rPr lang="pt-BR" smtClean="0"/>
+              <a:rPr lang="pt-BR"/>
               <a:t>Quinto nível</a:t>
             </a:r>
             <a:endParaRPr lang="en-US"/>
@@ -1096,7 +1106,7 @@
           <a:p>
             <a:fld id="{724020EB-94CE-41CA-9BE9-4E55217656EA}" type="datetimeFigureOut">
               <a:rPr lang="pt-BR" smtClean="0"/>
-              <a:t>25/11/2018</a:t>
+              <a:t>28/11/2018</a:t>
             </a:fld>
             <a:endParaRPr lang="pt-BR"/>
           </a:p>
@@ -1185,7 +1195,7 @@
           <a:lstStyle/>
           <a:p>
             <a:r>
-              <a:rPr lang="pt-BR" smtClean="0"/>
+              <a:rPr lang="pt-BR"/>
               <a:t>Clique para editar o título mestre</a:t>
             </a:r>
             <a:endParaRPr lang="en-US"/>
@@ -1209,35 +1219,35 @@
           <a:p>
             <a:pPr lvl="0"/>
             <a:r>
-              <a:rPr lang="pt-BR" smtClean="0"/>
+              <a:rPr lang="pt-BR"/>
               <a:t>Clique para editar o texto mestre</a:t>
             </a:r>
           </a:p>
           <a:p>
             <a:pPr lvl="1"/>
             <a:r>
-              <a:rPr lang="pt-BR" smtClean="0"/>
+              <a:rPr lang="pt-BR"/>
               <a:t>Segundo nível</a:t>
             </a:r>
           </a:p>
           <a:p>
             <a:pPr lvl="2"/>
             <a:r>
-              <a:rPr lang="pt-BR" smtClean="0"/>
+              <a:rPr lang="pt-BR"/>
               <a:t>Terceiro nível</a:t>
             </a:r>
           </a:p>
           <a:p>
             <a:pPr lvl="3"/>
             <a:r>
-              <a:rPr lang="pt-BR" smtClean="0"/>
+              <a:rPr lang="pt-BR"/>
               <a:t>Quarto nível</a:t>
             </a:r>
           </a:p>
           <a:p>
             <a:pPr lvl="4"/>
             <a:r>
-              <a:rPr lang="pt-BR" smtClean="0"/>
+              <a:rPr lang="pt-BR"/>
               <a:t>Quinto nível</a:t>
             </a:r>
             <a:endParaRPr lang="en-US"/>
@@ -1261,7 +1271,7 @@
           <a:p>
             <a:fld id="{724020EB-94CE-41CA-9BE9-4E55217656EA}" type="datetimeFigureOut">
               <a:rPr lang="pt-BR" smtClean="0"/>
-              <a:t>25/11/2018</a:t>
+              <a:t>28/11/2018</a:t>
             </a:fld>
             <a:endParaRPr lang="pt-BR"/>
           </a:p>
@@ -1359,7 +1369,7 @@
           </a:lstStyle>
           <a:p>
             <a:r>
-              <a:rPr lang="pt-BR" smtClean="0"/>
+              <a:rPr lang="pt-BR"/>
               <a:t>Clique para editar o título mestre</a:t>
             </a:r>
             <a:endParaRPr lang="en-US" dirty="0"/>
@@ -1479,7 +1489,7 @@
           <a:p>
             <a:pPr lvl="0"/>
             <a:r>
-              <a:rPr lang="pt-BR" smtClean="0"/>
+              <a:rPr lang="pt-BR"/>
               <a:t>Clique para editar o texto mestre</a:t>
             </a:r>
           </a:p>
@@ -1502,7 +1512,7 @@
           <a:p>
             <a:fld id="{724020EB-94CE-41CA-9BE9-4E55217656EA}" type="datetimeFigureOut">
               <a:rPr lang="pt-BR" smtClean="0"/>
-              <a:t>25/11/2018</a:t>
+              <a:t>28/11/2018</a:t>
             </a:fld>
             <a:endParaRPr lang="pt-BR"/>
           </a:p>
@@ -1591,7 +1601,7 @@
           <a:lstStyle/>
           <a:p>
             <a:r>
-              <a:rPr lang="pt-BR" smtClean="0"/>
+              <a:rPr lang="pt-BR"/>
               <a:t>Clique para editar o título mestre</a:t>
             </a:r>
             <a:endParaRPr lang="en-US"/>
@@ -1648,35 +1658,35 @@
           <a:p>
             <a:pPr lvl="0"/>
             <a:r>
-              <a:rPr lang="pt-BR" smtClean="0"/>
+              <a:rPr lang="pt-BR"/>
               <a:t>Clique para editar o texto mestre</a:t>
             </a:r>
           </a:p>
           <a:p>
             <a:pPr lvl="1"/>
             <a:r>
-              <a:rPr lang="pt-BR" smtClean="0"/>
+              <a:rPr lang="pt-BR"/>
               <a:t>Segundo nível</a:t>
             </a:r>
           </a:p>
           <a:p>
             <a:pPr lvl="2"/>
             <a:r>
-              <a:rPr lang="pt-BR" smtClean="0"/>
+              <a:rPr lang="pt-BR"/>
               <a:t>Terceiro nível</a:t>
             </a:r>
           </a:p>
           <a:p>
             <a:pPr lvl="3"/>
             <a:r>
-              <a:rPr lang="pt-BR" smtClean="0"/>
+              <a:rPr lang="pt-BR"/>
               <a:t>Quarto nível</a:t>
             </a:r>
           </a:p>
           <a:p>
             <a:pPr lvl="4"/>
             <a:r>
-              <a:rPr lang="pt-BR" smtClean="0"/>
+              <a:rPr lang="pt-BR"/>
               <a:t>Quinto nível</a:t>
             </a:r>
             <a:endParaRPr lang="en-US" dirty="0"/>
@@ -1733,35 +1743,35 @@
           <a:p>
             <a:pPr lvl="0"/>
             <a:r>
-              <a:rPr lang="pt-BR" smtClean="0"/>
+              <a:rPr lang="pt-BR"/>
               <a:t>Clique para editar o texto mestre</a:t>
             </a:r>
           </a:p>
           <a:p>
             <a:pPr lvl="1"/>
             <a:r>
-              <a:rPr lang="pt-BR" smtClean="0"/>
+              <a:rPr lang="pt-BR"/>
               <a:t>Segundo nível</a:t>
             </a:r>
           </a:p>
           <a:p>
             <a:pPr lvl="2"/>
             <a:r>
-              <a:rPr lang="pt-BR" smtClean="0"/>
+              <a:rPr lang="pt-BR"/>
               <a:t>Terceiro nível</a:t>
             </a:r>
           </a:p>
           <a:p>
             <a:pPr lvl="3"/>
             <a:r>
-              <a:rPr lang="pt-BR" smtClean="0"/>
+              <a:rPr lang="pt-BR"/>
               <a:t>Quarto nível</a:t>
             </a:r>
           </a:p>
           <a:p>
             <a:pPr lvl="4"/>
             <a:r>
-              <a:rPr lang="pt-BR" smtClean="0"/>
+              <a:rPr lang="pt-BR"/>
               <a:t>Quinto nível</a:t>
             </a:r>
             <a:endParaRPr lang="en-US" dirty="0"/>
@@ -1785,7 +1795,7 @@
           <a:p>
             <a:fld id="{724020EB-94CE-41CA-9BE9-4E55217656EA}" type="datetimeFigureOut">
               <a:rPr lang="pt-BR" smtClean="0"/>
-              <a:t>25/11/2018</a:t>
+              <a:t>28/11/2018</a:t>
             </a:fld>
             <a:endParaRPr lang="pt-BR"/>
           </a:p>
@@ -1878,7 +1888,7 @@
           </a:lstStyle>
           <a:p>
             <a:r>
-              <a:rPr lang="pt-BR" smtClean="0"/>
+              <a:rPr lang="pt-BR"/>
               <a:t>Clique para editar o título mestre</a:t>
             </a:r>
             <a:endParaRPr lang="en-US"/>
@@ -1950,7 +1960,7 @@
           <a:p>
             <a:pPr lvl="0"/>
             <a:r>
-              <a:rPr lang="pt-BR" smtClean="0"/>
+              <a:rPr lang="pt-BR"/>
               <a:t>Clique para editar o texto mestre</a:t>
             </a:r>
           </a:p>
@@ -2006,35 +2016,35 @@
           <a:p>
             <a:pPr lvl="0"/>
             <a:r>
-              <a:rPr lang="pt-BR" smtClean="0"/>
+              <a:rPr lang="pt-BR"/>
               <a:t>Clique para editar o texto mestre</a:t>
             </a:r>
           </a:p>
           <a:p>
             <a:pPr lvl="1"/>
             <a:r>
-              <a:rPr lang="pt-BR" smtClean="0"/>
+              <a:rPr lang="pt-BR"/>
               <a:t>Segundo nível</a:t>
             </a:r>
           </a:p>
           <a:p>
             <a:pPr lvl="2"/>
             <a:r>
-              <a:rPr lang="pt-BR" smtClean="0"/>
+              <a:rPr lang="pt-BR"/>
               <a:t>Terceiro nível</a:t>
             </a:r>
           </a:p>
           <a:p>
             <a:pPr lvl="3"/>
             <a:r>
-              <a:rPr lang="pt-BR" smtClean="0"/>
+              <a:rPr lang="pt-BR"/>
               <a:t>Quarto nível</a:t>
             </a:r>
           </a:p>
           <a:p>
             <a:pPr lvl="4"/>
             <a:r>
-              <a:rPr lang="pt-BR" smtClean="0"/>
+              <a:rPr lang="pt-BR"/>
               <a:t>Quinto nível</a:t>
             </a:r>
             <a:endParaRPr lang="en-US" dirty="0"/>
@@ -2106,7 +2116,7 @@
           <a:p>
             <a:pPr lvl="0"/>
             <a:r>
-              <a:rPr lang="pt-BR" smtClean="0"/>
+              <a:rPr lang="pt-BR"/>
               <a:t>Clique para editar o texto mestre</a:t>
             </a:r>
           </a:p>
@@ -2162,35 +2172,35 @@
           <a:p>
             <a:pPr lvl="0"/>
             <a:r>
-              <a:rPr lang="pt-BR" smtClean="0"/>
+              <a:rPr lang="pt-BR"/>
               <a:t>Clique para editar o texto mestre</a:t>
             </a:r>
           </a:p>
           <a:p>
             <a:pPr lvl="1"/>
             <a:r>
-              <a:rPr lang="pt-BR" smtClean="0"/>
+              <a:rPr lang="pt-BR"/>
               <a:t>Segundo nível</a:t>
             </a:r>
           </a:p>
           <a:p>
             <a:pPr lvl="2"/>
             <a:r>
-              <a:rPr lang="pt-BR" smtClean="0"/>
+              <a:rPr lang="pt-BR"/>
               <a:t>Terceiro nível</a:t>
             </a:r>
           </a:p>
           <a:p>
             <a:pPr lvl="3"/>
             <a:r>
-              <a:rPr lang="pt-BR" smtClean="0"/>
+              <a:rPr lang="pt-BR"/>
               <a:t>Quarto nível</a:t>
             </a:r>
           </a:p>
           <a:p>
             <a:pPr lvl="4"/>
             <a:r>
-              <a:rPr lang="pt-BR" smtClean="0"/>
+              <a:rPr lang="pt-BR"/>
               <a:t>Quinto nível</a:t>
             </a:r>
             <a:endParaRPr lang="en-US"/>
@@ -2214,7 +2224,7 @@
           <a:p>
             <a:fld id="{724020EB-94CE-41CA-9BE9-4E55217656EA}" type="datetimeFigureOut">
               <a:rPr lang="pt-BR" smtClean="0"/>
-              <a:t>25/11/2018</a:t>
+              <a:t>28/11/2018</a:t>
             </a:fld>
             <a:endParaRPr lang="pt-BR"/>
           </a:p>
@@ -2303,7 +2313,7 @@
           <a:lstStyle/>
           <a:p>
             <a:r>
-              <a:rPr lang="pt-BR" smtClean="0"/>
+              <a:rPr lang="pt-BR"/>
               <a:t>Clique para editar o título mestre</a:t>
             </a:r>
             <a:endParaRPr lang="en-US"/>
@@ -2327,7 +2337,7 @@
           <a:p>
             <a:fld id="{724020EB-94CE-41CA-9BE9-4E55217656EA}" type="datetimeFigureOut">
               <a:rPr lang="pt-BR" smtClean="0"/>
-              <a:t>25/11/2018</a:t>
+              <a:t>28/11/2018</a:t>
             </a:fld>
             <a:endParaRPr lang="pt-BR"/>
           </a:p>
@@ -2417,7 +2427,7 @@
           <a:p>
             <a:fld id="{724020EB-94CE-41CA-9BE9-4E55217656EA}" type="datetimeFigureOut">
               <a:rPr lang="pt-BR" smtClean="0"/>
-              <a:t>25/11/2018</a:t>
+              <a:t>28/11/2018</a:t>
             </a:fld>
             <a:endParaRPr lang="pt-BR"/>
           </a:p>
@@ -2515,7 +2525,7 @@
           </a:lstStyle>
           <a:p>
             <a:r>
-              <a:rPr lang="pt-BR" smtClean="0"/>
+              <a:rPr lang="pt-BR"/>
               <a:t>Clique para editar o título mestre</a:t>
             </a:r>
             <a:endParaRPr lang="en-US" dirty="0"/>
@@ -2583,7 +2593,7 @@
           <a:p>
             <a:pPr lvl="0"/>
             <a:r>
-              <a:rPr lang="pt-BR" smtClean="0"/>
+              <a:rPr lang="pt-BR"/>
               <a:t>Clique para editar o texto mestre</a:t>
             </a:r>
           </a:p>
@@ -2606,7 +2616,7 @@
           <a:p>
             <a:fld id="{724020EB-94CE-41CA-9BE9-4E55217656EA}" type="datetimeFigureOut">
               <a:rPr lang="pt-BR" smtClean="0"/>
-              <a:t>25/11/2018</a:t>
+              <a:t>28/11/2018</a:t>
             </a:fld>
             <a:endParaRPr lang="pt-BR"/>
           </a:p>
@@ -2676,35 +2686,35 @@
           <a:p>
             <a:pPr lvl="0"/>
             <a:r>
-              <a:rPr lang="pt-BR" smtClean="0"/>
+              <a:rPr lang="pt-BR"/>
               <a:t>Clique para editar o texto mestre</a:t>
             </a:r>
           </a:p>
           <a:p>
             <a:pPr lvl="1"/>
             <a:r>
-              <a:rPr lang="pt-BR" smtClean="0"/>
+              <a:rPr lang="pt-BR"/>
               <a:t>Segundo nível</a:t>
             </a:r>
           </a:p>
           <a:p>
             <a:pPr lvl="2"/>
             <a:r>
-              <a:rPr lang="pt-BR" smtClean="0"/>
+              <a:rPr lang="pt-BR"/>
               <a:t>Terceiro nível</a:t>
             </a:r>
           </a:p>
           <a:p>
             <a:pPr lvl="3"/>
             <a:r>
-              <a:rPr lang="pt-BR" smtClean="0"/>
+              <a:rPr lang="pt-BR"/>
               <a:t>Quarto nível</a:t>
             </a:r>
           </a:p>
           <a:p>
             <a:pPr lvl="4"/>
             <a:r>
-              <a:rPr lang="pt-BR" smtClean="0"/>
+              <a:rPr lang="pt-BR"/>
               <a:t>Quinto nível</a:t>
             </a:r>
             <a:endParaRPr lang="en-US"/>
@@ -2768,7 +2778,7 @@
           </a:lstStyle>
           <a:p>
             <a:r>
-              <a:rPr lang="pt-BR" smtClean="0"/>
+              <a:rPr lang="pt-BR"/>
               <a:t>Clique para editar o título mestre</a:t>
             </a:r>
             <a:endParaRPr lang="en-US" dirty="0"/>
@@ -2833,7 +2843,7 @@
           </a:lstStyle>
           <a:p>
             <a:r>
-              <a:rPr lang="pt-BR" smtClean="0"/>
+              <a:rPr lang="pt-BR"/>
               <a:t>Clique no ícone para adicionar uma imagem</a:t>
             </a:r>
             <a:endParaRPr lang="en-US" dirty="0"/>
@@ -2901,7 +2911,7 @@
           <a:p>
             <a:pPr lvl="0"/>
             <a:r>
-              <a:rPr lang="pt-BR" smtClean="0"/>
+              <a:rPr lang="pt-BR"/>
               <a:t>Clique para editar o texto mestre</a:t>
             </a:r>
           </a:p>
@@ -2924,7 +2934,7 @@
           <a:p>
             <a:fld id="{724020EB-94CE-41CA-9BE9-4E55217656EA}" type="datetimeFigureOut">
               <a:rPr lang="pt-BR" smtClean="0"/>
-              <a:t>25/11/2018</a:t>
+              <a:t>28/11/2018</a:t>
             </a:fld>
             <a:endParaRPr lang="pt-BR"/>
           </a:p>
@@ -3028,7 +3038,7 @@
           <a:lstStyle/>
           <a:p>
             <a:r>
-              <a:rPr lang="pt-BR" smtClean="0"/>
+              <a:rPr lang="pt-BR"/>
               <a:t>Clique para editar o título mestre</a:t>
             </a:r>
             <a:endParaRPr lang="en-US" dirty="0"/>
@@ -3062,35 +3072,35 @@
           <a:p>
             <a:pPr lvl="0"/>
             <a:r>
-              <a:rPr lang="pt-BR" smtClean="0"/>
+              <a:rPr lang="pt-BR"/>
               <a:t>Clique para editar o texto mestre</a:t>
             </a:r>
           </a:p>
           <a:p>
             <a:pPr lvl="1"/>
             <a:r>
-              <a:rPr lang="pt-BR" smtClean="0"/>
+              <a:rPr lang="pt-BR"/>
               <a:t>Segundo nível</a:t>
             </a:r>
           </a:p>
           <a:p>
             <a:pPr lvl="2"/>
             <a:r>
-              <a:rPr lang="pt-BR" smtClean="0"/>
+              <a:rPr lang="pt-BR"/>
               <a:t>Terceiro nível</a:t>
             </a:r>
           </a:p>
           <a:p>
             <a:pPr lvl="3"/>
             <a:r>
-              <a:rPr lang="pt-BR" smtClean="0"/>
+              <a:rPr lang="pt-BR"/>
               <a:t>Quarto nível</a:t>
             </a:r>
           </a:p>
           <a:p>
             <a:pPr lvl="4"/>
             <a:r>
-              <a:rPr lang="pt-BR" smtClean="0"/>
+              <a:rPr lang="pt-BR"/>
               <a:t>Quinto nível</a:t>
             </a:r>
             <a:endParaRPr lang="en-US" dirty="0"/>
@@ -3303,7 +3313,7 @@
           <a:p>
             <a:fld id="{724020EB-94CE-41CA-9BE9-4E55217656EA}" type="datetimeFigureOut">
               <a:rPr lang="pt-BR" smtClean="0"/>
-              <a:t>25/11/2018</a:t>
+              <a:t>28/11/2018</a:t>
             </a:fld>
             <a:endParaRPr lang="pt-BR"/>
           </a:p>
@@ -3648,18 +3658,13 @@
           <a:p>
             <a:pPr algn="ctr"/>
             <a:r>
-              <a:rPr lang="pt-BR" sz="4800" dirty="0" smtClean="0">
+              <a:rPr lang="pt-BR" sz="4800" dirty="0">
                 <a:solidFill>
                   <a:schemeClr val="tx1"/>
                 </a:solidFill>
               </a:rPr>
               <a:t>Universidade Estácio de Sá</a:t>
             </a:r>
-            <a:endParaRPr lang="pt-BR" sz="4800" dirty="0">
-              <a:solidFill>
-                <a:schemeClr val="tx1"/>
-              </a:solidFill>
-            </a:endParaRPr>
           </a:p>
         </p:txBody>
       </p:sp>
@@ -3687,18 +3692,13 @@
           <a:p>
             <a:pPr algn="ctr"/>
             <a:r>
-              <a:rPr lang="pt-BR" sz="3200" dirty="0" smtClean="0">
+              <a:rPr lang="pt-BR" sz="3200" dirty="0">
                 <a:solidFill>
                   <a:schemeClr val="tx1"/>
                 </a:solidFill>
               </a:rPr>
               <a:t>Dimensionamento de engrenagens</a:t>
             </a:r>
-            <a:endParaRPr lang="pt-BR" sz="3200" dirty="0">
-              <a:solidFill>
-                <a:schemeClr val="tx1"/>
-              </a:solidFill>
-            </a:endParaRPr>
           </a:p>
         </p:txBody>
       </p:sp>
@@ -3724,7 +3724,7 @@
           <a:p>
             <a:pPr algn="ctr"/>
             <a:r>
-              <a:rPr lang="pt-BR" sz="1600" dirty="0" smtClean="0">
+              <a:rPr lang="pt-BR" sz="1600" dirty="0">
                 <a:solidFill>
                   <a:schemeClr val="tx1"/>
                 </a:solidFill>
@@ -3732,7 +3732,7 @@
               <a:t>Prof. Pascoal </a:t>
             </a:r>
             <a:r>
-              <a:rPr lang="pt-BR" sz="1600" dirty="0" err="1" smtClean="0">
+              <a:rPr lang="pt-BR" sz="1600" dirty="0" err="1">
                 <a:solidFill>
                   <a:schemeClr val="tx1"/>
                 </a:solidFill>
@@ -3787,13 +3787,6 @@
   <p:clrMapOvr>
     <a:masterClrMapping/>
   </p:clrMapOvr>
-  <p:timing>
-    <p:tnLst>
-      <p:par>
-        <p:cTn id="1" dur="indefinite" restart="never" nodeType="tmRoot"/>
-      </p:par>
-    </p:tnLst>
-  </p:timing>
 </p:sld>
 </file>
 
@@ -3831,1361 +3824,18 @@
           <a:p>
             <a:pPr algn="ctr"/>
             <a:r>
-              <a:rPr lang="pt-BR" dirty="0" smtClean="0">
-                <a:solidFill>
-                  <a:schemeClr val="tx1"/>
-                </a:solidFill>
-              </a:rPr>
-              <a:t>Fator de serviço</a:t>
-            </a:r>
-            <a:endParaRPr lang="pt-BR" dirty="0">
-              <a:solidFill>
-                <a:schemeClr val="tx1"/>
-              </a:solidFill>
-            </a:endParaRPr>
-          </a:p>
-        </p:txBody>
-      </p:sp>
-      <p:sp>
-        <p:nvSpPr>
-          <p:cNvPr id="3" name="Espaço Reservado para Conteúdo 2"/>
-          <p:cNvSpPr>
-            <a:spLocks noGrp="1"/>
-          </p:cNvSpPr>
-          <p:nvPr>
-            <p:ph idx="1"/>
-          </p:nvPr>
-        </p:nvSpPr>
-        <p:spPr/>
-        <p:txBody>
-          <a:bodyPr>
-            <a:normAutofit fontScale="92500" lnSpcReduction="10000"/>
-          </a:bodyPr>
-          <a:lstStyle/>
-          <a:p>
-            <a:pPr marL="114300" indent="0">
-              <a:buNone/>
-            </a:pPr>
-            <a:r>
-              <a:rPr lang="pt-BR" dirty="0" smtClean="0"/>
-              <a:t>Como nossa caixa de redução será aplicada em uma bomba de uma refinaria de petróleo, que estará em operação durante 24 horas, deseja-se que o equipamento  tenha vida útil de pelo menos  10.000 horas. Esses dados </a:t>
-            </a:r>
-            <a:r>
-              <a:rPr lang="pt-BR" dirty="0"/>
-              <a:t>são importantes para definir qual será o fator de serviço a ser usado nos cálculos. Segundo a tabela contida na pagina 103 do livro do </a:t>
-            </a:r>
-            <a:r>
-              <a:rPr lang="pt-BR" dirty="0" err="1"/>
-              <a:t>Sarkis</a:t>
-            </a:r>
-            <a:r>
-              <a:rPr lang="pt-BR" dirty="0"/>
-              <a:t> podemos encontrar o fator </a:t>
-            </a:r>
-            <a:r>
-              <a:rPr lang="pt-BR" dirty="0" smtClean="0"/>
-              <a:t>de serviço </a:t>
-            </a:r>
-            <a:r>
-              <a:rPr lang="pt-BR" dirty="0"/>
-              <a:t>para o equipamento a ser empregado o sistema (figura abaixo). Portanto o fator de serviço (φ) = </a:t>
-            </a:r>
-            <a:r>
-              <a:rPr lang="pt-BR" dirty="0" smtClean="0"/>
-              <a:t>1,25.</a:t>
-            </a:r>
-          </a:p>
-          <a:p>
-            <a:endParaRPr lang="pt-BR" dirty="0"/>
-          </a:p>
-          <a:p>
-            <a:endParaRPr lang="pt-BR" dirty="0" smtClean="0"/>
-          </a:p>
-          <a:p>
-            <a:endParaRPr lang="pt-BR" dirty="0"/>
-          </a:p>
-          <a:p>
-            <a:pPr marL="114300" indent="0">
-              <a:buNone/>
-            </a:pPr>
-            <a:r>
-              <a:rPr lang="pt-BR" dirty="0"/>
-              <a:t>A primeira coluna diz respeito onde será aplicado, a segunda coluna é o fator de serviço para equipamentos que trabalharão por 10 horas e a última coluna diz respeito ao fator de serviço para equipamentos que trabalharão por 24 horas.</a:t>
-            </a:r>
-          </a:p>
-          <a:p>
-            <a:endParaRPr lang="pt-BR" dirty="0"/>
-          </a:p>
-        </p:txBody>
-      </p:sp>
-      <p:pic>
-        <p:nvPicPr>
-          <p:cNvPr id="4" name="Image2"/>
-          <p:cNvPicPr/>
-          <p:nvPr/>
-        </p:nvPicPr>
-        <p:blipFill>
-          <a:blip r:embed="rId2"/>
-          <a:stretch>
-            <a:fillRect/>
-          </a:stretch>
-        </p:blipFill>
-        <p:spPr bwMode="auto">
-          <a:xfrm>
-            <a:off x="512734" y="3939627"/>
-            <a:ext cx="6147498" cy="749300"/>
-          </a:xfrm>
-          <a:prstGeom prst="rect">
-            <a:avLst/>
-          </a:prstGeom>
-        </p:spPr>
-      </p:pic>
-    </p:spTree>
-    <p:extLst>
-      <p:ext uri="{BB962C8B-B14F-4D97-AF65-F5344CB8AC3E}">
-        <p14:creationId xmlns:p14="http://schemas.microsoft.com/office/powerpoint/2010/main" val="4168315558"/>
-      </p:ext>
-    </p:extLst>
-  </p:cSld>
-  <p:clrMapOvr>
-    <a:masterClrMapping/>
-  </p:clrMapOvr>
-</p:sld>
-</file>
-
-<file path=ppt/slides/slide11.xml><?xml version="1.0" encoding="utf-8"?>
-<p:sld xmlns:a="http://schemas.openxmlformats.org/drawingml/2006/main" xmlns:r="http://schemas.openxmlformats.org/officeDocument/2006/relationships" xmlns:p="http://schemas.openxmlformats.org/presentationml/2006/main">
-  <p:cSld>
-    <p:spTree>
-      <p:nvGrpSpPr>
-        <p:cNvPr id="1" name=""/>
-        <p:cNvGrpSpPr/>
-        <p:nvPr/>
-      </p:nvGrpSpPr>
-      <p:grpSpPr>
-        <a:xfrm>
-          <a:off x="0" y="0"/>
-          <a:ext cx="0" cy="0"/>
-          <a:chOff x="0" y="0"/>
-          <a:chExt cx="0" cy="0"/>
-        </a:xfrm>
-      </p:grpSpPr>
-      <p:sp>
-        <p:nvSpPr>
-          <p:cNvPr id="2" name="Título 1"/>
-          <p:cNvSpPr>
-            <a:spLocks noGrp="1"/>
-          </p:cNvSpPr>
-          <p:nvPr>
-            <p:ph type="title"/>
-          </p:nvPr>
-        </p:nvSpPr>
-        <p:spPr/>
-        <p:txBody>
-          <a:bodyPr/>
-          <a:lstStyle/>
-          <a:p>
-            <a:pPr algn="ctr"/>
-            <a:r>
-              <a:rPr lang="pt-BR" dirty="0" smtClean="0">
-                <a:solidFill>
-                  <a:schemeClr val="tx1"/>
-                </a:solidFill>
-              </a:rPr>
-              <a:t>Dureza </a:t>
-            </a:r>
-            <a:r>
-              <a:rPr lang="pt-BR" dirty="0" err="1" smtClean="0">
-                <a:solidFill>
-                  <a:schemeClr val="tx1"/>
-                </a:solidFill>
-              </a:rPr>
-              <a:t>Brinell</a:t>
-            </a:r>
-            <a:endParaRPr lang="pt-BR" dirty="0">
-              <a:solidFill>
-                <a:schemeClr val="tx1"/>
-              </a:solidFill>
-            </a:endParaRPr>
-          </a:p>
-        </p:txBody>
-      </p:sp>
-      <p:sp>
-        <p:nvSpPr>
-          <p:cNvPr id="3" name="Espaço Reservado para Conteúdo 2"/>
-          <p:cNvSpPr>
-            <a:spLocks noGrp="1"/>
-          </p:cNvSpPr>
-          <p:nvPr>
-            <p:ph idx="1"/>
-          </p:nvPr>
-        </p:nvSpPr>
-        <p:spPr/>
-        <p:txBody>
-          <a:bodyPr/>
-          <a:lstStyle/>
-          <a:p>
-            <a:pPr marL="114300" indent="0">
-              <a:buNone/>
-            </a:pPr>
-            <a:r>
-              <a:rPr lang="pt-BR" dirty="0"/>
-              <a:t>Como o equipamento irá trabalhar por 24 horas, será adotada um engrenagem feita com aço SAE 4340 que tem um resistência </a:t>
-            </a:r>
-            <a:r>
-              <a:rPr lang="pt-BR" dirty="0" err="1"/>
-              <a:t>Brinell</a:t>
-            </a:r>
-            <a:r>
-              <a:rPr lang="pt-BR" dirty="0"/>
-              <a:t> de 6000 MPa.</a:t>
-            </a:r>
-            <a:endParaRPr lang="pt-BR" dirty="0"/>
-          </a:p>
-        </p:txBody>
-      </p:sp>
-      <p:pic>
-        <p:nvPicPr>
-          <p:cNvPr id="1026" name="Picture 2"/>
-          <p:cNvPicPr>
-            <a:picLocks noChangeAspect="1" noChangeArrowheads="1"/>
-          </p:cNvPicPr>
-          <p:nvPr/>
-        </p:nvPicPr>
-        <p:blipFill>
-          <a:blip r:embed="rId2">
-            <a:extLst>
-              <a:ext uri="{28A0092B-C50C-407E-A947-70E740481C1C}">
-                <a14:useLocalDpi xmlns:a14="http://schemas.microsoft.com/office/drawing/2010/main" val="0"/>
-              </a:ext>
-            </a:extLst>
-          </a:blip>
-          <a:srcRect/>
-          <a:stretch>
-            <a:fillRect/>
-          </a:stretch>
-        </p:blipFill>
-        <p:spPr bwMode="auto">
-          <a:xfrm>
-            <a:off x="683568" y="2784432"/>
-            <a:ext cx="6192688" cy="4067175"/>
-          </a:xfrm>
-          <a:prstGeom prst="rect">
-            <a:avLst/>
-          </a:prstGeom>
-          <a:noFill/>
-          <a:ln>
-            <a:noFill/>
-          </a:ln>
-          <a:extLst>
-            <a:ext uri="{909E8E84-426E-40DD-AFC4-6F175D3DCCD1}">
-              <a14:hiddenFill xmlns:a14="http://schemas.microsoft.com/office/drawing/2010/main">
-                <a:solidFill>
-                  <a:schemeClr val="accent1"/>
-                </a:solidFill>
-              </a14:hiddenFill>
-            </a:ext>
-            <a:ext uri="{91240B29-F687-4F45-9708-019B960494DF}">
-              <a14:hiddenLine xmlns:a14="http://schemas.microsoft.com/office/drawing/2010/main" w="9525">
-                <a:solidFill>
-                  <a:schemeClr val="tx1"/>
-                </a:solidFill>
-                <a:miter lim="800000"/>
-                <a:headEnd/>
-                <a:tailEnd/>
-              </a14:hiddenLine>
-            </a:ext>
-          </a:extLst>
-        </p:spPr>
-      </p:pic>
-    </p:spTree>
-    <p:extLst>
-      <p:ext uri="{BB962C8B-B14F-4D97-AF65-F5344CB8AC3E}">
-        <p14:creationId xmlns:p14="http://schemas.microsoft.com/office/powerpoint/2010/main" val="1583531653"/>
-      </p:ext>
-    </p:extLst>
-  </p:cSld>
-  <p:clrMapOvr>
-    <a:masterClrMapping/>
-  </p:clrMapOvr>
-</p:sld>
-</file>
-
-<file path=ppt/slides/slide12.xml><?xml version="1.0" encoding="utf-8"?>
-<p:sld xmlns:a="http://schemas.openxmlformats.org/drawingml/2006/main" xmlns:r="http://schemas.openxmlformats.org/officeDocument/2006/relationships" xmlns:p="http://schemas.openxmlformats.org/presentationml/2006/main">
-  <p:cSld>
-    <p:spTree>
-      <p:nvGrpSpPr>
-        <p:cNvPr id="1" name=""/>
-        <p:cNvGrpSpPr/>
-        <p:nvPr/>
-      </p:nvGrpSpPr>
-      <p:grpSpPr>
-        <a:xfrm>
-          <a:off x="0" y="0"/>
-          <a:ext cx="0" cy="0"/>
-          <a:chOff x="0" y="0"/>
-          <a:chExt cx="0" cy="0"/>
-        </a:xfrm>
-      </p:grpSpPr>
-      <p:sp>
-        <p:nvSpPr>
-          <p:cNvPr id="2" name="Título 1"/>
-          <p:cNvSpPr>
-            <a:spLocks noGrp="1"/>
-          </p:cNvSpPr>
-          <p:nvPr>
-            <p:ph type="title"/>
-          </p:nvPr>
-        </p:nvSpPr>
-        <p:spPr/>
-        <p:txBody>
-          <a:bodyPr/>
-          <a:lstStyle/>
-          <a:p>
-            <a:pPr algn="ctr"/>
-            <a:r>
-              <a:rPr lang="pt-BR" dirty="0" smtClean="0"/>
-              <a:t>Relação entre largura e largura e diâmetro primitivo</a:t>
-            </a:r>
-            <a:endParaRPr lang="pt-BR" dirty="0"/>
-          </a:p>
-        </p:txBody>
-      </p:sp>
-      <mc:AlternateContent xmlns:mc="http://schemas.openxmlformats.org/markup-compatibility/2006">
-        <mc:Choice xmlns:a14="http://schemas.microsoft.com/office/drawing/2010/main" Requires="a14">
-          <p:sp>
-            <p:nvSpPr>
-              <p:cNvPr id="3" name="Espaço Reservado para Conteúdo 2"/>
-              <p:cNvSpPr>
-                <a:spLocks noGrp="1"/>
-              </p:cNvSpPr>
-              <p:nvPr>
-                <p:ph idx="1"/>
-              </p:nvPr>
-            </p:nvSpPr>
-            <p:spPr>
-              <a:xfrm>
-                <a:off x="457200" y="1600200"/>
-                <a:ext cx="7620000" cy="5069160"/>
-              </a:xfrm>
-            </p:spPr>
-            <p:txBody>
-              <a:bodyPr>
-                <a:normAutofit lnSpcReduction="10000"/>
-              </a:bodyPr>
-              <a:lstStyle/>
-              <a:p>
-                <a:pPr marL="114300" indent="0">
-                  <a:buNone/>
-                </a:pPr>
-                <a:r>
-                  <a:rPr lang="pt-BR" sz="2000" dirty="0"/>
-                  <a:t>Por trata-se de uma engrenagem </a:t>
-                </a:r>
-                <a:r>
-                  <a:rPr lang="pt-BR" sz="2000" dirty="0" smtClean="0"/>
-                  <a:t>bi apoiada </a:t>
-                </a:r>
-                <a:r>
-                  <a:rPr lang="pt-BR" sz="2000" dirty="0"/>
-                  <a:t>será adotado o valor de </a:t>
-                </a:r>
-                <a:r>
-                  <a:rPr lang="pt-BR" sz="2000" dirty="0" smtClean="0"/>
-                  <a:t>0,50 </a:t>
-                </a:r>
-                <a:r>
-                  <a:rPr lang="pt-BR" sz="2000" dirty="0"/>
-                  <a:t>que é bem menor do que 1,2 para a relação entre largura da engrenagem e o diâmetro primitivo (b/d</a:t>
-                </a:r>
-                <a:r>
-                  <a:rPr lang="pt-BR" sz="2000" baseline="-25000" dirty="0"/>
-                  <a:t>0</a:t>
-                </a:r>
-                <a:r>
-                  <a:rPr lang="pt-BR" sz="2000" dirty="0"/>
-                  <a:t>)</a:t>
-                </a:r>
-              </a:p>
-              <a:p>
-                <a:pPr marL="114300" indent="0">
-                  <a:buNone/>
-                </a:pPr>
-                <a:endParaRPr lang="pt-BR" dirty="0" smtClean="0"/>
-              </a:p>
-              <a:p>
-                <a:pPr marL="114300" indent="0">
-                  <a:buNone/>
-                </a:pPr>
-                <a:endParaRPr lang="pt-BR" dirty="0"/>
-              </a:p>
-              <a:p>
-                <a:pPr marL="114300" indent="0">
-                  <a:buNone/>
-                </a:pPr>
-                <a:endParaRPr lang="pt-BR" dirty="0" smtClean="0"/>
-              </a:p>
-              <a:p>
-                <a:pPr marL="114300" indent="0">
-                  <a:buNone/>
-                </a:pPr>
-                <a:endParaRPr lang="pt-BR" dirty="0"/>
-              </a:p>
-              <a:p>
-                <a:pPr marL="114300" indent="0">
-                  <a:buNone/>
-                </a:pPr>
-                <a:endParaRPr lang="pt-BR" dirty="0" smtClean="0"/>
-              </a:p>
-              <a:p>
-                <a:endParaRPr lang="pt-BR" dirty="0"/>
-              </a:p>
-              <a:p>
-                <a:pPr marL="114300" indent="0">
-                  <a:buNone/>
-                </a:pPr>
-                <a:r>
-                  <a:rPr lang="pt-BR" dirty="0" smtClean="0"/>
-                  <a:t>Foi </a:t>
-                </a:r>
-                <a:r>
-                  <a:rPr lang="pt-BR" dirty="0"/>
-                  <a:t>fornecido que o pinhão (Z</a:t>
-                </a:r>
-                <a:r>
-                  <a:rPr lang="pt-BR" baseline="-25000" dirty="0"/>
-                  <a:t>1</a:t>
-                </a:r>
-                <a:r>
-                  <a:rPr lang="pt-BR" dirty="0"/>
-                  <a:t>) tem 20 dentes, aplicando a relação de transmissão acha-se o números de dentes da coroa (Z</a:t>
-                </a:r>
-                <a:r>
-                  <a:rPr lang="pt-BR" baseline="-25000" dirty="0"/>
-                  <a:t>2</a:t>
-                </a:r>
-                <a:r>
-                  <a:rPr lang="pt-BR" dirty="0"/>
-                  <a:t>)</a:t>
-                </a:r>
-              </a:p>
-              <a:p>
-                <a:pPr marL="114300" indent="0">
-                  <a:buNone/>
-                </a:pPr>
-                <a:r>
-                  <a:rPr lang="pt-BR" dirty="0"/>
-                  <a:t> </a:t>
-                </a:r>
-                <a14:m>
-                  <m:oMath xmlns:m="http://schemas.openxmlformats.org/officeDocument/2006/math">
-                    <m:sSub>
-                      <m:sSubPr>
-                        <m:ctrlPr>
-                          <a:rPr lang="pt-BR" i="1"/>
-                        </m:ctrlPr>
-                      </m:sSubPr>
-                      <m:e>
-                        <m:r>
-                          <a:rPr lang="pt-BR" i="1"/>
-                          <m:t>𝑖</m:t>
-                        </m:r>
-                      </m:e>
-                      <m:sub>
-                        <m:r>
-                          <a:rPr lang="pt-BR" i="1"/>
-                          <m:t>𝐴</m:t>
-                        </m:r>
-                      </m:sub>
-                    </m:sSub>
-                    <m:r>
-                      <a:rPr lang="pt-BR" i="1"/>
-                      <m:t>=</m:t>
-                    </m:r>
-                    <m:f>
-                      <m:fPr>
-                        <m:ctrlPr>
-                          <a:rPr lang="pt-BR" i="1"/>
-                        </m:ctrlPr>
-                      </m:fPr>
-                      <m:num>
-                        <m:sSub>
-                          <m:sSubPr>
-                            <m:ctrlPr>
-                              <a:rPr lang="pt-BR" i="1"/>
-                            </m:ctrlPr>
-                          </m:sSubPr>
-                          <m:e>
-                            <m:r>
-                              <a:rPr lang="pt-BR" i="1"/>
-                              <m:t>𝑍</m:t>
-                            </m:r>
-                          </m:e>
-                          <m:sub>
-                            <m:r>
-                              <a:rPr lang="pt-BR" i="1"/>
-                              <m:t>2</m:t>
-                            </m:r>
-                          </m:sub>
-                        </m:sSub>
-                      </m:num>
-                      <m:den>
-                        <m:sSub>
-                          <m:sSubPr>
-                            <m:ctrlPr>
-                              <a:rPr lang="pt-BR" i="1"/>
-                            </m:ctrlPr>
-                          </m:sSubPr>
-                          <m:e>
-                            <m:r>
-                              <a:rPr lang="pt-BR" i="1"/>
-                              <m:t>𝑍</m:t>
-                            </m:r>
-                          </m:e>
-                          <m:sub>
-                            <m:r>
-                              <a:rPr lang="pt-BR" i="1"/>
-                              <m:t>1</m:t>
-                            </m:r>
-                          </m:sub>
-                        </m:sSub>
-                      </m:den>
-                    </m:f>
-                    <m:r>
-                      <a:rPr lang="pt-BR" i="1"/>
-                      <m:t>→</m:t>
-                    </m:r>
-                    <m:sSub>
-                      <m:sSubPr>
-                        <m:ctrlPr>
-                          <a:rPr lang="pt-BR" i="1"/>
-                        </m:ctrlPr>
-                      </m:sSubPr>
-                      <m:e>
-                        <m:r>
-                          <a:rPr lang="pt-BR" i="1"/>
-                          <m:t>𝑍</m:t>
-                        </m:r>
-                      </m:e>
-                      <m:sub>
-                        <m:r>
-                          <a:rPr lang="pt-BR" i="1"/>
-                          <m:t>2</m:t>
-                        </m:r>
-                      </m:sub>
-                    </m:sSub>
-                    <m:r>
-                      <a:rPr lang="pt-BR" i="1"/>
-                      <m:t>=</m:t>
-                    </m:r>
-                    <m:sSub>
-                      <m:sSubPr>
-                        <m:ctrlPr>
-                          <a:rPr lang="pt-BR" i="1"/>
-                        </m:ctrlPr>
-                      </m:sSubPr>
-                      <m:e>
-                        <m:r>
-                          <a:rPr lang="pt-BR" i="1"/>
-                          <m:t>𝑍</m:t>
-                        </m:r>
-                      </m:e>
-                      <m:sub>
-                        <m:r>
-                          <a:rPr lang="pt-BR" i="1"/>
-                          <m:t>1</m:t>
-                        </m:r>
-                      </m:sub>
-                    </m:sSub>
-                    <m:r>
-                      <a:rPr lang="pt-BR" i="1"/>
-                      <m:t>∗</m:t>
-                    </m:r>
-                    <m:sSub>
-                      <m:sSubPr>
-                        <m:ctrlPr>
-                          <a:rPr lang="pt-BR" i="1"/>
-                        </m:ctrlPr>
-                      </m:sSubPr>
-                      <m:e>
-                        <m:r>
-                          <a:rPr lang="pt-BR" i="1"/>
-                          <m:t>𝑖</m:t>
-                        </m:r>
-                      </m:e>
-                      <m:sub>
-                        <m:r>
-                          <a:rPr lang="pt-BR" i="1"/>
-                          <m:t>𝐴</m:t>
-                        </m:r>
-                      </m:sub>
-                    </m:sSub>
-                    <m:r>
-                      <a:rPr lang="pt-BR" i="1"/>
-                      <m:t>→</m:t>
-                    </m:r>
-                    <m:sSub>
-                      <m:sSubPr>
-                        <m:ctrlPr>
-                          <a:rPr lang="pt-BR" i="1"/>
-                        </m:ctrlPr>
-                      </m:sSubPr>
-                      <m:e>
-                        <m:r>
-                          <a:rPr lang="pt-BR" i="1"/>
-                          <m:t>𝑍</m:t>
-                        </m:r>
-                      </m:e>
-                      <m:sub>
-                        <m:r>
-                          <a:rPr lang="pt-BR" i="1"/>
-                          <m:t>2</m:t>
-                        </m:r>
-                      </m:sub>
-                    </m:sSub>
-                    <m:r>
-                      <a:rPr lang="pt-BR" i="1"/>
-                      <m:t>=20∗2→</m:t>
-                    </m:r>
-                    <m:sSub>
-                      <m:sSubPr>
-                        <m:ctrlPr>
-                          <a:rPr lang="pt-BR" i="1"/>
-                        </m:ctrlPr>
-                      </m:sSubPr>
-                      <m:e>
-                        <m:r>
-                          <a:rPr lang="pt-BR" i="1"/>
-                          <m:t>𝑍</m:t>
-                        </m:r>
-                      </m:e>
-                      <m:sub>
-                        <m:r>
-                          <a:rPr lang="pt-BR" i="1"/>
-                          <m:t>2</m:t>
-                        </m:r>
-                      </m:sub>
-                    </m:sSub>
-                    <m:r>
-                      <a:rPr lang="pt-BR" i="1"/>
-                      <m:t>=40</m:t>
-                    </m:r>
-                  </m:oMath>
-                </a14:m>
-                <a:endParaRPr lang="pt-BR" dirty="0"/>
-              </a:p>
-              <a:p>
-                <a:pPr marL="114300" indent="0">
-                  <a:buNone/>
-                </a:pPr>
-                <a:endParaRPr lang="pt-BR" dirty="0"/>
-              </a:p>
-            </p:txBody>
-          </p:sp>
-        </mc:Choice>
-        <mc:Fallback>
-          <p:sp>
-            <p:nvSpPr>
-              <p:cNvPr id="3" name="Espaço Reservado para Conteúdo 2"/>
-              <p:cNvSpPr>
-                <a:spLocks noGrp="1" noRot="1" noChangeAspect="1" noMove="1" noResize="1" noEditPoints="1" noAdjustHandles="1" noChangeArrowheads="1" noChangeShapeType="1" noTextEdit="1"/>
-              </p:cNvSpPr>
-              <p:nvPr>
-                <p:ph idx="1"/>
-              </p:nvPr>
-            </p:nvSpPr>
-            <p:spPr>
-              <a:xfrm>
-                <a:off x="457200" y="1600200"/>
-                <a:ext cx="7620000" cy="5069160"/>
-              </a:xfrm>
-              <a:blipFill rotWithShape="1">
-                <a:blip r:embed="rId2"/>
-                <a:stretch>
-                  <a:fillRect t="-1203"/>
-                </a:stretch>
-              </a:blipFill>
-            </p:spPr>
-            <p:txBody>
-              <a:bodyPr/>
-              <a:lstStyle/>
-              <a:p>
-                <a:r>
-                  <a:rPr lang="pt-BR">
-                    <a:noFill/>
-                  </a:rPr>
-                  <a:t> </a:t>
-                </a:r>
-              </a:p>
-            </p:txBody>
-          </p:sp>
-        </mc:Fallback>
-      </mc:AlternateContent>
-      <p:pic>
-        <p:nvPicPr>
-          <p:cNvPr id="4" name="Image3"/>
-          <p:cNvPicPr/>
-          <p:nvPr/>
-        </p:nvPicPr>
-        <p:blipFill>
-          <a:blip r:embed="rId3"/>
-          <a:stretch>
-            <a:fillRect/>
-          </a:stretch>
-        </p:blipFill>
-        <p:spPr bwMode="auto">
-          <a:xfrm>
-            <a:off x="611560" y="2636912"/>
-            <a:ext cx="6480720" cy="1979930"/>
-          </a:xfrm>
-          <a:prstGeom prst="rect">
-            <a:avLst/>
-          </a:prstGeom>
-        </p:spPr>
-      </p:pic>
-    </p:spTree>
-    <p:extLst>
-      <p:ext uri="{BB962C8B-B14F-4D97-AF65-F5344CB8AC3E}">
-        <p14:creationId xmlns:p14="http://schemas.microsoft.com/office/powerpoint/2010/main" val="2754313490"/>
-      </p:ext>
-    </p:extLst>
-  </p:cSld>
-  <p:clrMapOvr>
-    <a:masterClrMapping/>
-  </p:clrMapOvr>
-</p:sld>
-</file>
-
-<file path=ppt/slides/slide13.xml><?xml version="1.0" encoding="utf-8"?>
-<p:sld xmlns:a="http://schemas.openxmlformats.org/drawingml/2006/main" xmlns:r="http://schemas.openxmlformats.org/officeDocument/2006/relationships" xmlns:p="http://schemas.openxmlformats.org/presentationml/2006/main">
-  <p:cSld>
-    <p:spTree>
-      <p:nvGrpSpPr>
-        <p:cNvPr id="1" name=""/>
-        <p:cNvGrpSpPr/>
-        <p:nvPr/>
-      </p:nvGrpSpPr>
-      <p:grpSpPr>
-        <a:xfrm>
-          <a:off x="0" y="0"/>
-          <a:ext cx="0" cy="0"/>
-          <a:chOff x="0" y="0"/>
-          <a:chExt cx="0" cy="0"/>
-        </a:xfrm>
-      </p:grpSpPr>
-      <p:sp>
-        <p:nvSpPr>
-          <p:cNvPr id="2" name="Título 1"/>
-          <p:cNvSpPr>
-            <a:spLocks noGrp="1"/>
-          </p:cNvSpPr>
-          <p:nvPr>
-            <p:ph type="title"/>
-          </p:nvPr>
-        </p:nvSpPr>
-        <p:spPr/>
-        <p:txBody>
-          <a:bodyPr/>
-          <a:lstStyle/>
-          <a:p>
-            <a:pPr algn="ctr"/>
-            <a:r>
-              <a:rPr lang="pt-BR" dirty="0" smtClean="0">
-                <a:solidFill>
-                  <a:schemeClr val="tx1"/>
-                </a:solidFill>
-              </a:rPr>
-              <a:t>Fator de forma</a:t>
-            </a:r>
-            <a:endParaRPr lang="pt-BR" dirty="0">
-              <a:solidFill>
-                <a:schemeClr val="tx1"/>
-              </a:solidFill>
-            </a:endParaRPr>
-          </a:p>
-        </p:txBody>
-      </p:sp>
-      <p:sp>
-        <p:nvSpPr>
-          <p:cNvPr id="3" name="Espaço Reservado para Conteúdo 2"/>
-          <p:cNvSpPr>
-            <a:spLocks noGrp="1"/>
-          </p:cNvSpPr>
-          <p:nvPr>
-            <p:ph idx="1"/>
-          </p:nvPr>
-        </p:nvSpPr>
-        <p:spPr/>
-        <p:txBody>
-          <a:bodyPr>
-            <a:normAutofit/>
-          </a:bodyPr>
-          <a:lstStyle/>
-          <a:p>
-            <a:pPr marL="114300" indent="0">
-              <a:buNone/>
-            </a:pPr>
-            <a:r>
-              <a:rPr lang="pt-BR" dirty="0"/>
-              <a:t>Para encontrar o fator de forma, utiliza-se a tabela </a:t>
-            </a:r>
-            <a:r>
-              <a:rPr lang="pt-BR" dirty="0" smtClean="0"/>
-              <a:t>abaixo:</a:t>
-            </a:r>
-          </a:p>
-          <a:p>
-            <a:pPr marL="114300" indent="0">
-              <a:buNone/>
-            </a:pPr>
-            <a:endParaRPr lang="pt-BR" dirty="0"/>
-          </a:p>
-          <a:p>
-            <a:pPr marL="114300" indent="0">
-              <a:buNone/>
-            </a:pPr>
-            <a:endParaRPr lang="pt-BR" dirty="0" smtClean="0"/>
-          </a:p>
-          <a:p>
-            <a:pPr marL="114300" indent="0">
-              <a:buNone/>
-            </a:pPr>
-            <a:endParaRPr lang="pt-BR" dirty="0"/>
-          </a:p>
-          <a:p>
-            <a:pPr marL="114300" indent="0">
-              <a:buNone/>
-            </a:pPr>
-            <a:endParaRPr lang="pt-BR" dirty="0" smtClean="0"/>
-          </a:p>
-          <a:p>
-            <a:pPr marL="114300" indent="0">
-              <a:buNone/>
-            </a:pPr>
-            <a:endParaRPr lang="pt-BR" dirty="0"/>
-          </a:p>
-          <a:p>
-            <a:pPr marL="114300" indent="0">
-              <a:buNone/>
-            </a:pPr>
-            <a:endParaRPr lang="pt-BR" dirty="0" smtClean="0"/>
-          </a:p>
-          <a:p>
-            <a:pPr marL="114300" indent="0">
-              <a:buNone/>
-            </a:pPr>
-            <a:endParaRPr lang="pt-BR" dirty="0"/>
-          </a:p>
-          <a:p>
-            <a:pPr marL="114300" indent="0">
-              <a:buNone/>
-            </a:pPr>
-            <a:endParaRPr lang="pt-BR" dirty="0" smtClean="0"/>
-          </a:p>
-          <a:p>
-            <a:pPr marL="114300" indent="0">
-              <a:buNone/>
-            </a:pPr>
-            <a:endParaRPr lang="pt-BR" dirty="0" smtClean="0"/>
-          </a:p>
-          <a:p>
-            <a:pPr marL="114300" indent="0">
-              <a:buNone/>
-            </a:pPr>
-            <a:endParaRPr lang="pt-BR" dirty="0"/>
-          </a:p>
-        </p:txBody>
-      </p:sp>
-      <p:pic>
-        <p:nvPicPr>
-          <p:cNvPr id="4" name="Image4"/>
-          <p:cNvPicPr/>
-          <p:nvPr/>
-        </p:nvPicPr>
-        <p:blipFill>
-          <a:blip r:embed="rId2"/>
-          <a:stretch>
-            <a:fillRect/>
-          </a:stretch>
-        </p:blipFill>
-        <p:spPr bwMode="auto">
-          <a:xfrm>
-            <a:off x="683568" y="2060848"/>
-            <a:ext cx="6912768" cy="4536504"/>
-          </a:xfrm>
-          <a:prstGeom prst="rect">
-            <a:avLst/>
-          </a:prstGeom>
-        </p:spPr>
-      </p:pic>
-    </p:spTree>
-    <p:extLst>
-      <p:ext uri="{BB962C8B-B14F-4D97-AF65-F5344CB8AC3E}">
-        <p14:creationId xmlns:p14="http://schemas.microsoft.com/office/powerpoint/2010/main" val="1322372691"/>
-      </p:ext>
-    </p:extLst>
-  </p:cSld>
-  <p:clrMapOvr>
-    <a:masterClrMapping/>
-  </p:clrMapOvr>
-</p:sld>
-</file>
-
-<file path=ppt/slides/slide14.xml><?xml version="1.0" encoding="utf-8"?>
-<p:sld xmlns:a="http://schemas.openxmlformats.org/drawingml/2006/main" xmlns:r="http://schemas.openxmlformats.org/officeDocument/2006/relationships" xmlns:p="http://schemas.openxmlformats.org/presentationml/2006/main">
-  <p:cSld>
-    <p:spTree>
-      <p:nvGrpSpPr>
-        <p:cNvPr id="1" name=""/>
-        <p:cNvGrpSpPr/>
-        <p:nvPr/>
-      </p:nvGrpSpPr>
-      <p:grpSpPr>
-        <a:xfrm>
-          <a:off x="0" y="0"/>
-          <a:ext cx="0" cy="0"/>
-          <a:chOff x="0" y="0"/>
-          <a:chExt cx="0" cy="0"/>
-        </a:xfrm>
-      </p:grpSpPr>
-      <p:sp>
-        <p:nvSpPr>
-          <p:cNvPr id="2" name="Título 1"/>
-          <p:cNvSpPr>
-            <a:spLocks noGrp="1"/>
-          </p:cNvSpPr>
-          <p:nvPr>
-            <p:ph type="title"/>
-          </p:nvPr>
-        </p:nvSpPr>
-        <p:spPr/>
-        <p:txBody>
-          <a:bodyPr/>
-          <a:lstStyle/>
-          <a:p>
-            <a:pPr algn="ctr"/>
-            <a:r>
-              <a:rPr lang="pt-BR" dirty="0" smtClean="0"/>
-              <a:t>Fator de forma</a:t>
-            </a:r>
-            <a:endParaRPr lang="pt-BR" dirty="0"/>
-          </a:p>
-        </p:txBody>
-      </p:sp>
-      <mc:AlternateContent xmlns:mc="http://schemas.openxmlformats.org/markup-compatibility/2006">
-        <mc:Choice xmlns:a14="http://schemas.microsoft.com/office/drawing/2010/main" Requires="a14">
-          <p:sp>
-            <p:nvSpPr>
-              <p:cNvPr id="3" name="Espaço Reservado para Conteúdo 2"/>
-              <p:cNvSpPr>
-                <a:spLocks noGrp="1"/>
-              </p:cNvSpPr>
-              <p:nvPr>
-                <p:ph idx="1"/>
-              </p:nvPr>
-            </p:nvSpPr>
-            <p:spPr/>
-            <p:txBody>
-              <a:bodyPr>
-                <a:normAutofit fontScale="92500" lnSpcReduction="10000"/>
-              </a:bodyPr>
-              <a:lstStyle/>
-              <a:p>
-                <a:pPr marL="114300" indent="0">
-                  <a:buNone/>
-                </a:pPr>
-                <a:r>
-                  <a:rPr lang="pt-BR" dirty="0"/>
-                  <a:t>O pinhão tem 20 dentes, e esse número não se encontra na tabela, para isso é preciso fazer interpolação pegando-se os valores entre 18 dentes e 21 dentes.</a:t>
-                </a:r>
-              </a:p>
-              <a:p>
-                <a:pPr marL="114300" indent="0">
-                  <a:buNone/>
-                </a:pPr>
-                <a:r>
-                  <a:rPr lang="pt-BR" dirty="0"/>
-                  <a:t> </a:t>
-                </a:r>
-              </a:p>
-              <a:p>
-                <a:pPr marL="114300" indent="0" algn="ctr">
-                  <a:buNone/>
-                </a:pPr>
-                <a14:m>
-                  <m:oMath xmlns:m="http://schemas.openxmlformats.org/officeDocument/2006/math">
-                    <m:r>
-                      <a:rPr lang="pt-BR" i="1">
-                        <a:latin typeface="Cambria Math"/>
-                      </a:rPr>
-                      <m:t>𝑖𝑛𝑐𝑟𝑒𝑚𝑒𝑛𝑡𝑜</m:t>
-                    </m:r>
-                    <m:r>
-                      <a:rPr lang="pt-BR" i="1">
-                        <a:latin typeface="Cambria Math"/>
-                      </a:rPr>
-                      <m:t>=</m:t>
-                    </m:r>
-                    <m:f>
-                      <m:fPr>
-                        <m:ctrlPr>
-                          <a:rPr lang="pt-BR" i="1">
-                            <a:latin typeface="Cambria Math"/>
-                          </a:rPr>
-                        </m:ctrlPr>
-                      </m:fPr>
-                      <m:num>
-                        <m:r>
-                          <a:rPr lang="pt-BR" i="1">
-                            <a:latin typeface="Cambria Math"/>
-                          </a:rPr>
-                          <m:t>3,5−3,3</m:t>
-                        </m:r>
-                      </m:num>
-                      <m:den>
-                        <m:r>
-                          <a:rPr lang="pt-BR" i="1">
-                            <a:latin typeface="Cambria Math"/>
-                          </a:rPr>
-                          <m:t>3</m:t>
-                        </m:r>
-                      </m:den>
-                    </m:f>
-                    <m:r>
-                      <a:rPr lang="pt-BR" i="1">
-                        <a:latin typeface="Cambria Math"/>
-                      </a:rPr>
-                      <m:t>=0,0667</m:t>
-                    </m:r>
-                  </m:oMath>
-                </a14:m>
-                <a:r>
-                  <a:rPr lang="pt-BR" dirty="0"/>
-                  <a:t> </a:t>
-                </a:r>
-              </a:p>
-              <a:p>
-                <a:pPr marL="114300" indent="0">
-                  <a:buNone/>
-                </a:pPr>
-                <a:r>
-                  <a:rPr lang="pt-BR" dirty="0"/>
-                  <a:t> </a:t>
-                </a:r>
-              </a:p>
-              <a:p>
-                <a:pPr marL="114300" indent="0">
-                  <a:buNone/>
-                </a:pPr>
-                <a:r>
-                  <a:rPr lang="pt-BR" dirty="0"/>
-                  <a:t>Verifica-se que quanto maior o número de dentes, menor é o fator, por isso iremos diminuir o incremento em cada posição.</a:t>
-                </a:r>
-              </a:p>
-              <a:p>
-                <a:pPr marL="114300" indent="0">
-                  <a:buNone/>
-                </a:pPr>
-                <a:r>
-                  <a:rPr lang="pt-BR" dirty="0"/>
-                  <a:t> </a:t>
-                </a:r>
-              </a:p>
-              <a:p>
-                <a:pPr marL="114300" indent="0">
-                  <a:buNone/>
-                </a:pPr>
-                <a14:m>
-                  <m:oMathPara xmlns:m="http://schemas.openxmlformats.org/officeDocument/2006/math">
-                    <m:oMathParaPr>
-                      <m:jc m:val="centerGroup"/>
-                    </m:oMathParaPr>
-                    <m:oMath xmlns:m="http://schemas.openxmlformats.org/officeDocument/2006/math">
-                      <m:sSub>
-                        <m:sSubPr>
-                          <m:ctrlPr>
-                            <a:rPr lang="pt-BR" i="1">
-                              <a:latin typeface="Cambria Math"/>
-                            </a:rPr>
-                          </m:ctrlPr>
-                        </m:sSubPr>
-                        <m:e>
-                          <m:r>
-                            <a:rPr lang="pt-BR" i="1">
-                              <a:latin typeface="Cambria Math"/>
-                            </a:rPr>
-                            <m:t>𝑞</m:t>
-                          </m:r>
-                        </m:e>
-                        <m:sub>
-                          <m:r>
-                            <a:rPr lang="pt-BR" i="1">
-                              <a:latin typeface="Cambria Math"/>
-                            </a:rPr>
-                            <m:t>19</m:t>
-                          </m:r>
-                        </m:sub>
-                      </m:sSub>
-                      <m:r>
-                        <a:rPr lang="pt-BR" i="1">
-                          <a:latin typeface="Cambria Math"/>
-                        </a:rPr>
-                        <m:t>=3,50−0.0667→</m:t>
-                      </m:r>
-                      <m:sSub>
-                        <m:sSubPr>
-                          <m:ctrlPr>
-                            <a:rPr lang="pt-BR" i="1">
-                              <a:latin typeface="Cambria Math"/>
-                            </a:rPr>
-                          </m:ctrlPr>
-                        </m:sSubPr>
-                        <m:e>
-                          <m:r>
-                            <a:rPr lang="pt-BR" i="1">
-                              <a:latin typeface="Cambria Math"/>
-                            </a:rPr>
-                            <m:t>𝑞</m:t>
-                          </m:r>
-                        </m:e>
-                        <m:sub>
-                          <m:r>
-                            <a:rPr lang="pt-BR" i="1">
-                              <a:latin typeface="Cambria Math"/>
-                            </a:rPr>
-                            <m:t>19</m:t>
-                          </m:r>
-                        </m:sub>
-                      </m:sSub>
-                      <m:r>
-                        <a:rPr lang="pt-BR" i="1">
-                          <a:latin typeface="Cambria Math"/>
-                        </a:rPr>
-                        <m:t>=3,43</m:t>
-                      </m:r>
-                    </m:oMath>
-                  </m:oMathPara>
-                </a14:m>
-                <a:endParaRPr lang="pt-BR" dirty="0"/>
-              </a:p>
-              <a:p>
-                <a:pPr marL="114300" indent="0">
-                  <a:buNone/>
-                </a:pPr>
-                <a14:m>
-                  <m:oMathPara xmlns:m="http://schemas.openxmlformats.org/officeDocument/2006/math">
-                    <m:oMathParaPr>
-                      <m:jc m:val="centerGroup"/>
-                    </m:oMathParaPr>
-                    <m:oMath xmlns:m="http://schemas.openxmlformats.org/officeDocument/2006/math">
-                      <m:sSub>
-                        <m:sSubPr>
-                          <m:ctrlPr>
-                            <a:rPr lang="pt-BR" i="1">
-                              <a:latin typeface="Cambria Math"/>
-                            </a:rPr>
-                          </m:ctrlPr>
-                        </m:sSubPr>
-                        <m:e>
-                          <m:r>
-                            <a:rPr lang="pt-BR" i="1">
-                              <a:latin typeface="Cambria Math"/>
-                            </a:rPr>
-                            <m:t>𝑞</m:t>
-                          </m:r>
-                        </m:e>
-                        <m:sub>
-                          <m:r>
-                            <a:rPr lang="pt-BR" i="1">
-                              <a:latin typeface="Cambria Math"/>
-                            </a:rPr>
-                            <m:t>20</m:t>
-                          </m:r>
-                        </m:sub>
-                      </m:sSub>
-                      <m:r>
-                        <a:rPr lang="pt-BR" i="1">
-                          <a:latin typeface="Cambria Math"/>
-                        </a:rPr>
-                        <m:t>=3,43−0.0667→</m:t>
-                      </m:r>
-                      <m:sSub>
-                        <m:sSubPr>
-                          <m:ctrlPr>
-                            <a:rPr lang="pt-BR" i="1">
-                              <a:latin typeface="Cambria Math"/>
-                            </a:rPr>
-                          </m:ctrlPr>
-                        </m:sSubPr>
-                        <m:e>
-                          <m:r>
-                            <a:rPr lang="pt-BR" i="1">
-                              <a:latin typeface="Cambria Math"/>
-                            </a:rPr>
-                            <m:t>𝑞</m:t>
-                          </m:r>
-                        </m:e>
-                        <m:sub>
-                          <m:r>
-                            <a:rPr lang="pt-BR" i="1">
-                              <a:latin typeface="Cambria Math"/>
-                            </a:rPr>
-                            <m:t>20</m:t>
-                          </m:r>
-                        </m:sub>
-                      </m:sSub>
-                      <m:r>
-                        <a:rPr lang="pt-BR" i="1">
-                          <a:latin typeface="Cambria Math"/>
-                        </a:rPr>
-                        <m:t>=3,37</m:t>
-                      </m:r>
-                    </m:oMath>
-                  </m:oMathPara>
-                </a14:m>
-                <a:endParaRPr lang="pt-BR" dirty="0"/>
-              </a:p>
-              <a:p>
-                <a:pPr marL="114300" indent="0">
-                  <a:buNone/>
-                </a:pPr>
-                <a:endParaRPr lang="pt-BR" dirty="0" smtClean="0"/>
-              </a:p>
-              <a:p>
-                <a:pPr marL="114300" indent="0">
-                  <a:buNone/>
-                </a:pPr>
-                <a:r>
-                  <a:rPr lang="pt-BR" dirty="0" smtClean="0"/>
-                  <a:t>Portanto </a:t>
-                </a:r>
-                <a:r>
-                  <a:rPr lang="pt-BR" dirty="0"/>
-                  <a:t>será usado como fator de forma (q) = 3,37</a:t>
-                </a:r>
-              </a:p>
-              <a:p>
-                <a:pPr marL="114300" indent="0">
-                  <a:buNone/>
-                </a:pPr>
-                <a:r>
-                  <a:rPr lang="pt-BR" dirty="0"/>
-                  <a:t> </a:t>
-                </a:r>
-                <a:r>
-                  <a:rPr lang="pt-BR" dirty="0" smtClean="0"/>
-                  <a:t>Adotaremos </a:t>
-                </a:r>
-                <a:r>
-                  <a:rPr lang="pt-BR" dirty="0"/>
-                  <a:t>também o ângulo pressão α = 20º</a:t>
-                </a:r>
-              </a:p>
-              <a:p>
-                <a:endParaRPr lang="pt-BR" dirty="0"/>
-              </a:p>
-            </p:txBody>
-          </p:sp>
-        </mc:Choice>
-        <mc:Fallback>
-          <p:sp>
-            <p:nvSpPr>
-              <p:cNvPr id="3" name="Espaço Reservado para Conteúdo 2"/>
-              <p:cNvSpPr>
-                <a:spLocks noGrp="1" noRot="1" noChangeAspect="1" noMove="1" noResize="1" noEditPoints="1" noAdjustHandles="1" noChangeArrowheads="1" noChangeShapeType="1" noTextEdit="1"/>
-              </p:cNvSpPr>
-              <p:nvPr>
-                <p:ph idx="1"/>
-              </p:nvPr>
-            </p:nvSpPr>
-            <p:spPr>
-              <a:blipFill rotWithShape="1">
-                <a:blip r:embed="rId2"/>
-                <a:stretch>
-                  <a:fillRect t="-1271" r="-1440"/>
-                </a:stretch>
-              </a:blipFill>
-            </p:spPr>
-            <p:txBody>
-              <a:bodyPr/>
-              <a:lstStyle/>
-              <a:p>
-                <a:r>
-                  <a:rPr lang="pt-BR">
-                    <a:noFill/>
-                  </a:rPr>
-                  <a:t> </a:t>
-                </a:r>
-              </a:p>
-            </p:txBody>
-          </p:sp>
-        </mc:Fallback>
-      </mc:AlternateContent>
-    </p:spTree>
-    <p:extLst>
-      <p:ext uri="{BB962C8B-B14F-4D97-AF65-F5344CB8AC3E}">
-        <p14:creationId xmlns:p14="http://schemas.microsoft.com/office/powerpoint/2010/main" val="1515222303"/>
-      </p:ext>
-    </p:extLst>
-  </p:cSld>
-  <p:clrMapOvr>
-    <a:masterClrMapping/>
-  </p:clrMapOvr>
-</p:sld>
-</file>
-
-<file path=ppt/slides/slide15.xml><?xml version="1.0" encoding="utf-8"?>
-<p:sld xmlns:a="http://schemas.openxmlformats.org/drawingml/2006/main" xmlns:r="http://schemas.openxmlformats.org/officeDocument/2006/relationships" xmlns:p="http://schemas.openxmlformats.org/presentationml/2006/main">
-  <p:cSld>
-    <p:spTree>
-      <p:nvGrpSpPr>
-        <p:cNvPr id="1" name=""/>
-        <p:cNvGrpSpPr/>
-        <p:nvPr/>
-      </p:nvGrpSpPr>
-      <p:grpSpPr>
-        <a:xfrm>
-          <a:off x="0" y="0"/>
-          <a:ext cx="0" cy="0"/>
-          <a:chOff x="0" y="0"/>
-          <a:chExt cx="0" cy="0"/>
-        </a:xfrm>
-      </p:grpSpPr>
-      <p:sp>
-        <p:nvSpPr>
-          <p:cNvPr id="2" name="Título 1"/>
-          <p:cNvSpPr>
-            <a:spLocks noGrp="1"/>
-          </p:cNvSpPr>
-          <p:nvPr>
-            <p:ph type="title"/>
-          </p:nvPr>
-        </p:nvSpPr>
-        <p:spPr/>
-        <p:txBody>
-          <a:bodyPr/>
-          <a:lstStyle/>
-          <a:p>
-            <a:pPr algn="ctr"/>
-            <a:r>
-              <a:rPr lang="pt-BR" dirty="0" smtClean="0">
+              <a:rPr lang="pt-BR" dirty="0">
                 <a:solidFill>
                   <a:schemeClr val="tx1"/>
                 </a:solidFill>
               </a:rPr>
               <a:t>Dimensionamento</a:t>
             </a:r>
-            <a:endParaRPr lang="pt-BR" dirty="0">
-              <a:solidFill>
-                <a:schemeClr val="tx1"/>
-              </a:solidFill>
-            </a:endParaRPr>
           </a:p>
         </p:txBody>
       </p:sp>
-      <mc:AlternateContent xmlns:mc="http://schemas.openxmlformats.org/markup-compatibility/2006">
-        <mc:Choice xmlns:a14="http://schemas.microsoft.com/office/drawing/2010/main" Requires="a14">
+      <mc:AlternateContent xmlns:mc="http://schemas.openxmlformats.org/markup-compatibility/2006" xmlns:a14="http://schemas.microsoft.com/office/drawing/2010/main">
+        <mc:Choice Requires="a14">
           <p:sp>
             <p:nvSpPr>
               <p:cNvPr id="3" name="Espaço Reservado para Conteúdo 2"/>
@@ -5204,7 +3854,7 @@
               <a:lstStyle/>
               <a:p>
                 <a:r>
-                  <a:rPr lang="pt-BR" dirty="0" smtClean="0">
+                  <a:rPr lang="pt-BR" dirty="0">
                     <a:solidFill>
                       <a:schemeClr val="tx1"/>
                     </a:solidFill>
@@ -5266,6 +3916,7 @@
                               <a:solidFill>
                                 <a:schemeClr val="tx1"/>
                               </a:solidFill>
+                              <a:latin typeface="Cambria Math" panose="02040503050406030204" pitchFamily="18" charset="0"/>
                             </a:rPr>
                           </m:ctrlPr>
                         </m:sSubPr>
@@ -5275,6 +3926,7 @@
                               <a:solidFill>
                                 <a:schemeClr val="tx1"/>
                               </a:solidFill>
+                              <a:latin typeface="Cambria Math" panose="02040503050406030204" pitchFamily="18" charset="0"/>
                             </a:rPr>
                             <m:t>𝑀</m:t>
                           </m:r>
@@ -5285,6 +3937,7 @@
                               <a:solidFill>
                                 <a:schemeClr val="tx1"/>
                               </a:solidFill>
+                              <a:latin typeface="Cambria Math" panose="02040503050406030204" pitchFamily="18" charset="0"/>
                             </a:rPr>
                             <m:t>𝑡</m:t>
                           </m:r>
@@ -5295,6 +3948,7 @@
                           <a:solidFill>
                             <a:schemeClr val="tx1"/>
                           </a:solidFill>
+                          <a:latin typeface="Cambria Math" panose="02040503050406030204" pitchFamily="18" charset="0"/>
                         </a:rPr>
                         <m:t>=</m:t>
                       </m:r>
@@ -5305,6 +3959,7 @@
                               <a:solidFill>
                                 <a:schemeClr val="tx1"/>
                               </a:solidFill>
+                              <a:latin typeface="Cambria Math" panose="02040503050406030204" pitchFamily="18" charset="0"/>
                             </a:rPr>
                           </m:ctrlPr>
                         </m:fPr>
@@ -5314,6 +3969,7 @@
                               <a:solidFill>
                                 <a:schemeClr val="tx1"/>
                               </a:solidFill>
+                              <a:latin typeface="Cambria Math" panose="02040503050406030204" pitchFamily="18" charset="0"/>
                             </a:rPr>
                             <m:t>30.</m:t>
                           </m:r>
@@ -5322,6 +3978,7 @@
                               <a:solidFill>
                                 <a:schemeClr val="tx1"/>
                               </a:solidFill>
+                              <a:latin typeface="Cambria Math" panose="02040503050406030204" pitchFamily="18" charset="0"/>
                             </a:rPr>
                             <m:t>𝑃</m:t>
                           </m:r>
@@ -5332,6 +3989,7 @@
                               <a:solidFill>
                                 <a:schemeClr val="tx1"/>
                               </a:solidFill>
+                              <a:latin typeface="Cambria Math" panose="02040503050406030204" pitchFamily="18" charset="0"/>
                             </a:rPr>
                             <m:t>𝜋</m:t>
                           </m:r>
@@ -5340,6 +3998,7 @@
                               <a:solidFill>
                                 <a:schemeClr val="tx1"/>
                               </a:solidFill>
+                              <a:latin typeface="Cambria Math" panose="02040503050406030204" pitchFamily="18" charset="0"/>
                             </a:rPr>
                             <m:t>.</m:t>
                           </m:r>
@@ -5348,6 +4007,7 @@
                               <a:solidFill>
                                 <a:schemeClr val="tx1"/>
                               </a:solidFill>
+                              <a:latin typeface="Cambria Math" panose="02040503050406030204" pitchFamily="18" charset="0"/>
                             </a:rPr>
                             <m:t>𝑛</m:t>
                           </m:r>
@@ -5358,6 +4018,7 @@
                           <a:solidFill>
                             <a:schemeClr val="tx1"/>
                           </a:solidFill>
+                          <a:latin typeface="Cambria Math" panose="02040503050406030204" pitchFamily="18" charset="0"/>
                         </a:rPr>
                         <m:t>→</m:t>
                       </m:r>
@@ -5368,6 +4029,7 @@
                               <a:solidFill>
                                 <a:schemeClr val="tx1"/>
                               </a:solidFill>
+                              <a:latin typeface="Cambria Math" panose="02040503050406030204" pitchFamily="18" charset="0"/>
                             </a:rPr>
                           </m:ctrlPr>
                         </m:sSubPr>
@@ -5377,6 +4039,7 @@
                               <a:solidFill>
                                 <a:schemeClr val="tx1"/>
                               </a:solidFill>
+                              <a:latin typeface="Cambria Math" panose="02040503050406030204" pitchFamily="18" charset="0"/>
                             </a:rPr>
                             <m:t>𝑀</m:t>
                           </m:r>
@@ -5387,6 +4050,7 @@
                               <a:solidFill>
                                 <a:schemeClr val="tx1"/>
                               </a:solidFill>
+                              <a:latin typeface="Cambria Math" panose="02040503050406030204" pitchFamily="18" charset="0"/>
                             </a:rPr>
                             <m:t>𝑡</m:t>
                           </m:r>
@@ -5397,6 +4061,7 @@
                           <a:solidFill>
                             <a:schemeClr val="tx1"/>
                           </a:solidFill>
+                          <a:latin typeface="Cambria Math" panose="02040503050406030204" pitchFamily="18" charset="0"/>
                         </a:rPr>
                         <m:t>=</m:t>
                       </m:r>
@@ -5407,6 +4072,7 @@
                               <a:solidFill>
                                 <a:schemeClr val="tx1"/>
                               </a:solidFill>
+                              <a:latin typeface="Cambria Math" panose="02040503050406030204" pitchFamily="18" charset="0"/>
                             </a:rPr>
                           </m:ctrlPr>
                         </m:fPr>
@@ -5416,6 +4082,7 @@
                               <a:solidFill>
                                 <a:schemeClr val="tx1"/>
                               </a:solidFill>
+                              <a:latin typeface="Cambria Math" panose="02040503050406030204" pitchFamily="18" charset="0"/>
                             </a:rPr>
                             <m:t>30.10000</m:t>
                           </m:r>
@@ -5426,6 +4093,7 @@
                               <a:solidFill>
                                 <a:schemeClr val="tx1"/>
                               </a:solidFill>
+                              <a:latin typeface="Cambria Math" panose="02040503050406030204" pitchFamily="18" charset="0"/>
                             </a:rPr>
                             <m:t>𝜋</m:t>
                           </m:r>
@@ -5434,6 +4102,7 @@
                               <a:solidFill>
                                 <a:schemeClr val="tx1"/>
                               </a:solidFill>
+                              <a:latin typeface="Cambria Math" panose="02040503050406030204" pitchFamily="18" charset="0"/>
                             </a:rPr>
                             <m:t>1750</m:t>
                           </m:r>
@@ -5444,6 +4113,7 @@
                           <a:solidFill>
                             <a:schemeClr val="tx1"/>
                           </a:solidFill>
+                          <a:latin typeface="Cambria Math" panose="02040503050406030204" pitchFamily="18" charset="0"/>
                         </a:rPr>
                         <m:t>→</m:t>
                       </m:r>
@@ -5454,6 +4124,7 @@
                               <a:solidFill>
                                 <a:schemeClr val="tx1"/>
                               </a:solidFill>
+                              <a:latin typeface="Cambria Math" panose="02040503050406030204" pitchFamily="18" charset="0"/>
                             </a:rPr>
                           </m:ctrlPr>
                         </m:sSubPr>
@@ -5463,6 +4134,7 @@
                               <a:solidFill>
                                 <a:schemeClr val="tx1"/>
                               </a:solidFill>
+                              <a:latin typeface="Cambria Math" panose="02040503050406030204" pitchFamily="18" charset="0"/>
                             </a:rPr>
                             <m:t>𝑀</m:t>
                           </m:r>
@@ -5473,6 +4145,7 @@
                               <a:solidFill>
                                 <a:schemeClr val="tx1"/>
                               </a:solidFill>
+                              <a:latin typeface="Cambria Math" panose="02040503050406030204" pitchFamily="18" charset="0"/>
                             </a:rPr>
                             <m:t>𝑡</m:t>
                           </m:r>
@@ -5483,6 +4156,7 @@
                           <a:solidFill>
                             <a:schemeClr val="tx1"/>
                           </a:solidFill>
+                          <a:latin typeface="Cambria Math" panose="02040503050406030204" pitchFamily="18" charset="0"/>
                         </a:rPr>
                         <m:t>=54,56741</m:t>
                       </m:r>
@@ -5491,6 +4165,7 @@
                           <a:solidFill>
                             <a:schemeClr val="tx1"/>
                           </a:solidFill>
+                          <a:latin typeface="Cambria Math" panose="02040503050406030204" pitchFamily="18" charset="0"/>
                         </a:rPr>
                         <m:t>𝑁𝑚</m:t>
                       </m:r>
@@ -5499,6 +4174,7 @@
                           <a:solidFill>
                             <a:schemeClr val="tx1"/>
                           </a:solidFill>
+                          <a:latin typeface="Cambria Math" panose="02040503050406030204" pitchFamily="18" charset="0"/>
                         </a:rPr>
                         <m:t>→</m:t>
                       </m:r>
@@ -5509,6 +4185,7 @@
                               <a:solidFill>
                                 <a:schemeClr val="tx1"/>
                               </a:solidFill>
+                              <a:latin typeface="Cambria Math" panose="02040503050406030204" pitchFamily="18" charset="0"/>
                             </a:rPr>
                           </m:ctrlPr>
                         </m:sSubPr>
@@ -5518,6 +4195,7 @@
                               <a:solidFill>
                                 <a:schemeClr val="tx1"/>
                               </a:solidFill>
+                              <a:latin typeface="Cambria Math" panose="02040503050406030204" pitchFamily="18" charset="0"/>
                             </a:rPr>
                             <m:t>𝑀</m:t>
                           </m:r>
@@ -5528,6 +4206,7 @@
                               <a:solidFill>
                                 <a:schemeClr val="tx1"/>
                               </a:solidFill>
+                              <a:latin typeface="Cambria Math" panose="02040503050406030204" pitchFamily="18" charset="0"/>
                             </a:rPr>
                             <m:t>𝑡</m:t>
                           </m:r>
@@ -5538,6 +4217,7 @@
                           <a:solidFill>
                             <a:schemeClr val="tx1"/>
                           </a:solidFill>
+                          <a:latin typeface="Cambria Math" panose="02040503050406030204" pitchFamily="18" charset="0"/>
                         </a:rPr>
                         <m:t>=54567,41</m:t>
                       </m:r>
@@ -5546,6 +4226,7 @@
                           <a:solidFill>
                             <a:schemeClr val="tx1"/>
                           </a:solidFill>
+                          <a:latin typeface="Cambria Math" panose="02040503050406030204" pitchFamily="18" charset="0"/>
                         </a:rPr>
                         <m:t>𝑁𝑚𝑚</m:t>
                       </m:r>
@@ -5572,7 +4253,7 @@
                 </a:r>
               </a:p>
               <a:p>
-                <a:endParaRPr lang="pt-BR" dirty="0" smtClean="0">
+                <a:endParaRPr lang="pt-BR" dirty="0">
                   <a:solidFill>
                     <a:schemeClr val="tx1"/>
                   </a:solidFill>
@@ -5585,37 +4266,8 @@
                       <a:schemeClr val="tx1"/>
                     </a:solidFill>
                   </a:rPr>
-                  <a:t> </a:t>
+                  <a:t>  Fator de durabilidade (W):</a:t>
                 </a:r>
-                <a:r>
-                  <a:rPr lang="pt-BR" dirty="0" smtClean="0">
-                    <a:solidFill>
-                      <a:schemeClr val="tx1"/>
-                    </a:solidFill>
-                  </a:rPr>
-                  <a:t> </a:t>
-                </a:r>
-                <a:r>
-                  <a:rPr lang="pt-BR" dirty="0">
-                    <a:solidFill>
-                      <a:schemeClr val="tx1"/>
-                    </a:solidFill>
-                  </a:rPr>
-                  <a:t>Fator de durabilidade (W</a:t>
-                </a:r>
-                <a:r>
-                  <a:rPr lang="pt-BR" dirty="0" smtClean="0">
-                    <a:solidFill>
-                      <a:schemeClr val="tx1"/>
-                    </a:solidFill>
-                  </a:rPr>
-                  <a:t>):</a:t>
-                </a:r>
-                <a:endParaRPr lang="pt-BR" dirty="0">
-                  <a:solidFill>
-                    <a:schemeClr val="tx1"/>
-                  </a:solidFill>
-                </a:endParaRPr>
               </a:p>
               <a:p>
                 <a:pPr marL="114300" indent="0">
@@ -5632,6 +4284,7 @@
                           <a:solidFill>
                             <a:schemeClr val="tx1"/>
                           </a:solidFill>
+                          <a:latin typeface="Cambria Math" panose="02040503050406030204" pitchFamily="18" charset="0"/>
                         </a:rPr>
                         <m:t>𝑊</m:t>
                       </m:r>
@@ -5640,6 +4293,7 @@
                           <a:solidFill>
                             <a:schemeClr val="tx1"/>
                           </a:solidFill>
+                          <a:latin typeface="Cambria Math" panose="02040503050406030204" pitchFamily="18" charset="0"/>
                         </a:rPr>
                         <m:t>=</m:t>
                       </m:r>
@@ -5650,6 +4304,7 @@
                               <a:solidFill>
                                 <a:schemeClr val="tx1"/>
                               </a:solidFill>
+                              <a:latin typeface="Cambria Math" panose="02040503050406030204" pitchFamily="18" charset="0"/>
                             </a:rPr>
                           </m:ctrlPr>
                         </m:radPr>
@@ -5659,6 +4314,7 @@
                               <a:solidFill>
                                 <a:schemeClr val="tx1"/>
                               </a:solidFill>
+                              <a:latin typeface="Cambria Math" panose="02040503050406030204" pitchFamily="18" charset="0"/>
                             </a:rPr>
                             <m:t>6</m:t>
                           </m:r>
@@ -5671,6 +4327,7 @@
                                   <a:solidFill>
                                     <a:schemeClr val="tx1"/>
                                   </a:solidFill>
+                                  <a:latin typeface="Cambria Math" panose="02040503050406030204" pitchFamily="18" charset="0"/>
                                 </a:rPr>
                               </m:ctrlPr>
                             </m:fPr>
@@ -5680,6 +4337,7 @@
                                   <a:solidFill>
                                     <a:schemeClr val="tx1"/>
                                   </a:solidFill>
+                                  <a:latin typeface="Cambria Math" panose="02040503050406030204" pitchFamily="18" charset="0"/>
                                 </a:rPr>
                                 <m:t>60.</m:t>
                               </m:r>
@@ -5688,6 +4346,7 @@
                                   <a:solidFill>
                                     <a:schemeClr val="tx1"/>
                                   </a:solidFill>
+                                  <a:latin typeface="Cambria Math" panose="02040503050406030204" pitchFamily="18" charset="0"/>
                                 </a:rPr>
                                 <m:t>𝑛</m:t>
                               </m:r>
@@ -5696,6 +4355,7 @@
                                   <a:solidFill>
                                     <a:schemeClr val="tx1"/>
                                   </a:solidFill>
+                                  <a:latin typeface="Cambria Math" panose="02040503050406030204" pitchFamily="18" charset="0"/>
                                 </a:rPr>
                                 <m:t>.</m:t>
                               </m:r>
@@ -5704,6 +4364,7 @@
                                   <a:solidFill>
                                     <a:schemeClr val="tx1"/>
                                   </a:solidFill>
+                                  <a:latin typeface="Cambria Math" panose="02040503050406030204" pitchFamily="18" charset="0"/>
                                 </a:rPr>
                                 <m:t>h</m:t>
                               </m:r>
@@ -5716,6 +4377,7 @@
                                       <a:solidFill>
                                         <a:schemeClr val="tx1"/>
                                       </a:solidFill>
+                                      <a:latin typeface="Cambria Math" panose="02040503050406030204" pitchFamily="18" charset="0"/>
                                     </a:rPr>
                                   </m:ctrlPr>
                                 </m:sSupPr>
@@ -5725,6 +4387,7 @@
                                       <a:solidFill>
                                         <a:schemeClr val="tx1"/>
                                       </a:solidFill>
+                                      <a:latin typeface="Cambria Math" panose="02040503050406030204" pitchFamily="18" charset="0"/>
                                     </a:rPr>
                                     <m:t>10</m:t>
                                   </m:r>
@@ -5735,6 +4398,7 @@
                                       <a:solidFill>
                                         <a:schemeClr val="tx1"/>
                                       </a:solidFill>
+                                      <a:latin typeface="Cambria Math" panose="02040503050406030204" pitchFamily="18" charset="0"/>
                                     </a:rPr>
                                     <m:t>6</m:t>
                                   </m:r>
@@ -5749,6 +4413,7 @@
                           <a:solidFill>
                             <a:schemeClr val="tx1"/>
                           </a:solidFill>
+                          <a:latin typeface="Cambria Math" panose="02040503050406030204" pitchFamily="18" charset="0"/>
                         </a:rPr>
                         <m:t>→</m:t>
                       </m:r>
@@ -5757,6 +4422,7 @@
                           <a:solidFill>
                             <a:schemeClr val="tx1"/>
                           </a:solidFill>
+                          <a:latin typeface="Cambria Math" panose="02040503050406030204" pitchFamily="18" charset="0"/>
                         </a:rPr>
                         <m:t>𝑊</m:t>
                       </m:r>
@@ -5765,6 +4431,7 @@
                           <a:solidFill>
                             <a:schemeClr val="tx1"/>
                           </a:solidFill>
+                          <a:latin typeface="Cambria Math" panose="02040503050406030204" pitchFamily="18" charset="0"/>
                         </a:rPr>
                         <m:t>=</m:t>
                       </m:r>
@@ -5775,6 +4442,7 @@
                               <a:solidFill>
                                 <a:schemeClr val="tx1"/>
                               </a:solidFill>
+                              <a:latin typeface="Cambria Math" panose="02040503050406030204" pitchFamily="18" charset="0"/>
                             </a:rPr>
                           </m:ctrlPr>
                         </m:radPr>
@@ -5784,6 +4452,7 @@
                               <a:solidFill>
                                 <a:schemeClr val="tx1"/>
                               </a:solidFill>
+                              <a:latin typeface="Cambria Math" panose="02040503050406030204" pitchFamily="18" charset="0"/>
                             </a:rPr>
                             <m:t>6</m:t>
                           </m:r>
@@ -5796,6 +4465,7 @@
                                   <a:solidFill>
                                     <a:schemeClr val="tx1"/>
                                   </a:solidFill>
+                                  <a:latin typeface="Cambria Math" panose="02040503050406030204" pitchFamily="18" charset="0"/>
                                 </a:rPr>
                               </m:ctrlPr>
                             </m:fPr>
@@ -5805,6 +4475,7 @@
                                   <a:solidFill>
                                     <a:schemeClr val="tx1"/>
                                   </a:solidFill>
+                                  <a:latin typeface="Cambria Math" panose="02040503050406030204" pitchFamily="18" charset="0"/>
                                 </a:rPr>
                                 <m:t>60.1750.10000</m:t>
                               </m:r>
@@ -5817,6 +4488,7 @@
                                       <a:solidFill>
                                         <a:schemeClr val="tx1"/>
                                       </a:solidFill>
+                                      <a:latin typeface="Cambria Math" panose="02040503050406030204" pitchFamily="18" charset="0"/>
                                     </a:rPr>
                                   </m:ctrlPr>
                                 </m:sSupPr>
@@ -5826,6 +4498,7 @@
                                       <a:solidFill>
                                         <a:schemeClr val="tx1"/>
                                       </a:solidFill>
+                                      <a:latin typeface="Cambria Math" panose="02040503050406030204" pitchFamily="18" charset="0"/>
                                     </a:rPr>
                                     <m:t>10</m:t>
                                   </m:r>
@@ -5836,6 +4509,7 @@
                                       <a:solidFill>
                                         <a:schemeClr val="tx1"/>
                                       </a:solidFill>
+                                      <a:latin typeface="Cambria Math" panose="02040503050406030204" pitchFamily="18" charset="0"/>
                                     </a:rPr>
                                     <m:t>6</m:t>
                                   </m:r>
@@ -5850,6 +4524,7 @@
                           <a:solidFill>
                             <a:schemeClr val="tx1"/>
                           </a:solidFill>
+                          <a:latin typeface="Cambria Math" panose="02040503050406030204" pitchFamily="18" charset="0"/>
                         </a:rPr>
                         <m:t>→</m:t>
                       </m:r>
@@ -5858,6 +4533,7 @@
                           <a:solidFill>
                             <a:schemeClr val="tx1"/>
                           </a:solidFill>
+                          <a:latin typeface="Cambria Math" panose="02040503050406030204" pitchFamily="18" charset="0"/>
                         </a:rPr>
                         <m:t>𝑊</m:t>
                       </m:r>
@@ -5866,6 +4542,7 @@
                           <a:solidFill>
                             <a:schemeClr val="tx1"/>
                           </a:solidFill>
+                          <a:latin typeface="Cambria Math" panose="02040503050406030204" pitchFamily="18" charset="0"/>
                         </a:rPr>
                         <m:t>=3,19</m:t>
                       </m:r>
@@ -5879,7 +4556,7 @@
                 </a:endParaRPr>
               </a:p>
               <a:p>
-                <a:endParaRPr lang="pt-BR" dirty="0" smtClean="0">
+                <a:endParaRPr lang="pt-BR" dirty="0">
                   <a:solidFill>
                     <a:schemeClr val="tx1"/>
                   </a:solidFill>
@@ -5892,23 +4569,7 @@
                       <a:schemeClr val="tx1"/>
                     </a:solidFill>
                   </a:rPr>
-                  <a:t> </a:t>
-                </a:r>
-                <a:r>
-                  <a:rPr lang="pt-BR" dirty="0" smtClean="0">
-                    <a:solidFill>
-                      <a:schemeClr val="tx1"/>
-                    </a:solidFill>
-                  </a:rPr>
-                  <a:t>Cálculo </a:t>
-                </a:r>
-                <a:r>
-                  <a:rPr lang="pt-BR" dirty="0">
-                    <a:solidFill>
-                      <a:schemeClr val="tx1"/>
-                    </a:solidFill>
-                  </a:rPr>
-                  <a:t>da Pressão (</a:t>
+                  <a:t> Cálculo da Pressão (</a:t>
                 </a:r>
                 <a:r>
                   <a:rPr lang="pt-BR" dirty="0" err="1">
@@ -5927,7 +4588,7 @@
                   <a:t>adm</a:t>
                 </a:r>
                 <a:r>
-                  <a:rPr lang="pt-BR" dirty="0" smtClean="0">
+                  <a:rPr lang="pt-BR" dirty="0">
                     <a:solidFill>
                       <a:schemeClr val="tx1"/>
                     </a:solidFill>
@@ -5959,6 +4620,7 @@
                               <a:solidFill>
                                 <a:schemeClr val="tx1"/>
                               </a:solidFill>
+                              <a:latin typeface="Cambria Math" panose="02040503050406030204" pitchFamily="18" charset="0"/>
                             </a:rPr>
                           </m:ctrlPr>
                         </m:sSubPr>
@@ -5968,6 +4630,7 @@
                               <a:solidFill>
                                 <a:schemeClr val="tx1"/>
                               </a:solidFill>
+                              <a:latin typeface="Cambria Math" panose="02040503050406030204" pitchFamily="18" charset="0"/>
                             </a:rPr>
                             <m:t>𝑃</m:t>
                           </m:r>
@@ -5978,6 +4641,7 @@
                               <a:solidFill>
                                 <a:schemeClr val="tx1"/>
                               </a:solidFill>
+                              <a:latin typeface="Cambria Math" panose="02040503050406030204" pitchFamily="18" charset="0"/>
                             </a:rPr>
                             <m:t>𝑎𝑑𝑚</m:t>
                           </m:r>
@@ -5988,6 +4652,7 @@
                           <a:solidFill>
                             <a:schemeClr val="tx1"/>
                           </a:solidFill>
+                          <a:latin typeface="Cambria Math" panose="02040503050406030204" pitchFamily="18" charset="0"/>
                         </a:rPr>
                         <m:t>=</m:t>
                       </m:r>
@@ -5998,6 +4663,7 @@
                               <a:solidFill>
                                 <a:schemeClr val="tx1"/>
                               </a:solidFill>
+                              <a:latin typeface="Cambria Math" panose="02040503050406030204" pitchFamily="18" charset="0"/>
                             </a:rPr>
                           </m:ctrlPr>
                         </m:fPr>
@@ -6007,6 +4673,7 @@
                               <a:solidFill>
                                 <a:schemeClr val="tx1"/>
                               </a:solidFill>
+                              <a:latin typeface="Cambria Math" panose="02040503050406030204" pitchFamily="18" charset="0"/>
                             </a:rPr>
                             <m:t>0,487.</m:t>
                           </m:r>
@@ -6015,6 +4682,7 @@
                               <a:solidFill>
                                 <a:schemeClr val="tx1"/>
                               </a:solidFill>
+                              <a:latin typeface="Cambria Math" panose="02040503050406030204" pitchFamily="18" charset="0"/>
                             </a:rPr>
                             <m:t>𝑑𝑢𝑟𝑒𝑧𝑎</m:t>
                           </m:r>
@@ -6025,6 +4693,7 @@
                               <a:solidFill>
                                 <a:schemeClr val="tx1"/>
                               </a:solidFill>
+                              <a:latin typeface="Cambria Math" panose="02040503050406030204" pitchFamily="18" charset="0"/>
                             </a:rPr>
                             <m:t>𝑊</m:t>
                           </m:r>
@@ -6035,6 +4704,7 @@
                           <a:solidFill>
                             <a:schemeClr val="tx1"/>
                           </a:solidFill>
+                          <a:latin typeface="Cambria Math" panose="02040503050406030204" pitchFamily="18" charset="0"/>
                         </a:rPr>
                         <m:t>→</m:t>
                       </m:r>
@@ -6045,6 +4715,7 @@
                               <a:solidFill>
                                 <a:schemeClr val="tx1"/>
                               </a:solidFill>
+                              <a:latin typeface="Cambria Math" panose="02040503050406030204" pitchFamily="18" charset="0"/>
                             </a:rPr>
                           </m:ctrlPr>
                         </m:sSubPr>
@@ -6054,6 +4725,7 @@
                               <a:solidFill>
                                 <a:schemeClr val="tx1"/>
                               </a:solidFill>
+                              <a:latin typeface="Cambria Math" panose="02040503050406030204" pitchFamily="18" charset="0"/>
                             </a:rPr>
                             <m:t>𝑃</m:t>
                           </m:r>
@@ -6064,6 +4736,7 @@
                               <a:solidFill>
                                 <a:schemeClr val="tx1"/>
                               </a:solidFill>
+                              <a:latin typeface="Cambria Math" panose="02040503050406030204" pitchFamily="18" charset="0"/>
                             </a:rPr>
                             <m:t>𝑎𝑑𝑚</m:t>
                           </m:r>
@@ -6074,6 +4747,7 @@
                           <a:solidFill>
                             <a:schemeClr val="tx1"/>
                           </a:solidFill>
+                          <a:latin typeface="Cambria Math" panose="02040503050406030204" pitchFamily="18" charset="0"/>
                         </a:rPr>
                         <m:t>=</m:t>
                       </m:r>
@@ -6084,6 +4758,7 @@
                               <a:solidFill>
                                 <a:schemeClr val="tx1"/>
                               </a:solidFill>
+                              <a:latin typeface="Cambria Math" panose="02040503050406030204" pitchFamily="18" charset="0"/>
                             </a:rPr>
                           </m:ctrlPr>
                         </m:fPr>
@@ -6093,6 +4768,7 @@
                               <a:solidFill>
                                 <a:schemeClr val="tx1"/>
                               </a:solidFill>
+                              <a:latin typeface="Cambria Math" panose="02040503050406030204" pitchFamily="18" charset="0"/>
                             </a:rPr>
                             <m:t>0,487.6000</m:t>
                           </m:r>
@@ -6103,6 +4779,7 @@
                               <a:solidFill>
                                 <a:schemeClr val="tx1"/>
                               </a:solidFill>
+                              <a:latin typeface="Cambria Math" panose="02040503050406030204" pitchFamily="18" charset="0"/>
                             </a:rPr>
                             <m:t>3,19</m:t>
                           </m:r>
@@ -6113,6 +4790,7 @@
                           <a:solidFill>
                             <a:schemeClr val="tx1"/>
                           </a:solidFill>
+                          <a:latin typeface="Cambria Math" panose="02040503050406030204" pitchFamily="18" charset="0"/>
                         </a:rPr>
                         <m:t>→</m:t>
                       </m:r>
@@ -6123,6 +4801,7 @@
                               <a:solidFill>
                                 <a:schemeClr val="tx1"/>
                               </a:solidFill>
+                              <a:latin typeface="Cambria Math" panose="02040503050406030204" pitchFamily="18" charset="0"/>
                             </a:rPr>
                           </m:ctrlPr>
                         </m:sSubPr>
@@ -6132,6 +4811,7 @@
                               <a:solidFill>
                                 <a:schemeClr val="tx1"/>
                               </a:solidFill>
+                              <a:latin typeface="Cambria Math" panose="02040503050406030204" pitchFamily="18" charset="0"/>
                             </a:rPr>
                             <m:t>𝑃</m:t>
                           </m:r>
@@ -6142,6 +4822,7 @@
                               <a:solidFill>
                                 <a:schemeClr val="tx1"/>
                               </a:solidFill>
+                              <a:latin typeface="Cambria Math" panose="02040503050406030204" pitchFamily="18" charset="0"/>
                             </a:rPr>
                             <m:t>𝑎𝑑𝑚</m:t>
                           </m:r>
@@ -6152,6 +4833,7 @@
                           <a:solidFill>
                             <a:schemeClr val="tx1"/>
                           </a:solidFill>
+                          <a:latin typeface="Cambria Math" panose="02040503050406030204" pitchFamily="18" charset="0"/>
                         </a:rPr>
                         <m:t>=916,53</m:t>
                       </m:r>
@@ -6160,6 +4842,7 @@
                           <a:solidFill>
                             <a:schemeClr val="tx1"/>
                           </a:solidFill>
+                          <a:latin typeface="Cambria Math" panose="02040503050406030204" pitchFamily="18" charset="0"/>
                         </a:rPr>
                         <m:t>𝑀𝑃𝑎</m:t>
                       </m:r>
@@ -6184,42 +4867,16 @@
                   </a:rPr>
                   <a:t> </a:t>
                 </a:r>
-                <a:endParaRPr lang="pt-BR" dirty="0" smtClean="0">
-                  <a:solidFill>
-                    <a:schemeClr val="tx1"/>
-                  </a:solidFill>
-                </a:endParaRPr>
               </a:p>
               <a:p>
-                <a:r>
-                  <a:rPr lang="pt-BR" dirty="0" smtClean="0">
-                    <a:solidFill>
-                      <a:schemeClr val="tx1"/>
-                    </a:solidFill>
-                  </a:rPr>
-                  <a:t>Cálculo </a:t>
-                </a:r>
                 <a:r>
                   <a:rPr lang="pt-BR" dirty="0">
                     <a:solidFill>
                       <a:schemeClr val="tx1"/>
                     </a:solidFill>
                   </a:rPr>
-                  <a:t>do volume mínimo</a:t>
+                  <a:t>Cálculo do volume mínimo:</a:t>
                 </a:r>
-                <a:r>
-                  <a:rPr lang="pt-BR" dirty="0" smtClean="0">
-                    <a:solidFill>
-                      <a:schemeClr val="tx1"/>
-                    </a:solidFill>
-                  </a:rPr>
-                  <a:t>:</a:t>
-                </a:r>
-                <a:endParaRPr lang="pt-BR" dirty="0">
-                  <a:solidFill>
-                    <a:schemeClr val="tx1"/>
-                  </a:solidFill>
-                </a:endParaRPr>
               </a:p>
               <a:p>
                 <a:pPr marL="114300" indent="0">
@@ -6238,6 +4895,7 @@
                               <a:solidFill>
                                 <a:schemeClr val="tx1"/>
                               </a:solidFill>
+                              <a:latin typeface="Cambria Math" panose="02040503050406030204" pitchFamily="18" charset="0"/>
                             </a:rPr>
                           </m:ctrlPr>
                         </m:sSubPr>
@@ -6247,6 +4905,7 @@
                               <a:solidFill>
                                 <a:schemeClr val="tx1"/>
                               </a:solidFill>
+                              <a:latin typeface="Cambria Math" panose="02040503050406030204" pitchFamily="18" charset="0"/>
                             </a:rPr>
                             <m:t>𝑏</m:t>
                           </m:r>
@@ -6257,6 +4916,7 @@
                               <a:solidFill>
                                 <a:schemeClr val="tx1"/>
                               </a:solidFill>
+                              <a:latin typeface="Cambria Math" panose="02040503050406030204" pitchFamily="18" charset="0"/>
                             </a:rPr>
                             <m:t>1</m:t>
                           </m:r>
@@ -6269,6 +4929,7 @@
                               <a:solidFill>
                                 <a:schemeClr val="tx1"/>
                               </a:solidFill>
+                              <a:latin typeface="Cambria Math" panose="02040503050406030204" pitchFamily="18" charset="0"/>
                             </a:rPr>
                           </m:ctrlPr>
                         </m:sSubSupPr>
@@ -6278,6 +4939,7 @@
                               <a:solidFill>
                                 <a:schemeClr val="tx1"/>
                               </a:solidFill>
+                              <a:latin typeface="Cambria Math" panose="02040503050406030204" pitchFamily="18" charset="0"/>
                             </a:rPr>
                             <m:t>𝑑</m:t>
                           </m:r>
@@ -6288,6 +4950,7 @@
                               <a:solidFill>
                                 <a:schemeClr val="tx1"/>
                               </a:solidFill>
+                              <a:latin typeface="Cambria Math" panose="02040503050406030204" pitchFamily="18" charset="0"/>
                             </a:rPr>
                             <m:t>𝑜</m:t>
                           </m:r>
@@ -6296,6 +4959,7 @@
                               <a:solidFill>
                                 <a:schemeClr val="tx1"/>
                               </a:solidFill>
+                              <a:latin typeface="Cambria Math" panose="02040503050406030204" pitchFamily="18" charset="0"/>
                             </a:rPr>
                             <m:t>1</m:t>
                           </m:r>
@@ -6306,6 +4970,7 @@
                               <a:solidFill>
                                 <a:schemeClr val="tx1"/>
                               </a:solidFill>
+                              <a:latin typeface="Cambria Math" panose="02040503050406030204" pitchFamily="18" charset="0"/>
                             </a:rPr>
                             <m:t>2</m:t>
                           </m:r>
@@ -6316,6 +4981,7 @@
                           <a:solidFill>
                             <a:schemeClr val="tx1"/>
                           </a:solidFill>
+                          <a:latin typeface="Cambria Math" panose="02040503050406030204" pitchFamily="18" charset="0"/>
                         </a:rPr>
                         <m:t>=</m:t>
                       </m:r>
@@ -6326,6 +4992,7 @@
                               <a:solidFill>
                                 <a:schemeClr val="tx1"/>
                               </a:solidFill>
+                              <a:latin typeface="Cambria Math" panose="02040503050406030204" pitchFamily="18" charset="0"/>
                             </a:rPr>
                           </m:ctrlPr>
                         </m:sSupPr>
@@ -6335,6 +5002,7 @@
                               <a:solidFill>
                                 <a:schemeClr val="tx1"/>
                               </a:solidFill>
+                              <a:latin typeface="Cambria Math" panose="02040503050406030204" pitchFamily="18" charset="0"/>
                             </a:rPr>
                             <m:t>5,72.10</m:t>
                           </m:r>
@@ -6345,6 +5013,7 @@
                               <a:solidFill>
                                 <a:schemeClr val="tx1"/>
                               </a:solidFill>
+                              <a:latin typeface="Cambria Math" panose="02040503050406030204" pitchFamily="18" charset="0"/>
                             </a:rPr>
                             <m:t>5.</m:t>
                           </m:r>
@@ -6357,6 +5026,7 @@
                               <a:solidFill>
                                 <a:schemeClr val="tx1"/>
                               </a:solidFill>
+                              <a:latin typeface="Cambria Math" panose="02040503050406030204" pitchFamily="18" charset="0"/>
                             </a:rPr>
                           </m:ctrlPr>
                         </m:fPr>
@@ -6366,6 +5036,7 @@
                               <a:solidFill>
                                 <a:schemeClr val="tx1"/>
                               </a:solidFill>
+                              <a:latin typeface="Cambria Math" panose="02040503050406030204" pitchFamily="18" charset="0"/>
                             </a:rPr>
                             <m:t>𝑀𝑡</m:t>
                           </m:r>
@@ -6378,6 +5049,7 @@
                                   <a:solidFill>
                                     <a:schemeClr val="tx1"/>
                                   </a:solidFill>
+                                  <a:latin typeface="Cambria Math" panose="02040503050406030204" pitchFamily="18" charset="0"/>
                                 </a:rPr>
                               </m:ctrlPr>
                             </m:sSubSupPr>
@@ -6387,6 +5059,7 @@
                                   <a:solidFill>
                                     <a:schemeClr val="tx1"/>
                                   </a:solidFill>
+                                  <a:latin typeface="Cambria Math" panose="02040503050406030204" pitchFamily="18" charset="0"/>
                                 </a:rPr>
                                 <m:t>𝑃</m:t>
                               </m:r>
@@ -6397,6 +5070,7 @@
                                   <a:solidFill>
                                     <a:schemeClr val="tx1"/>
                                   </a:solidFill>
+                                  <a:latin typeface="Cambria Math" panose="02040503050406030204" pitchFamily="18" charset="0"/>
                                 </a:rPr>
                                 <m:t>𝑎𝑑𝑚</m:t>
                               </m:r>
@@ -6407,6 +5081,7 @@
                                   <a:solidFill>
                                     <a:schemeClr val="tx1"/>
                                   </a:solidFill>
+                                  <a:latin typeface="Cambria Math" panose="02040503050406030204" pitchFamily="18" charset="0"/>
                                 </a:rPr>
                                 <m:t>2</m:t>
                               </m:r>
@@ -6419,6 +5094,7 @@
                           <a:solidFill>
                             <a:schemeClr val="tx1"/>
                           </a:solidFill>
+                          <a:latin typeface="Cambria Math" panose="02040503050406030204" pitchFamily="18" charset="0"/>
                         </a:rPr>
                         <m:t>.</m:t>
                       </m:r>
@@ -6429,6 +5105,7 @@
                               <a:solidFill>
                                 <a:schemeClr val="tx1"/>
                               </a:solidFill>
+                              <a:latin typeface="Cambria Math" panose="02040503050406030204" pitchFamily="18" charset="0"/>
                             </a:rPr>
                           </m:ctrlPr>
                         </m:fPr>
@@ -6438,6 +5115,7 @@
                               <a:solidFill>
                                 <a:schemeClr val="tx1"/>
                               </a:solidFill>
+                              <a:latin typeface="Cambria Math" panose="02040503050406030204" pitchFamily="18" charset="0"/>
                             </a:rPr>
                             <m:t>𝑖</m:t>
                           </m:r>
@@ -6446,6 +5124,7 @@
                               <a:solidFill>
                                 <a:schemeClr val="tx1"/>
                               </a:solidFill>
+                              <a:latin typeface="Cambria Math" panose="02040503050406030204" pitchFamily="18" charset="0"/>
                             </a:rPr>
                             <m:t>±1</m:t>
                           </m:r>
@@ -6456,6 +5135,7 @@
                               <a:solidFill>
                                 <a:schemeClr val="tx1"/>
                               </a:solidFill>
+                              <a:latin typeface="Cambria Math" panose="02040503050406030204" pitchFamily="18" charset="0"/>
                             </a:rPr>
                             <m:t>𝑖</m:t>
                           </m:r>
@@ -6464,6 +5144,7 @@
                               <a:solidFill>
                                 <a:schemeClr val="tx1"/>
                               </a:solidFill>
+                              <a:latin typeface="Cambria Math" panose="02040503050406030204" pitchFamily="18" charset="0"/>
                             </a:rPr>
                             <m:t>±0,14</m:t>
                           </m:r>
@@ -6474,6 +5155,7 @@
                           <a:solidFill>
                             <a:schemeClr val="tx1"/>
                           </a:solidFill>
+                          <a:latin typeface="Cambria Math" panose="02040503050406030204" pitchFamily="18" charset="0"/>
                         </a:rPr>
                         <m:t>.</m:t>
                       </m:r>
@@ -6482,6 +5164,7 @@
                           <a:solidFill>
                             <a:schemeClr val="tx1"/>
                           </a:solidFill>
+                          <a:latin typeface="Cambria Math" panose="02040503050406030204" pitchFamily="18" charset="0"/>
                         </a:rPr>
                         <m:t>𝜑</m:t>
                       </m:r>
@@ -6524,6 +5207,7 @@
                               <a:solidFill>
                                 <a:schemeClr val="tx1"/>
                               </a:solidFill>
+                              <a:latin typeface="Cambria Math" panose="02040503050406030204" pitchFamily="18" charset="0"/>
                             </a:rPr>
                           </m:ctrlPr>
                         </m:sSubPr>
@@ -6533,6 +5217,7 @@
                               <a:solidFill>
                                 <a:schemeClr val="tx1"/>
                               </a:solidFill>
+                              <a:latin typeface="Cambria Math" panose="02040503050406030204" pitchFamily="18" charset="0"/>
                             </a:rPr>
                             <m:t>𝑏</m:t>
                           </m:r>
@@ -6543,6 +5228,7 @@
                               <a:solidFill>
                                 <a:schemeClr val="tx1"/>
                               </a:solidFill>
+                              <a:latin typeface="Cambria Math" panose="02040503050406030204" pitchFamily="18" charset="0"/>
                             </a:rPr>
                             <m:t>1</m:t>
                           </m:r>
@@ -6555,6 +5241,7 @@
                               <a:solidFill>
                                 <a:schemeClr val="tx1"/>
                               </a:solidFill>
+                              <a:latin typeface="Cambria Math" panose="02040503050406030204" pitchFamily="18" charset="0"/>
                             </a:rPr>
                           </m:ctrlPr>
                         </m:sSubSupPr>
@@ -6564,6 +5251,7 @@
                               <a:solidFill>
                                 <a:schemeClr val="tx1"/>
                               </a:solidFill>
+                              <a:latin typeface="Cambria Math" panose="02040503050406030204" pitchFamily="18" charset="0"/>
                             </a:rPr>
                             <m:t>𝑑</m:t>
                           </m:r>
@@ -6574,6 +5262,7 @@
                               <a:solidFill>
                                 <a:schemeClr val="tx1"/>
                               </a:solidFill>
+                              <a:latin typeface="Cambria Math" panose="02040503050406030204" pitchFamily="18" charset="0"/>
                             </a:rPr>
                             <m:t>𝑜</m:t>
                           </m:r>
@@ -6582,6 +5271,7 @@
                               <a:solidFill>
                                 <a:schemeClr val="tx1"/>
                               </a:solidFill>
+                              <a:latin typeface="Cambria Math" panose="02040503050406030204" pitchFamily="18" charset="0"/>
                             </a:rPr>
                             <m:t>1</m:t>
                           </m:r>
@@ -6592,6 +5282,7 @@
                               <a:solidFill>
                                 <a:schemeClr val="tx1"/>
                               </a:solidFill>
+                              <a:latin typeface="Cambria Math" panose="02040503050406030204" pitchFamily="18" charset="0"/>
                             </a:rPr>
                             <m:t>2</m:t>
                           </m:r>
@@ -6602,6 +5293,7 @@
                           <a:solidFill>
                             <a:schemeClr val="tx1"/>
                           </a:solidFill>
+                          <a:latin typeface="Cambria Math" panose="02040503050406030204" pitchFamily="18" charset="0"/>
                         </a:rPr>
                         <m:t>=</m:t>
                       </m:r>
@@ -6612,6 +5304,7 @@
                               <a:solidFill>
                                 <a:schemeClr val="tx1"/>
                               </a:solidFill>
+                              <a:latin typeface="Cambria Math" panose="02040503050406030204" pitchFamily="18" charset="0"/>
                             </a:rPr>
                           </m:ctrlPr>
                         </m:sSupPr>
@@ -6621,6 +5314,7 @@
                               <a:solidFill>
                                 <a:schemeClr val="tx1"/>
                               </a:solidFill>
+                              <a:latin typeface="Cambria Math" panose="02040503050406030204" pitchFamily="18" charset="0"/>
                             </a:rPr>
                             <m:t>5,72.10</m:t>
                           </m:r>
@@ -6631,6 +5325,7 @@
                               <a:solidFill>
                                 <a:schemeClr val="tx1"/>
                               </a:solidFill>
+                              <a:latin typeface="Cambria Math" panose="02040503050406030204" pitchFamily="18" charset="0"/>
                             </a:rPr>
                             <m:t>5.</m:t>
                           </m:r>
@@ -6643,6 +5338,7 @@
                               <a:solidFill>
                                 <a:schemeClr val="tx1"/>
                               </a:solidFill>
+                              <a:latin typeface="Cambria Math" panose="02040503050406030204" pitchFamily="18" charset="0"/>
                             </a:rPr>
                           </m:ctrlPr>
                         </m:fPr>
@@ -6652,6 +5348,7 @@
                               <a:solidFill>
                                 <a:schemeClr val="tx1"/>
                               </a:solidFill>
+                              <a:latin typeface="Cambria Math" panose="02040503050406030204" pitchFamily="18" charset="0"/>
                             </a:rPr>
                             <m:t>54567,41</m:t>
                           </m:r>
@@ -6664,6 +5361,7 @@
                                   <a:solidFill>
                                     <a:schemeClr val="tx1"/>
                                   </a:solidFill>
+                                  <a:latin typeface="Cambria Math" panose="02040503050406030204" pitchFamily="18" charset="0"/>
                                 </a:rPr>
                               </m:ctrlPr>
                             </m:sSupPr>
@@ -6673,6 +5371,7 @@
                                   <a:solidFill>
                                     <a:schemeClr val="tx1"/>
                                   </a:solidFill>
+                                  <a:latin typeface="Cambria Math" panose="02040503050406030204" pitchFamily="18" charset="0"/>
                                 </a:rPr>
                                 <m:t>916,53</m:t>
                               </m:r>
@@ -6683,6 +5382,7 @@
                                   <a:solidFill>
                                     <a:schemeClr val="tx1"/>
                                   </a:solidFill>
+                                  <a:latin typeface="Cambria Math" panose="02040503050406030204" pitchFamily="18" charset="0"/>
                                 </a:rPr>
                                 <m:t>2</m:t>
                               </m:r>
@@ -6695,6 +5395,7 @@
                           <a:solidFill>
                             <a:schemeClr val="tx1"/>
                           </a:solidFill>
+                          <a:latin typeface="Cambria Math" panose="02040503050406030204" pitchFamily="18" charset="0"/>
                         </a:rPr>
                         <m:t>.</m:t>
                       </m:r>
@@ -6705,6 +5406,7 @@
                               <a:solidFill>
                                 <a:schemeClr val="tx1"/>
                               </a:solidFill>
+                              <a:latin typeface="Cambria Math" panose="02040503050406030204" pitchFamily="18" charset="0"/>
                             </a:rPr>
                           </m:ctrlPr>
                         </m:fPr>
@@ -6714,6 +5416,7 @@
                               <a:solidFill>
                                 <a:schemeClr val="tx1"/>
                               </a:solidFill>
+                              <a:latin typeface="Cambria Math" panose="02040503050406030204" pitchFamily="18" charset="0"/>
                             </a:rPr>
                             <m:t>2+1</m:t>
                           </m:r>
@@ -6724,6 +5427,7 @@
                               <a:solidFill>
                                 <a:schemeClr val="tx1"/>
                               </a:solidFill>
+                              <a:latin typeface="Cambria Math" panose="02040503050406030204" pitchFamily="18" charset="0"/>
                             </a:rPr>
                             <m:t>2+0,14</m:t>
                           </m:r>
@@ -6734,6 +5438,7 @@
                           <a:solidFill>
                             <a:schemeClr val="tx1"/>
                           </a:solidFill>
+                          <a:latin typeface="Cambria Math" panose="02040503050406030204" pitchFamily="18" charset="0"/>
                         </a:rPr>
                         <m:t>.1,125→</m:t>
                       </m:r>
@@ -6744,6 +5449,7 @@
                               <a:solidFill>
                                 <a:schemeClr val="tx1"/>
                               </a:solidFill>
+                              <a:latin typeface="Cambria Math" panose="02040503050406030204" pitchFamily="18" charset="0"/>
                             </a:rPr>
                           </m:ctrlPr>
                         </m:sSubPr>
@@ -6753,6 +5459,7 @@
                               <a:solidFill>
                                 <a:schemeClr val="tx1"/>
                               </a:solidFill>
+                              <a:latin typeface="Cambria Math" panose="02040503050406030204" pitchFamily="18" charset="0"/>
                             </a:rPr>
                             <m:t>𝑏</m:t>
                           </m:r>
@@ -6763,6 +5470,7 @@
                               <a:solidFill>
                                 <a:schemeClr val="tx1"/>
                               </a:solidFill>
+                              <a:latin typeface="Cambria Math" panose="02040503050406030204" pitchFamily="18" charset="0"/>
                             </a:rPr>
                             <m:t>1</m:t>
                           </m:r>
@@ -6775,6 +5483,7 @@
                               <a:solidFill>
                                 <a:schemeClr val="tx1"/>
                               </a:solidFill>
+                              <a:latin typeface="Cambria Math" panose="02040503050406030204" pitchFamily="18" charset="0"/>
                             </a:rPr>
                           </m:ctrlPr>
                         </m:sSubSupPr>
@@ -6784,6 +5493,7 @@
                               <a:solidFill>
                                 <a:schemeClr val="tx1"/>
                               </a:solidFill>
+                              <a:latin typeface="Cambria Math" panose="02040503050406030204" pitchFamily="18" charset="0"/>
                             </a:rPr>
                             <m:t>𝑑</m:t>
                           </m:r>
@@ -6794,6 +5504,7 @@
                               <a:solidFill>
                                 <a:schemeClr val="tx1"/>
                               </a:solidFill>
+                              <a:latin typeface="Cambria Math" panose="02040503050406030204" pitchFamily="18" charset="0"/>
                             </a:rPr>
                             <m:t>𝑜</m:t>
                           </m:r>
@@ -6802,6 +5513,7 @@
                               <a:solidFill>
                                 <a:schemeClr val="tx1"/>
                               </a:solidFill>
+                              <a:latin typeface="Cambria Math" panose="02040503050406030204" pitchFamily="18" charset="0"/>
                             </a:rPr>
                             <m:t>1</m:t>
                           </m:r>
@@ -6812,6 +5524,7 @@
                               <a:solidFill>
                                 <a:schemeClr val="tx1"/>
                               </a:solidFill>
+                              <a:latin typeface="Cambria Math" panose="02040503050406030204" pitchFamily="18" charset="0"/>
                             </a:rPr>
                             <m:t>2</m:t>
                           </m:r>
@@ -6822,6 +5535,7 @@
                           <a:solidFill>
                             <a:schemeClr val="tx1"/>
                           </a:solidFill>
+                          <a:latin typeface="Cambria Math" panose="02040503050406030204" pitchFamily="18" charset="0"/>
                         </a:rPr>
                         <m:t>=65110,28</m:t>
                       </m:r>
@@ -6832,6 +5546,7 @@
                               <a:solidFill>
                                 <a:schemeClr val="tx1"/>
                               </a:solidFill>
+                              <a:latin typeface="Cambria Math" panose="02040503050406030204" pitchFamily="18" charset="0"/>
                             </a:rPr>
                           </m:ctrlPr>
                         </m:sSupPr>
@@ -6841,6 +5556,7 @@
                               <a:solidFill>
                                 <a:schemeClr val="tx1"/>
                               </a:solidFill>
+                              <a:latin typeface="Cambria Math" panose="02040503050406030204" pitchFamily="18" charset="0"/>
                             </a:rPr>
                             <m:t>𝑚𝑚</m:t>
                           </m:r>
@@ -6851,6 +5567,7 @@
                               <a:solidFill>
                                 <a:schemeClr val="tx1"/>
                               </a:solidFill>
+                              <a:latin typeface="Cambria Math" panose="02040503050406030204" pitchFamily="18" charset="0"/>
                             </a:rPr>
                             <m:t>3</m:t>
                           </m:r>
@@ -6873,7 +5590,7 @@
             </p:txBody>
           </p:sp>
         </mc:Choice>
-        <mc:Fallback>
+        <mc:Fallback xmlns="">
           <p:sp>
             <p:nvSpPr>
               <p:cNvPr id="3" name="Espaço Reservado para Conteúdo 2"/>
@@ -6920,7 +5637,7 @@
 </p:sld>
 </file>
 
-<file path=ppt/slides/slide16.xml><?xml version="1.0" encoding="utf-8"?>
+<file path=ppt/slides/slide11.xml><?xml version="1.0" encoding="utf-8"?>
 <p:sld xmlns:a="http://schemas.openxmlformats.org/drawingml/2006/main" xmlns:r="http://schemas.openxmlformats.org/officeDocument/2006/relationships" xmlns:p="http://schemas.openxmlformats.org/presentationml/2006/main">
   <p:cSld>
     <p:spTree>
@@ -6954,15 +5671,14 @@
           <a:p>
             <a:pPr algn="ctr"/>
             <a:r>
-              <a:rPr lang="pt-BR" dirty="0" smtClean="0"/>
+              <a:rPr lang="pt-BR" dirty="0"/>
               <a:t>Dimensionamento</a:t>
             </a:r>
-            <a:endParaRPr lang="pt-BR" dirty="0"/>
           </a:p>
         </p:txBody>
       </p:sp>
-      <mc:AlternateContent xmlns:mc="http://schemas.openxmlformats.org/markup-compatibility/2006">
-        <mc:Choice xmlns:a14="http://schemas.microsoft.com/office/drawing/2010/main" Requires="a14">
+      <mc:AlternateContent xmlns:mc="http://schemas.openxmlformats.org/markup-compatibility/2006" xmlns:a14="http://schemas.microsoft.com/office/drawing/2010/main">
+        <mc:Choice Requires="a14">
           <p:sp>
             <p:nvSpPr>
               <p:cNvPr id="3" name="Espaço Reservado para Conteúdo 2"/>
@@ -6981,26 +5697,9 @@
               <a:lstStyle/>
               <a:p>
                 <a:r>
-                  <a:rPr lang="pt-BR" dirty="0" smtClean="0"/>
-                  <a:t> </a:t>
+                  <a:rPr lang="pt-BR" dirty="0"/>
+                  <a:t> Módulo do engrenamento: </a:t>
                 </a:r>
-                <a:r>
-                  <a:rPr lang="pt-BR" dirty="0"/>
-                  <a:t>Módulo do </a:t>
-                </a:r>
-                <a:r>
-                  <a:rPr lang="pt-BR" dirty="0"/>
-                  <a:t>engrenamento</a:t>
-                </a:r>
-                <a:r>
-                  <a:rPr lang="pt-BR" dirty="0" smtClean="0"/>
-                  <a:t>:</a:t>
-                </a:r>
-                <a:r>
-                  <a:rPr lang="pt-BR" dirty="0"/>
-                  <a:t> </a:t>
-                </a:r>
-                <a:endParaRPr lang="pt-BR" dirty="0"/>
               </a:p>
               <a:p>
                 <a:pPr marL="411480" lvl="1" indent="0">
@@ -7011,18 +5710,24 @@
                     <m:sSub>
                       <m:sSubPr>
                         <m:ctrlPr>
-                          <a:rPr lang="pt-BR" i="1"/>
+                          <a:rPr lang="pt-BR" i="1">
+                            <a:latin typeface="Cambria Math" panose="02040503050406030204" pitchFamily="18" charset="0"/>
+                          </a:rPr>
                         </m:ctrlPr>
                       </m:sSubPr>
                       <m:e>
                         <m:r>
-                          <a:rPr lang="pt-BR" i="1"/>
+                          <a:rPr lang="pt-BR" i="1">
+                            <a:latin typeface="Cambria Math" panose="02040503050406030204" pitchFamily="18" charset="0"/>
+                          </a:rPr>
                           <m:t>𝑏</m:t>
                         </m:r>
                       </m:e>
                       <m:sub>
                         <m:r>
-                          <a:rPr lang="pt-BR" i="1"/>
+                          <a:rPr lang="pt-BR" i="1">
+                            <a:latin typeface="Cambria Math" panose="02040503050406030204" pitchFamily="18" charset="0"/>
+                          </a:rPr>
                           <m:t>1</m:t>
                         </m:r>
                       </m:sub>
@@ -7030,34 +5735,46 @@
                     <m:sSubSup>
                       <m:sSubSupPr>
                         <m:ctrlPr>
-                          <a:rPr lang="pt-BR" i="1"/>
+                          <a:rPr lang="pt-BR" i="1">
+                            <a:latin typeface="Cambria Math" panose="02040503050406030204" pitchFamily="18" charset="0"/>
+                          </a:rPr>
                         </m:ctrlPr>
                       </m:sSubSupPr>
                       <m:e>
                         <m:r>
-                          <a:rPr lang="pt-BR" i="1"/>
+                          <a:rPr lang="pt-BR" i="1">
+                            <a:latin typeface="Cambria Math" panose="02040503050406030204" pitchFamily="18" charset="0"/>
+                          </a:rPr>
                           <m:t>𝑑</m:t>
                         </m:r>
                       </m:e>
                       <m:sub>
                         <m:r>
-                          <a:rPr lang="pt-BR" i="1"/>
+                          <a:rPr lang="pt-BR" i="1">
+                            <a:latin typeface="Cambria Math" panose="02040503050406030204" pitchFamily="18" charset="0"/>
+                          </a:rPr>
                           <m:t>𝑜</m:t>
                         </m:r>
                         <m:r>
-                          <a:rPr lang="pt-BR" i="1"/>
+                          <a:rPr lang="pt-BR" i="1">
+                            <a:latin typeface="Cambria Math" panose="02040503050406030204" pitchFamily="18" charset="0"/>
+                          </a:rPr>
                           <m:t>1</m:t>
                         </m:r>
                       </m:sub>
                       <m:sup>
                         <m:r>
-                          <a:rPr lang="pt-BR" i="1"/>
+                          <a:rPr lang="pt-BR" i="1">
+                            <a:latin typeface="Cambria Math" panose="02040503050406030204" pitchFamily="18" charset="0"/>
+                          </a:rPr>
                           <m:t>2</m:t>
                         </m:r>
                       </m:sup>
                     </m:sSubSup>
                     <m:r>
-                      <a:rPr lang="pt-BR" i="1"/>
+                      <a:rPr lang="pt-BR" i="1">
+                        <a:latin typeface="Cambria Math" panose="02040503050406030204" pitchFamily="18" charset="0"/>
+                      </a:rPr>
                       <m:t>=65110,28</m:t>
                     </m:r>
                   </m:oMath>
@@ -7066,7 +5783,6 @@
                   <a:rPr lang="pt-BR" dirty="0"/>
                   <a:t>(I)</a:t>
                 </a:r>
-                <a:endParaRPr lang="pt-BR" dirty="0"/>
               </a:p>
               <a:p>
                 <a:pPr marL="411480" lvl="1" indent="0">
@@ -7077,25 +5793,33 @@
                     <m:f>
                       <m:fPr>
                         <m:ctrlPr>
-                          <a:rPr lang="pt-BR" i="1"/>
+                          <a:rPr lang="pt-BR" i="1">
+                            <a:latin typeface="Cambria Math" panose="02040503050406030204" pitchFamily="18" charset="0"/>
+                          </a:rPr>
                         </m:ctrlPr>
                       </m:fPr>
                       <m:num>
                         <m:sSub>
                           <m:sSubPr>
                             <m:ctrlPr>
-                              <a:rPr lang="pt-BR" i="1"/>
+                              <a:rPr lang="pt-BR" i="1">
+                                <a:latin typeface="Cambria Math" panose="02040503050406030204" pitchFamily="18" charset="0"/>
+                              </a:rPr>
                             </m:ctrlPr>
                           </m:sSubPr>
                           <m:e>
                             <m:r>
-                              <a:rPr lang="pt-BR" i="1"/>
+                              <a:rPr lang="pt-BR" i="1">
+                                <a:latin typeface="Cambria Math" panose="02040503050406030204" pitchFamily="18" charset="0"/>
+                              </a:rPr>
                               <m:t>𝑏</m:t>
                             </m:r>
                           </m:e>
                           <m:sub>
                             <m:r>
-                              <a:rPr lang="pt-BR" i="1"/>
+                              <a:rPr lang="pt-BR" i="1">
+                                <a:latin typeface="Cambria Math" panose="02040503050406030204" pitchFamily="18" charset="0"/>
+                              </a:rPr>
                               <m:t>1</m:t>
                             </m:r>
                           </m:sub>
@@ -7105,22 +5829,30 @@
                         <m:sSub>
                           <m:sSubPr>
                             <m:ctrlPr>
-                              <a:rPr lang="pt-BR" i="1"/>
+                              <a:rPr lang="pt-BR" i="1">
+                                <a:latin typeface="Cambria Math" panose="02040503050406030204" pitchFamily="18" charset="0"/>
+                              </a:rPr>
                             </m:ctrlPr>
                           </m:sSubPr>
                           <m:e>
                             <m:r>
-                              <a:rPr lang="pt-BR" i="1"/>
+                              <a:rPr lang="pt-BR" i="1">
+                                <a:latin typeface="Cambria Math" panose="02040503050406030204" pitchFamily="18" charset="0"/>
+                              </a:rPr>
                               <m:t>𝑑</m:t>
                             </m:r>
                           </m:e>
                           <m:sub>
                             <m:r>
-                              <a:rPr lang="pt-BR" i="1"/>
+                              <a:rPr lang="pt-BR" i="1">
+                                <a:latin typeface="Cambria Math" panose="02040503050406030204" pitchFamily="18" charset="0"/>
+                              </a:rPr>
                               <m:t>𝑜</m:t>
                             </m:r>
                             <m:r>
-                              <a:rPr lang="pt-BR" i="1"/>
+                              <a:rPr lang="pt-BR" i="1">
+                                <a:latin typeface="Cambria Math" panose="02040503050406030204" pitchFamily="18" charset="0"/>
+                              </a:rPr>
                               <m:t>1</m:t>
                             </m:r>
                           </m:sub>
@@ -7128,51 +5860,69 @@
                       </m:den>
                     </m:f>
                     <m:r>
-                      <a:rPr lang="pt-BR" i="1"/>
+                      <a:rPr lang="pt-BR" i="1">
+                        <a:latin typeface="Cambria Math" panose="02040503050406030204" pitchFamily="18" charset="0"/>
+                      </a:rPr>
                       <m:t>=0,5→</m:t>
                     </m:r>
                     <m:sSub>
                       <m:sSubPr>
                         <m:ctrlPr>
-                          <a:rPr lang="pt-BR" i="1"/>
+                          <a:rPr lang="pt-BR" i="1">
+                            <a:latin typeface="Cambria Math" panose="02040503050406030204" pitchFamily="18" charset="0"/>
+                          </a:rPr>
                         </m:ctrlPr>
                       </m:sSubPr>
                       <m:e>
                         <m:r>
-                          <a:rPr lang="pt-BR" i="1"/>
+                          <a:rPr lang="pt-BR" i="1">
+                            <a:latin typeface="Cambria Math" panose="02040503050406030204" pitchFamily="18" charset="0"/>
+                          </a:rPr>
                           <m:t>𝑏</m:t>
                         </m:r>
                       </m:e>
                       <m:sub>
                         <m:r>
-                          <a:rPr lang="pt-BR" i="1"/>
+                          <a:rPr lang="pt-BR" i="1">
+                            <a:latin typeface="Cambria Math" panose="02040503050406030204" pitchFamily="18" charset="0"/>
+                          </a:rPr>
                           <m:t>1</m:t>
                         </m:r>
                       </m:sub>
                     </m:sSub>
                     <m:r>
-                      <a:rPr lang="pt-BR" i="1"/>
+                      <a:rPr lang="pt-BR" i="1">
+                        <a:latin typeface="Cambria Math" panose="02040503050406030204" pitchFamily="18" charset="0"/>
+                      </a:rPr>
                       <m:t>=0,5.</m:t>
                     </m:r>
                     <m:sSub>
                       <m:sSubPr>
                         <m:ctrlPr>
-                          <a:rPr lang="pt-BR" i="1"/>
+                          <a:rPr lang="pt-BR" i="1">
+                            <a:latin typeface="Cambria Math" panose="02040503050406030204" pitchFamily="18" charset="0"/>
+                          </a:rPr>
                         </m:ctrlPr>
                       </m:sSubPr>
                       <m:e>
                         <m:r>
-                          <a:rPr lang="pt-BR" i="1"/>
+                          <a:rPr lang="pt-BR" i="1">
+                            <a:latin typeface="Cambria Math" panose="02040503050406030204" pitchFamily="18" charset="0"/>
+                          </a:rPr>
                           <m:t>𝑑</m:t>
                         </m:r>
                       </m:e>
                       <m:sub>
                         <m:r>
-                          <a:rPr lang="pt-BR" i="1"/>
+                          <a:rPr lang="pt-BR" i="1">
+                            <a:latin typeface="Cambria Math" panose="02040503050406030204" pitchFamily="18" charset="0"/>
+                          </a:rPr>
                           <m:t>𝑜</m:t>
                         </m:r>
                         <m:r>
-                          <a:rPr lang="pt-BR" i="1"/>
+                          <a:rPr lang="pt-BR" i="1">
+                            <a:latin typeface="Cambria Math" panose="02040503050406030204" pitchFamily="18" charset="0"/>
+                          </a:rPr>
                           <m:t>1</m:t>
                         </m:r>
                       </m:sub>
@@ -7189,14 +5939,9 @@
                   <a:buNone/>
                 </a:pPr>
                 <a:r>
-                  <a:rPr lang="pt-BR" dirty="0" smtClean="0"/>
-                  <a:t>Substituindo </a:t>
+                  <a:rPr lang="pt-BR" dirty="0"/>
+                  <a:t>Substituindo (II) em (I) tem-se:</a:t>
                 </a:r>
-                <a:r>
-                  <a:rPr lang="pt-BR" dirty="0"/>
-                  <a:t>(II) em (I) tem-se:</a:t>
-                </a:r>
-                <a:endParaRPr lang="pt-BR" dirty="0"/>
               </a:p>
               <a:p>
                 <a:pPr marL="114300" indent="0">
@@ -7205,198 +5950,268 @@
                 <a14:m>
                   <m:oMath xmlns:m="http://schemas.openxmlformats.org/officeDocument/2006/math">
                     <m:r>
-                      <a:rPr lang="pt-BR" i="1"/>
+                      <a:rPr lang="pt-BR" i="1">
+                        <a:latin typeface="Cambria Math" panose="02040503050406030204" pitchFamily="18" charset="0"/>
+                      </a:rPr>
                       <m:t>0,5</m:t>
                     </m:r>
                     <m:sSub>
                       <m:sSubPr>
                         <m:ctrlPr>
-                          <a:rPr lang="pt-BR" i="1"/>
+                          <a:rPr lang="pt-BR" i="1">
+                            <a:latin typeface="Cambria Math" panose="02040503050406030204" pitchFamily="18" charset="0"/>
+                          </a:rPr>
                         </m:ctrlPr>
                       </m:sSubPr>
                       <m:e>
                         <m:r>
-                          <a:rPr lang="pt-BR" i="1"/>
+                          <a:rPr lang="pt-BR" i="1">
+                            <a:latin typeface="Cambria Math" panose="02040503050406030204" pitchFamily="18" charset="0"/>
+                          </a:rPr>
                           <m:t>𝑑</m:t>
                         </m:r>
                       </m:e>
                       <m:sub>
                         <m:r>
-                          <a:rPr lang="pt-BR" i="1"/>
+                          <a:rPr lang="pt-BR" i="1">
+                            <a:latin typeface="Cambria Math" panose="02040503050406030204" pitchFamily="18" charset="0"/>
+                          </a:rPr>
                           <m:t>𝑜</m:t>
                         </m:r>
                         <m:r>
-                          <a:rPr lang="pt-BR" i="1"/>
+                          <a:rPr lang="pt-BR" i="1">
+                            <a:latin typeface="Cambria Math" panose="02040503050406030204" pitchFamily="18" charset="0"/>
+                          </a:rPr>
                           <m:t>1</m:t>
                         </m:r>
                       </m:sub>
                     </m:sSub>
                     <m:r>
-                      <a:rPr lang="pt-BR" i="1"/>
+                      <a:rPr lang="pt-BR" i="1">
+                        <a:latin typeface="Cambria Math" panose="02040503050406030204" pitchFamily="18" charset="0"/>
+                      </a:rPr>
                       <m:t>.</m:t>
                     </m:r>
                     <m:sSubSup>
                       <m:sSubSupPr>
                         <m:ctrlPr>
-                          <a:rPr lang="pt-BR" i="1"/>
+                          <a:rPr lang="pt-BR" i="1">
+                            <a:latin typeface="Cambria Math" panose="02040503050406030204" pitchFamily="18" charset="0"/>
+                          </a:rPr>
                         </m:ctrlPr>
                       </m:sSubSupPr>
                       <m:e>
                         <m:r>
-                          <a:rPr lang="pt-BR" i="1"/>
+                          <a:rPr lang="pt-BR" i="1">
+                            <a:latin typeface="Cambria Math" panose="02040503050406030204" pitchFamily="18" charset="0"/>
+                          </a:rPr>
                           <m:t>𝑑</m:t>
                         </m:r>
                       </m:e>
                       <m:sub>
                         <m:r>
-                          <a:rPr lang="pt-BR" i="1"/>
+                          <a:rPr lang="pt-BR" i="1">
+                            <a:latin typeface="Cambria Math" panose="02040503050406030204" pitchFamily="18" charset="0"/>
+                          </a:rPr>
                           <m:t>𝑜</m:t>
                         </m:r>
                         <m:r>
-                          <a:rPr lang="pt-BR" i="1"/>
+                          <a:rPr lang="pt-BR" i="1">
+                            <a:latin typeface="Cambria Math" panose="02040503050406030204" pitchFamily="18" charset="0"/>
+                          </a:rPr>
                           <m:t>1</m:t>
                         </m:r>
                       </m:sub>
                       <m:sup>
                         <m:r>
-                          <a:rPr lang="pt-BR" i="1"/>
+                          <a:rPr lang="pt-BR" i="1">
+                            <a:latin typeface="Cambria Math" panose="02040503050406030204" pitchFamily="18" charset="0"/>
+                          </a:rPr>
                           <m:t>2</m:t>
                         </m:r>
                       </m:sup>
                     </m:sSubSup>
                     <m:r>
-                      <a:rPr lang="pt-BR" i="1"/>
+                      <a:rPr lang="pt-BR" i="1">
+                        <a:latin typeface="Cambria Math" panose="02040503050406030204" pitchFamily="18" charset="0"/>
+                      </a:rPr>
                       <m:t>=65110,28→</m:t>
                     </m:r>
                     <m:sSubSup>
                       <m:sSubSupPr>
                         <m:ctrlPr>
-                          <a:rPr lang="pt-BR" i="1"/>
+                          <a:rPr lang="pt-BR" i="1">
+                            <a:latin typeface="Cambria Math" panose="02040503050406030204" pitchFamily="18" charset="0"/>
+                          </a:rPr>
                         </m:ctrlPr>
                       </m:sSubSupPr>
                       <m:e>
                         <m:r>
-                          <a:rPr lang="pt-BR" i="1"/>
+                          <a:rPr lang="pt-BR" i="1">
+                            <a:latin typeface="Cambria Math" panose="02040503050406030204" pitchFamily="18" charset="0"/>
+                          </a:rPr>
                           <m:t>𝑑</m:t>
                         </m:r>
                       </m:e>
                       <m:sub>
                         <m:r>
-                          <a:rPr lang="pt-BR" i="1"/>
+                          <a:rPr lang="pt-BR" i="1">
+                            <a:latin typeface="Cambria Math" panose="02040503050406030204" pitchFamily="18" charset="0"/>
+                          </a:rPr>
                           <m:t>𝑜</m:t>
                         </m:r>
                         <m:r>
-                          <a:rPr lang="pt-BR" i="1"/>
+                          <a:rPr lang="pt-BR" i="1">
+                            <a:latin typeface="Cambria Math" panose="02040503050406030204" pitchFamily="18" charset="0"/>
+                          </a:rPr>
                           <m:t>1</m:t>
                         </m:r>
                       </m:sub>
                       <m:sup>
                         <m:r>
-                          <a:rPr lang="pt-BR" i="1"/>
+                          <a:rPr lang="pt-BR" i="1">
+                            <a:latin typeface="Cambria Math" panose="02040503050406030204" pitchFamily="18" charset="0"/>
+                          </a:rPr>
                           <m:t>3</m:t>
                         </m:r>
                       </m:sup>
                     </m:sSubSup>
                     <m:r>
-                      <a:rPr lang="pt-BR" i="1"/>
+                      <a:rPr lang="pt-BR" i="1">
+                        <a:latin typeface="Cambria Math" panose="02040503050406030204" pitchFamily="18" charset="0"/>
+                      </a:rPr>
                       <m:t>=</m:t>
                     </m:r>
                     <m:f>
                       <m:fPr>
                         <m:ctrlPr>
-                          <a:rPr lang="pt-BR" i="1"/>
+                          <a:rPr lang="pt-BR" i="1">
+                            <a:latin typeface="Cambria Math" panose="02040503050406030204" pitchFamily="18" charset="0"/>
+                          </a:rPr>
                         </m:ctrlPr>
                       </m:fPr>
                       <m:num>
                         <m:r>
-                          <a:rPr lang="pt-BR" i="1"/>
+                          <a:rPr lang="pt-BR" i="1">
+                            <a:latin typeface="Cambria Math" panose="02040503050406030204" pitchFamily="18" charset="0"/>
+                          </a:rPr>
                           <m:t>65110,28</m:t>
                         </m:r>
                       </m:num>
                       <m:den>
                         <m:r>
-                          <a:rPr lang="pt-BR" i="1"/>
+                          <a:rPr lang="pt-BR" i="1">
+                            <a:latin typeface="Cambria Math" panose="02040503050406030204" pitchFamily="18" charset="0"/>
+                          </a:rPr>
                           <m:t>0,5</m:t>
                         </m:r>
                       </m:den>
                     </m:f>
                     <m:r>
-                      <a:rPr lang="pt-BR" i="1"/>
+                      <a:rPr lang="pt-BR" i="1">
+                        <a:latin typeface="Cambria Math" panose="02040503050406030204" pitchFamily="18" charset="0"/>
+                      </a:rPr>
                       <m:t>→</m:t>
                     </m:r>
                     <m:sSub>
                       <m:sSubPr>
                         <m:ctrlPr>
-                          <a:rPr lang="pt-BR" i="1"/>
+                          <a:rPr lang="pt-BR" i="1">
+                            <a:latin typeface="Cambria Math" panose="02040503050406030204" pitchFamily="18" charset="0"/>
+                          </a:rPr>
                         </m:ctrlPr>
                       </m:sSubPr>
                       <m:e>
                         <m:r>
-                          <a:rPr lang="pt-BR" i="1"/>
+                          <a:rPr lang="pt-BR" i="1">
+                            <a:latin typeface="Cambria Math" panose="02040503050406030204" pitchFamily="18" charset="0"/>
+                          </a:rPr>
                           <m:t>𝑑</m:t>
                         </m:r>
                       </m:e>
                       <m:sub>
                         <m:r>
-                          <a:rPr lang="pt-BR" i="1"/>
+                          <a:rPr lang="pt-BR" i="1">
+                            <a:latin typeface="Cambria Math" panose="02040503050406030204" pitchFamily="18" charset="0"/>
+                          </a:rPr>
                           <m:t>𝑜</m:t>
                         </m:r>
                         <m:r>
-                          <a:rPr lang="pt-BR" i="1"/>
+                          <a:rPr lang="pt-BR" i="1">
+                            <a:latin typeface="Cambria Math" panose="02040503050406030204" pitchFamily="18" charset="0"/>
+                          </a:rPr>
                           <m:t>1</m:t>
                         </m:r>
                       </m:sub>
                     </m:sSub>
                     <m:r>
-                      <a:rPr lang="pt-BR" i="1"/>
+                      <a:rPr lang="pt-BR" i="1">
+                        <a:latin typeface="Cambria Math" panose="02040503050406030204" pitchFamily="18" charset="0"/>
+                      </a:rPr>
                       <m:t>=50,69</m:t>
                     </m:r>
                     <m:r>
-                      <a:rPr lang="pt-BR" i="1"/>
+                      <a:rPr lang="pt-BR" i="1">
+                        <a:latin typeface="Cambria Math" panose="02040503050406030204" pitchFamily="18" charset="0"/>
+                      </a:rPr>
                       <m:t>𝑚𝑚</m:t>
                     </m:r>
                   </m:oMath>
                 </a14:m>
                 <a:r>
-                  <a:rPr lang="pt-BR" dirty="0" smtClean="0"/>
+                  <a:rPr lang="pt-BR" dirty="0"/>
                   <a:t>		</a:t>
                 </a:r>
                 <a14:m>
                   <m:oMath xmlns:m="http://schemas.openxmlformats.org/officeDocument/2006/math">
                     <m:r>
-                      <a:rPr lang="pt-BR" i="1"/>
+                      <a:rPr lang="pt-BR" i="1">
+                        <a:latin typeface="Cambria Math" panose="02040503050406030204" pitchFamily="18" charset="0"/>
+                      </a:rPr>
                       <m:t>𝑚</m:t>
                     </m:r>
                     <m:r>
-                      <a:rPr lang="pt-BR" i="1"/>
+                      <a:rPr lang="pt-BR" i="1">
+                        <a:latin typeface="Cambria Math" panose="02040503050406030204" pitchFamily="18" charset="0"/>
+                      </a:rPr>
                       <m:t>=</m:t>
                     </m:r>
                     <m:f>
                       <m:fPr>
                         <m:ctrlPr>
-                          <a:rPr lang="pt-BR" i="1"/>
+                          <a:rPr lang="pt-BR" i="1">
+                            <a:latin typeface="Cambria Math" panose="02040503050406030204" pitchFamily="18" charset="0"/>
+                          </a:rPr>
                         </m:ctrlPr>
                       </m:fPr>
                       <m:num>
                         <m:sSub>
                           <m:sSubPr>
                             <m:ctrlPr>
-                              <a:rPr lang="pt-BR" i="1"/>
+                              <a:rPr lang="pt-BR" i="1">
+                                <a:latin typeface="Cambria Math" panose="02040503050406030204" pitchFamily="18" charset="0"/>
+                              </a:rPr>
                             </m:ctrlPr>
                           </m:sSubPr>
                           <m:e>
                             <m:r>
-                              <a:rPr lang="pt-BR" i="1"/>
+                              <a:rPr lang="pt-BR" i="1">
+                                <a:latin typeface="Cambria Math" panose="02040503050406030204" pitchFamily="18" charset="0"/>
+                              </a:rPr>
                               <m:t>𝑑</m:t>
                             </m:r>
                           </m:e>
                           <m:sub>
                             <m:r>
-                              <a:rPr lang="pt-BR" i="1"/>
+                              <a:rPr lang="pt-BR" i="1">
+                                <a:latin typeface="Cambria Math" panose="02040503050406030204" pitchFamily="18" charset="0"/>
+                              </a:rPr>
                               <m:t>𝑜</m:t>
                             </m:r>
                             <m:r>
-                              <a:rPr lang="pt-BR" i="1"/>
+                              <a:rPr lang="pt-BR" i="1">
+                                <a:latin typeface="Cambria Math" panose="02040503050406030204" pitchFamily="18" charset="0"/>
+                              </a:rPr>
                               <m:t>1</m:t>
                             </m:r>
                           </m:sub>
@@ -7406,18 +6221,24 @@
                         <m:sSub>
                           <m:sSubPr>
                             <m:ctrlPr>
-                              <a:rPr lang="pt-BR" i="1"/>
+                              <a:rPr lang="pt-BR" i="1">
+                                <a:latin typeface="Cambria Math" panose="02040503050406030204" pitchFamily="18" charset="0"/>
+                              </a:rPr>
                             </m:ctrlPr>
                           </m:sSubPr>
                           <m:e>
                             <m:r>
-                              <a:rPr lang="pt-BR" i="1"/>
+                              <a:rPr lang="pt-BR" i="1">
+                                <a:latin typeface="Cambria Math" panose="02040503050406030204" pitchFamily="18" charset="0"/>
+                              </a:rPr>
                               <m:t>𝑍</m:t>
                             </m:r>
                           </m:e>
                           <m:sub>
                             <m:r>
-                              <a:rPr lang="pt-BR" i="1"/>
+                              <a:rPr lang="pt-BR" i="1">
+                                <a:latin typeface="Cambria Math" panose="02040503050406030204" pitchFamily="18" charset="0"/>
+                              </a:rPr>
                               <m:t>1</m:t>
                             </m:r>
                           </m:sub>
@@ -7425,64 +6246,80 @@
                       </m:den>
                     </m:f>
                     <m:r>
-                      <a:rPr lang="pt-BR" i="1"/>
+                      <a:rPr lang="pt-BR" i="1">
+                        <a:latin typeface="Cambria Math" panose="02040503050406030204" pitchFamily="18" charset="0"/>
+                      </a:rPr>
                       <m:t>→</m:t>
                     </m:r>
                     <m:r>
-                      <a:rPr lang="pt-BR" i="1"/>
+                      <a:rPr lang="pt-BR" i="1">
+                        <a:latin typeface="Cambria Math" panose="02040503050406030204" pitchFamily="18" charset="0"/>
+                      </a:rPr>
                       <m:t>𝑚</m:t>
                     </m:r>
                     <m:r>
-                      <a:rPr lang="pt-BR" i="1"/>
+                      <a:rPr lang="pt-BR" i="1">
+                        <a:latin typeface="Cambria Math" panose="02040503050406030204" pitchFamily="18" charset="0"/>
+                      </a:rPr>
                       <m:t>=</m:t>
                     </m:r>
                     <m:f>
                       <m:fPr>
                         <m:ctrlPr>
-                          <a:rPr lang="pt-BR" i="1"/>
+                          <a:rPr lang="pt-BR" i="1">
+                            <a:latin typeface="Cambria Math" panose="02040503050406030204" pitchFamily="18" charset="0"/>
+                          </a:rPr>
                         </m:ctrlPr>
                       </m:fPr>
                       <m:num>
                         <m:r>
-                          <a:rPr lang="pt-BR" i="1"/>
+                          <a:rPr lang="pt-BR" i="1">
+                            <a:latin typeface="Cambria Math" panose="02040503050406030204" pitchFamily="18" charset="0"/>
+                          </a:rPr>
                           <m:t>50,69</m:t>
                         </m:r>
                       </m:num>
                       <m:den>
                         <m:r>
-                          <a:rPr lang="pt-BR" i="1"/>
+                          <a:rPr lang="pt-BR" i="1">
+                            <a:latin typeface="Cambria Math" panose="02040503050406030204" pitchFamily="18" charset="0"/>
+                          </a:rPr>
                           <m:t>20</m:t>
                         </m:r>
                       </m:den>
                     </m:f>
                     <m:r>
-                      <a:rPr lang="pt-BR" i="1"/>
+                      <a:rPr lang="pt-BR" i="1">
+                        <a:latin typeface="Cambria Math" panose="02040503050406030204" pitchFamily="18" charset="0"/>
+                      </a:rPr>
                       <m:t>→</m:t>
                     </m:r>
                     <m:r>
-                      <a:rPr lang="pt-BR" i="1"/>
+                      <a:rPr lang="pt-BR" i="1">
+                        <a:latin typeface="Cambria Math" panose="02040503050406030204" pitchFamily="18" charset="0"/>
+                      </a:rPr>
                       <m:t>𝑚</m:t>
                     </m:r>
                     <m:r>
-                      <a:rPr lang="pt-BR" i="1"/>
+                      <a:rPr lang="pt-BR" i="1">
+                        <a:latin typeface="Cambria Math" panose="02040503050406030204" pitchFamily="18" charset="0"/>
+                      </a:rPr>
                       <m:t>=2,53</m:t>
                     </m:r>
                     <m:r>
-                      <a:rPr lang="pt-BR" i="1"/>
+                      <a:rPr lang="pt-BR" i="1">
+                        <a:latin typeface="Cambria Math" panose="02040503050406030204" pitchFamily="18" charset="0"/>
+                      </a:rPr>
                       <m:t>𝑚𝑚</m:t>
                     </m:r>
                   </m:oMath>
                 </a14:m>
-                <a:endParaRPr lang="pt-BR" dirty="0" smtClean="0"/>
+                <a:endParaRPr lang="pt-BR" dirty="0"/>
               </a:p>
               <a:p>
                 <a:r>
                   <a:rPr lang="pt-BR" dirty="0"/>
-                  <a:t>Por meio da DIN 780 fixa-se o módulo da engrenagem </a:t>
-                </a:r>
-                <a:r>
-                  <a:rPr lang="pt-BR" dirty="0" smtClean="0"/>
-                  <a:t>em:</a:t>
+                  <a:t>Por meio da DIN 780 fixa-se o módulo da engrenagem em:</a:t>
                 </a:r>
               </a:p>
               <a:p>
@@ -7490,20 +6327,16 @@
                   <a:buNone/>
                 </a:pPr>
                 <a:r>
-                  <a:rPr lang="pt-BR" dirty="0" err="1" smtClean="0"/>
+                  <a:rPr lang="pt-BR" dirty="0" err="1"/>
                   <a:t>m</a:t>
                 </a:r>
                 <a:r>
-                  <a:rPr lang="pt-BR" baseline="-25000" dirty="0" err="1" smtClean="0"/>
+                  <a:rPr lang="pt-BR" baseline="-25000" dirty="0" err="1"/>
                   <a:t>n</a:t>
                 </a:r>
                 <a:r>
-                  <a:rPr lang="pt-BR" dirty="0" smtClean="0"/>
-                  <a:t> </a:t>
-                </a:r>
-                <a:r>
                   <a:rPr lang="pt-BR" dirty="0"/>
-                  <a:t>= 2,50 mm</a:t>
+                  <a:t> = 2,50 mm</a:t>
                 </a:r>
               </a:p>
               <a:p>
@@ -7521,7 +6354,7 @@
             </p:txBody>
           </p:sp>
         </mc:Choice>
-        <mc:Fallback>
+        <mc:Fallback xmlns="">
           <p:sp>
             <p:nvSpPr>
               <p:cNvPr id="3" name="Espaço Reservado para Conteúdo 2"/>
@@ -7596,7 +6429,7 @@
 </p:sld>
 </file>
 
-<file path=ppt/slides/slide17.xml><?xml version="1.0" encoding="utf-8"?>
+<file path=ppt/slides/slide12.xml><?xml version="1.0" encoding="utf-8"?>
 <p:sld xmlns:a="http://schemas.openxmlformats.org/drawingml/2006/main" xmlns:r="http://schemas.openxmlformats.org/officeDocument/2006/relationships" xmlns:p="http://schemas.openxmlformats.org/presentationml/2006/main">
   <p:cSld>
     <p:spTree>
@@ -7630,15 +6463,14 @@
           <a:p>
             <a:pPr algn="ctr"/>
             <a:r>
-              <a:rPr lang="pt-BR" dirty="0" smtClean="0"/>
+              <a:rPr lang="pt-BR" dirty="0"/>
               <a:t>Dimensionamento</a:t>
             </a:r>
-            <a:endParaRPr lang="pt-BR" dirty="0"/>
           </a:p>
         </p:txBody>
       </p:sp>
-      <mc:AlternateContent xmlns:mc="http://schemas.openxmlformats.org/markup-compatibility/2006">
-        <mc:Choice xmlns:a14="http://schemas.microsoft.com/office/drawing/2010/main" Requires="a14">
+      <mc:AlternateContent xmlns:mc="http://schemas.openxmlformats.org/markup-compatibility/2006" xmlns:a14="http://schemas.microsoft.com/office/drawing/2010/main">
+        <mc:Choice Requires="a14">
           <p:sp>
             <p:nvSpPr>
               <p:cNvPr id="3" name="Espaço Reservado para Conteúdo 2"/>
@@ -7657,22 +6489,9 @@
               <a:lstStyle/>
               <a:p>
                 <a:r>
-                  <a:rPr lang="pt-BR" dirty="0" smtClean="0"/>
-                  <a:t>Recálculo </a:t>
+                  <a:rPr lang="pt-BR" dirty="0"/>
+                  <a:t>Recálculo do diâmetro primitivo do pinhão </a:t>
                 </a:r>
-                <a:r>
-                  <a:rPr lang="pt-BR" dirty="0"/>
-                  <a:t>do diâmetro primitivo do </a:t>
-                </a:r>
-                <a:r>
-                  <a:rPr lang="pt-BR" dirty="0" smtClean="0"/>
-                  <a:t>pinhão</a:t>
-                </a:r>
-                <a:r>
-                  <a:rPr lang="pt-BR" dirty="0"/>
-                  <a:t> </a:t>
-                </a:r>
-                <a:endParaRPr lang="pt-BR" dirty="0" smtClean="0"/>
               </a:p>
               <a:p>
                 <a:pPr marL="411480" lvl="1" indent="0">
@@ -7687,144 +6506,198 @@
                       <m:sSub>
                         <m:sSubPr>
                           <m:ctrlPr>
-                            <a:rPr lang="pt-BR" i="1" smtClean="0"/>
+                            <a:rPr lang="pt-BR" i="1" smtClean="0">
+                              <a:latin typeface="Cambria Math" panose="02040503050406030204" pitchFamily="18" charset="0"/>
+                            </a:rPr>
                           </m:ctrlPr>
                         </m:sSubPr>
                         <m:e>
                           <m:r>
-                            <a:rPr lang="pt-BR" i="1"/>
+                            <a:rPr lang="pt-BR" i="1">
+                              <a:latin typeface="Cambria Math" panose="02040503050406030204" pitchFamily="18" charset="0"/>
+                            </a:rPr>
                             <m:t>𝑑</m:t>
                           </m:r>
                         </m:e>
                         <m:sub>
                           <m:r>
-                            <a:rPr lang="pt-BR" i="1"/>
+                            <a:rPr lang="pt-BR" i="1">
+                              <a:latin typeface="Cambria Math" panose="02040503050406030204" pitchFamily="18" charset="0"/>
+                            </a:rPr>
                             <m:t>𝑜</m:t>
                           </m:r>
                           <m:r>
-                            <a:rPr lang="pt-BR" i="1"/>
+                            <a:rPr lang="pt-BR" i="1">
+                              <a:latin typeface="Cambria Math" panose="02040503050406030204" pitchFamily="18" charset="0"/>
+                            </a:rPr>
                             <m:t>1</m:t>
                           </m:r>
                           <m:r>
-                            <a:rPr lang="pt-BR" i="1"/>
+                            <a:rPr lang="pt-BR" i="1">
+                              <a:latin typeface="Cambria Math" panose="02040503050406030204" pitchFamily="18" charset="0"/>
+                            </a:rPr>
                             <m:t>𝑛</m:t>
                           </m:r>
                         </m:sub>
                       </m:sSub>
                       <m:r>
-                        <a:rPr lang="pt-BR" i="1"/>
+                        <a:rPr lang="pt-BR" i="1">
+                          <a:latin typeface="Cambria Math" panose="02040503050406030204" pitchFamily="18" charset="0"/>
+                        </a:rPr>
                         <m:t>=</m:t>
                       </m:r>
                       <m:sSub>
                         <m:sSubPr>
                           <m:ctrlPr>
-                            <a:rPr lang="pt-BR" i="1"/>
+                            <a:rPr lang="pt-BR" i="1">
+                              <a:latin typeface="Cambria Math" panose="02040503050406030204" pitchFamily="18" charset="0"/>
+                            </a:rPr>
                           </m:ctrlPr>
                         </m:sSubPr>
                         <m:e>
                           <m:r>
-                            <a:rPr lang="pt-BR" i="1"/>
+                            <a:rPr lang="pt-BR" i="1">
+                              <a:latin typeface="Cambria Math" panose="02040503050406030204" pitchFamily="18" charset="0"/>
+                            </a:rPr>
                             <m:t>𝑚</m:t>
                           </m:r>
                         </m:e>
                         <m:sub>
                           <m:r>
-                            <a:rPr lang="pt-BR" i="1"/>
+                            <a:rPr lang="pt-BR" i="1">
+                              <a:latin typeface="Cambria Math" panose="02040503050406030204" pitchFamily="18" charset="0"/>
+                            </a:rPr>
                             <m:t>𝑛</m:t>
                           </m:r>
                         </m:sub>
                       </m:sSub>
                       <m:r>
-                        <a:rPr lang="pt-BR" i="1"/>
+                        <a:rPr lang="pt-BR" i="1">
+                          <a:latin typeface="Cambria Math" panose="02040503050406030204" pitchFamily="18" charset="0"/>
+                        </a:rPr>
                         <m:t>.</m:t>
                       </m:r>
                       <m:sSub>
                         <m:sSubPr>
                           <m:ctrlPr>
-                            <a:rPr lang="pt-BR" i="1"/>
+                            <a:rPr lang="pt-BR" i="1">
+                              <a:latin typeface="Cambria Math" panose="02040503050406030204" pitchFamily="18" charset="0"/>
+                            </a:rPr>
                           </m:ctrlPr>
                         </m:sSubPr>
                         <m:e>
                           <m:r>
-                            <a:rPr lang="pt-BR" i="1"/>
+                            <a:rPr lang="pt-BR" i="1">
+                              <a:latin typeface="Cambria Math" panose="02040503050406030204" pitchFamily="18" charset="0"/>
+                            </a:rPr>
                             <m:t>𝑍</m:t>
                           </m:r>
                         </m:e>
                         <m:sub>
                           <m:r>
-                            <a:rPr lang="pt-BR" i="1"/>
+                            <a:rPr lang="pt-BR" i="1">
+                              <a:latin typeface="Cambria Math" panose="02040503050406030204" pitchFamily="18" charset="0"/>
+                            </a:rPr>
                             <m:t>1</m:t>
                           </m:r>
                         </m:sub>
                       </m:sSub>
                       <m:r>
-                        <a:rPr lang="pt-BR" i="1"/>
+                        <a:rPr lang="pt-BR" i="1">
+                          <a:latin typeface="Cambria Math" panose="02040503050406030204" pitchFamily="18" charset="0"/>
+                        </a:rPr>
                         <m:t>→</m:t>
                       </m:r>
                       <m:sSub>
                         <m:sSubPr>
                           <m:ctrlPr>
-                            <a:rPr lang="pt-BR" i="1"/>
+                            <a:rPr lang="pt-BR" i="1">
+                              <a:latin typeface="Cambria Math" panose="02040503050406030204" pitchFamily="18" charset="0"/>
+                            </a:rPr>
                           </m:ctrlPr>
                         </m:sSubPr>
                         <m:e>
                           <m:r>
-                            <a:rPr lang="pt-BR" i="1"/>
+                            <a:rPr lang="pt-BR" i="1">
+                              <a:latin typeface="Cambria Math" panose="02040503050406030204" pitchFamily="18" charset="0"/>
+                            </a:rPr>
                             <m:t>𝑑</m:t>
                           </m:r>
                         </m:e>
                         <m:sub>
                           <m:r>
-                            <a:rPr lang="pt-BR" i="1"/>
+                            <a:rPr lang="pt-BR" i="1">
+                              <a:latin typeface="Cambria Math" panose="02040503050406030204" pitchFamily="18" charset="0"/>
+                            </a:rPr>
                             <m:t>𝑜</m:t>
                           </m:r>
                           <m:r>
-                            <a:rPr lang="pt-BR" i="1"/>
+                            <a:rPr lang="pt-BR" i="1">
+                              <a:latin typeface="Cambria Math" panose="02040503050406030204" pitchFamily="18" charset="0"/>
+                            </a:rPr>
                             <m:t>1</m:t>
                           </m:r>
                           <m:r>
-                            <a:rPr lang="pt-BR" i="1"/>
+                            <a:rPr lang="pt-BR" i="1">
+                              <a:latin typeface="Cambria Math" panose="02040503050406030204" pitchFamily="18" charset="0"/>
+                            </a:rPr>
                             <m:t>𝑛</m:t>
                           </m:r>
                         </m:sub>
                       </m:sSub>
                       <m:r>
-                        <a:rPr lang="pt-BR" i="1"/>
+                        <a:rPr lang="pt-BR" i="1">
+                          <a:latin typeface="Cambria Math" panose="02040503050406030204" pitchFamily="18" charset="0"/>
+                        </a:rPr>
                         <m:t>=2,50.20→</m:t>
                       </m:r>
                       <m:sSub>
                         <m:sSubPr>
                           <m:ctrlPr>
-                            <a:rPr lang="pt-BR" i="1"/>
+                            <a:rPr lang="pt-BR" i="1">
+                              <a:latin typeface="Cambria Math" panose="02040503050406030204" pitchFamily="18" charset="0"/>
+                            </a:rPr>
                           </m:ctrlPr>
                         </m:sSubPr>
                         <m:e>
                           <m:r>
-                            <a:rPr lang="pt-BR" i="1"/>
+                            <a:rPr lang="pt-BR" i="1">
+                              <a:latin typeface="Cambria Math" panose="02040503050406030204" pitchFamily="18" charset="0"/>
+                            </a:rPr>
                             <m:t>𝑑</m:t>
                           </m:r>
                         </m:e>
                         <m:sub>
                           <m:r>
-                            <a:rPr lang="pt-BR" i="1"/>
+                            <a:rPr lang="pt-BR" i="1">
+                              <a:latin typeface="Cambria Math" panose="02040503050406030204" pitchFamily="18" charset="0"/>
+                            </a:rPr>
                             <m:t>𝑜</m:t>
                           </m:r>
                           <m:r>
-                            <a:rPr lang="pt-BR" i="1"/>
+                            <a:rPr lang="pt-BR" i="1">
+                              <a:latin typeface="Cambria Math" panose="02040503050406030204" pitchFamily="18" charset="0"/>
+                            </a:rPr>
                             <m:t>1</m:t>
                           </m:r>
                           <m:r>
-                            <a:rPr lang="pt-BR" i="1"/>
+                            <a:rPr lang="pt-BR" i="1">
+                              <a:latin typeface="Cambria Math" panose="02040503050406030204" pitchFamily="18" charset="0"/>
+                            </a:rPr>
                             <m:t>𝑛</m:t>
                           </m:r>
                         </m:sub>
                       </m:sSub>
                       <m:r>
-                        <a:rPr lang="pt-BR" i="1"/>
+                        <a:rPr lang="pt-BR" i="1">
+                          <a:latin typeface="Cambria Math" panose="02040503050406030204" pitchFamily="18" charset="0"/>
+                        </a:rPr>
                         <m:t>=50</m:t>
                       </m:r>
                       <m:r>
-                        <a:rPr lang="pt-BR" i="1"/>
+                        <a:rPr lang="pt-BR" i="1">
+                          <a:latin typeface="Cambria Math" panose="02040503050406030204" pitchFamily="18" charset="0"/>
+                        </a:rPr>
                         <m:t>𝑚𝑚</m:t>
                       </m:r>
                     </m:oMath>
@@ -7843,22 +6716,9 @@
               </a:p>
               <a:p>
                 <a:r>
-                  <a:rPr lang="pt-BR" dirty="0" smtClean="0"/>
-                  <a:t>Largura </a:t>
+                  <a:rPr lang="pt-BR" dirty="0"/>
+                  <a:t>Largura do pinhão </a:t>
                 </a:r>
-                <a:r>
-                  <a:rPr lang="pt-BR" dirty="0"/>
-                  <a:t>do </a:t>
-                </a:r>
-                <a:r>
-                  <a:rPr lang="pt-BR" dirty="0" smtClean="0"/>
-                  <a:t>pinhão</a:t>
-                </a:r>
-                <a:r>
-                  <a:rPr lang="pt-BR" dirty="0"/>
-                  <a:t> </a:t>
-                </a:r>
-                <a:endParaRPr lang="pt-BR" dirty="0" smtClean="0"/>
               </a:p>
               <a:p>
                 <a:pPr marL="411480" lvl="1" indent="0">
@@ -7873,18 +6733,24 @@
                       <m:sSub>
                         <m:sSubPr>
                           <m:ctrlPr>
-                            <a:rPr lang="pt-BR" sz="1600" i="1"/>
+                            <a:rPr lang="pt-BR" sz="1600" i="1">
+                              <a:latin typeface="Cambria Math" panose="02040503050406030204" pitchFamily="18" charset="0"/>
+                            </a:rPr>
                           </m:ctrlPr>
                         </m:sSubPr>
                         <m:e>
                           <m:r>
-                            <a:rPr lang="pt-BR" sz="1600" i="1"/>
+                            <a:rPr lang="pt-BR" sz="1600" i="1">
+                              <a:latin typeface="Cambria Math" panose="02040503050406030204" pitchFamily="18" charset="0"/>
+                            </a:rPr>
                             <m:t>𝑏</m:t>
                           </m:r>
                         </m:e>
                         <m:sub>
                           <m:r>
-                            <a:rPr lang="pt-BR" sz="1600" i="1"/>
+                            <a:rPr lang="pt-BR" sz="1600" i="1">
+                              <a:latin typeface="Cambria Math" panose="02040503050406030204" pitchFamily="18" charset="0"/>
+                            </a:rPr>
                             <m:t>1</m:t>
                           </m:r>
                         </m:sub>
@@ -7892,68 +6758,92 @@
                       <m:sSubSup>
                         <m:sSubSupPr>
                           <m:ctrlPr>
-                            <a:rPr lang="pt-BR" sz="1600" i="1"/>
+                            <a:rPr lang="pt-BR" sz="1600" i="1">
+                              <a:latin typeface="Cambria Math" panose="02040503050406030204" pitchFamily="18" charset="0"/>
+                            </a:rPr>
                           </m:ctrlPr>
                         </m:sSubSupPr>
                         <m:e>
                           <m:r>
-                            <a:rPr lang="pt-BR" sz="1600" i="1"/>
+                            <a:rPr lang="pt-BR" sz="1600" i="1">
+                              <a:latin typeface="Cambria Math" panose="02040503050406030204" pitchFamily="18" charset="0"/>
+                            </a:rPr>
                             <m:t>𝑑</m:t>
                           </m:r>
                         </m:e>
                         <m:sub>
                           <m:r>
-                            <a:rPr lang="pt-BR" sz="1600" i="1"/>
+                            <a:rPr lang="pt-BR" sz="1600" i="1">
+                              <a:latin typeface="Cambria Math" panose="02040503050406030204" pitchFamily="18" charset="0"/>
+                            </a:rPr>
                             <m:t>𝑜</m:t>
                           </m:r>
                           <m:r>
-                            <a:rPr lang="pt-BR" sz="1600" i="1"/>
+                            <a:rPr lang="pt-BR" sz="1600" i="1">
+                              <a:latin typeface="Cambria Math" panose="02040503050406030204" pitchFamily="18" charset="0"/>
+                            </a:rPr>
                             <m:t>1</m:t>
                           </m:r>
                         </m:sub>
                         <m:sup>
                           <m:r>
-                            <a:rPr lang="pt-BR" sz="1600" i="1"/>
+                            <a:rPr lang="pt-BR" sz="1600" i="1">
+                              <a:latin typeface="Cambria Math" panose="02040503050406030204" pitchFamily="18" charset="0"/>
+                            </a:rPr>
                             <m:t>2</m:t>
                           </m:r>
                         </m:sup>
                       </m:sSubSup>
                       <m:r>
-                        <a:rPr lang="pt-BR" sz="1600" i="1"/>
+                        <a:rPr lang="pt-BR" sz="1600" i="1">
+                          <a:latin typeface="Cambria Math" panose="02040503050406030204" pitchFamily="18" charset="0"/>
+                        </a:rPr>
                         <m:t>=65110,28→</m:t>
                       </m:r>
                       <m:sSub>
                         <m:sSubPr>
                           <m:ctrlPr>
-                            <a:rPr lang="pt-BR" sz="1600" i="1"/>
+                            <a:rPr lang="pt-BR" sz="1600" i="1">
+                              <a:latin typeface="Cambria Math" panose="02040503050406030204" pitchFamily="18" charset="0"/>
+                            </a:rPr>
                           </m:ctrlPr>
                         </m:sSubPr>
                         <m:e>
                           <m:r>
-                            <a:rPr lang="pt-BR" sz="1600" i="1"/>
+                            <a:rPr lang="pt-BR" sz="1600" i="1">
+                              <a:latin typeface="Cambria Math" panose="02040503050406030204" pitchFamily="18" charset="0"/>
+                            </a:rPr>
                             <m:t>𝑏</m:t>
                           </m:r>
                         </m:e>
                         <m:sub>
                           <m:r>
-                            <a:rPr lang="pt-BR" sz="1600" i="1"/>
+                            <a:rPr lang="pt-BR" sz="1600" i="1">
+                              <a:latin typeface="Cambria Math" panose="02040503050406030204" pitchFamily="18" charset="0"/>
+                            </a:rPr>
                             <m:t>1</m:t>
                           </m:r>
                         </m:sub>
                       </m:sSub>
                       <m:r>
-                        <a:rPr lang="pt-BR" sz="1600" i="1"/>
+                        <a:rPr lang="pt-BR" sz="1600" i="1">
+                          <a:latin typeface="Cambria Math" panose="02040503050406030204" pitchFamily="18" charset="0"/>
+                        </a:rPr>
                         <m:t>=</m:t>
                       </m:r>
                       <m:f>
                         <m:fPr>
                           <m:ctrlPr>
-                            <a:rPr lang="pt-BR" sz="1600" i="1"/>
+                            <a:rPr lang="pt-BR" sz="1600" i="1">
+                              <a:latin typeface="Cambria Math" panose="02040503050406030204" pitchFamily="18" charset="0"/>
+                            </a:rPr>
                           </m:ctrlPr>
                         </m:fPr>
                         <m:num>
                           <m:r>
-                            <a:rPr lang="pt-BR" sz="1600" i="1"/>
+                            <a:rPr lang="pt-BR" sz="1600" i="1">
+                              <a:latin typeface="Cambria Math" panose="02040503050406030204" pitchFamily="18" charset="0"/>
+                            </a:rPr>
                             <m:t>65110,28</m:t>
                           </m:r>
                         </m:num>
@@ -7961,28 +6851,38 @@
                           <m:sSubSup>
                             <m:sSubSupPr>
                               <m:ctrlPr>
-                                <a:rPr lang="pt-BR" sz="1600" i="1"/>
+                                <a:rPr lang="pt-BR" sz="1600" i="1">
+                                  <a:latin typeface="Cambria Math" panose="02040503050406030204" pitchFamily="18" charset="0"/>
+                                </a:rPr>
                               </m:ctrlPr>
                             </m:sSubSupPr>
                             <m:e>
                               <m:r>
-                                <a:rPr lang="pt-BR" sz="1600" i="1"/>
+                                <a:rPr lang="pt-BR" sz="1600" i="1">
+                                  <a:latin typeface="Cambria Math" panose="02040503050406030204" pitchFamily="18" charset="0"/>
+                                </a:rPr>
                                 <m:t>𝑑</m:t>
                               </m:r>
                             </m:e>
                             <m:sub>
                               <m:r>
-                                <a:rPr lang="pt-BR" sz="1600" i="1"/>
+                                <a:rPr lang="pt-BR" sz="1600" i="1">
+                                  <a:latin typeface="Cambria Math" panose="02040503050406030204" pitchFamily="18" charset="0"/>
+                                </a:rPr>
                                 <m:t>𝑜</m:t>
                               </m:r>
                               <m:r>
-                                <a:rPr lang="pt-BR" sz="1600" i="1"/>
+                                <a:rPr lang="pt-BR" sz="1600" i="1">
+                                  <a:latin typeface="Cambria Math" panose="02040503050406030204" pitchFamily="18" charset="0"/>
+                                </a:rPr>
                                 <m:t>1</m:t>
                               </m:r>
                             </m:sub>
                             <m:sup>
                               <m:r>
-                                <a:rPr lang="pt-BR" sz="1600" i="1"/>
+                                <a:rPr lang="pt-BR" sz="1600" i="1">
+                                  <a:latin typeface="Cambria Math" panose="02040503050406030204" pitchFamily="18" charset="0"/>
+                                </a:rPr>
                                 <m:t>2</m:t>
                               </m:r>
                             </m:sup>
@@ -7990,41 +6890,55 @@
                         </m:den>
                       </m:f>
                       <m:r>
-                        <a:rPr lang="pt-BR" sz="1600" i="1"/>
+                        <a:rPr lang="pt-BR" sz="1600" i="1">
+                          <a:latin typeface="Cambria Math" panose="02040503050406030204" pitchFamily="18" charset="0"/>
+                        </a:rPr>
                         <m:t>→</m:t>
                       </m:r>
                       <m:sSub>
                         <m:sSubPr>
                           <m:ctrlPr>
-                            <a:rPr lang="pt-BR" sz="1600" i="1"/>
+                            <a:rPr lang="pt-BR" sz="1600" i="1">
+                              <a:latin typeface="Cambria Math" panose="02040503050406030204" pitchFamily="18" charset="0"/>
+                            </a:rPr>
                           </m:ctrlPr>
                         </m:sSubPr>
                         <m:e>
                           <m:r>
-                            <a:rPr lang="pt-BR" sz="1600" i="1"/>
+                            <a:rPr lang="pt-BR" sz="1600" i="1">
+                              <a:latin typeface="Cambria Math" panose="02040503050406030204" pitchFamily="18" charset="0"/>
+                            </a:rPr>
                             <m:t>𝑏</m:t>
                           </m:r>
                         </m:e>
                         <m:sub>
                           <m:r>
-                            <a:rPr lang="pt-BR" sz="1600" i="1"/>
+                            <a:rPr lang="pt-BR" sz="1600" i="1">
+                              <a:latin typeface="Cambria Math" panose="02040503050406030204" pitchFamily="18" charset="0"/>
+                            </a:rPr>
                             <m:t>1</m:t>
                           </m:r>
                         </m:sub>
                       </m:sSub>
                       <m:r>
-                        <a:rPr lang="pt-BR" sz="1600" i="1"/>
+                        <a:rPr lang="pt-BR" sz="1600" i="1">
+                          <a:latin typeface="Cambria Math" panose="02040503050406030204" pitchFamily="18" charset="0"/>
+                        </a:rPr>
                         <m:t>=</m:t>
                       </m:r>
                       <m:f>
                         <m:fPr>
                           <m:ctrlPr>
-                            <a:rPr lang="pt-BR" sz="1600" i="1"/>
+                            <a:rPr lang="pt-BR" sz="1600" i="1">
+                              <a:latin typeface="Cambria Math" panose="02040503050406030204" pitchFamily="18" charset="0"/>
+                            </a:rPr>
                           </m:ctrlPr>
                         </m:fPr>
                         <m:num>
                           <m:r>
-                            <a:rPr lang="pt-BR" sz="1600" i="1"/>
+                            <a:rPr lang="pt-BR" sz="1600" i="1">
+                              <a:latin typeface="Cambria Math" panose="02040503050406030204" pitchFamily="18" charset="0"/>
+                            </a:rPr>
                             <m:t>65110,28</m:t>
                           </m:r>
                         </m:num>
@@ -8032,18 +6946,24 @@
                           <m:sSup>
                             <m:sSupPr>
                               <m:ctrlPr>
-                                <a:rPr lang="pt-BR" sz="1600" i="1"/>
+                                <a:rPr lang="pt-BR" sz="1600" i="1">
+                                  <a:latin typeface="Cambria Math" panose="02040503050406030204" pitchFamily="18" charset="0"/>
+                                </a:rPr>
                               </m:ctrlPr>
                             </m:sSupPr>
                             <m:e>
                               <m:r>
-                                <a:rPr lang="pt-BR" sz="1600" i="1"/>
+                                <a:rPr lang="pt-BR" sz="1600" i="1">
+                                  <a:latin typeface="Cambria Math" panose="02040503050406030204" pitchFamily="18" charset="0"/>
+                                </a:rPr>
                                 <m:t>50</m:t>
                               </m:r>
                             </m:e>
                             <m:sup>
                               <m:r>
-                                <a:rPr lang="pt-BR" sz="1600" i="1"/>
+                                <a:rPr lang="pt-BR" sz="1600" i="1">
+                                  <a:latin typeface="Cambria Math" panose="02040503050406030204" pitchFamily="18" charset="0"/>
+                                </a:rPr>
                                 <m:t>2</m:t>
                               </m:r>
                             </m:sup>
@@ -8051,34 +6971,46 @@
                         </m:den>
                       </m:f>
                       <m:r>
-                        <a:rPr lang="pt-BR" sz="1600" i="1"/>
+                        <a:rPr lang="pt-BR" sz="1600" i="1">
+                          <a:latin typeface="Cambria Math" panose="02040503050406030204" pitchFamily="18" charset="0"/>
+                        </a:rPr>
                         <m:t>→</m:t>
                       </m:r>
                       <m:sSub>
                         <m:sSubPr>
                           <m:ctrlPr>
-                            <a:rPr lang="pt-BR" sz="1600" i="1"/>
+                            <a:rPr lang="pt-BR" sz="1600" i="1">
+                              <a:latin typeface="Cambria Math" panose="02040503050406030204" pitchFamily="18" charset="0"/>
+                            </a:rPr>
                           </m:ctrlPr>
                         </m:sSubPr>
                         <m:e>
                           <m:r>
-                            <a:rPr lang="pt-BR" sz="1600" i="1"/>
+                            <a:rPr lang="pt-BR" sz="1600" i="1">
+                              <a:latin typeface="Cambria Math" panose="02040503050406030204" pitchFamily="18" charset="0"/>
+                            </a:rPr>
                             <m:t>𝑏</m:t>
                           </m:r>
                         </m:e>
                         <m:sub>
                           <m:r>
-                            <a:rPr lang="pt-BR" sz="1600" i="1"/>
+                            <a:rPr lang="pt-BR" sz="1600" i="1">
+                              <a:latin typeface="Cambria Math" panose="02040503050406030204" pitchFamily="18" charset="0"/>
+                            </a:rPr>
                             <m:t>1</m:t>
                           </m:r>
                         </m:sub>
                       </m:sSub>
                       <m:r>
-                        <a:rPr lang="pt-BR" sz="1600" i="1"/>
+                        <a:rPr lang="pt-BR" sz="1600" i="1">
+                          <a:latin typeface="Cambria Math" panose="02040503050406030204" pitchFamily="18" charset="0"/>
+                        </a:rPr>
                         <m:t>=26,04</m:t>
                       </m:r>
                       <m:r>
-                        <a:rPr lang="pt-BR" sz="1600" i="1"/>
+                        <a:rPr lang="pt-BR" sz="1600" i="1">
+                          <a:latin typeface="Cambria Math" panose="02040503050406030204" pitchFamily="18" charset="0"/>
+                        </a:rPr>
                         <m:t>𝑚𝑚</m:t>
                       </m:r>
                     </m:oMath>
@@ -8092,7 +7024,7 @@
             </p:txBody>
           </p:sp>
         </mc:Choice>
-        <mc:Fallback>
+        <mc:Fallback xmlns="">
           <p:sp>
             <p:nvSpPr>
               <p:cNvPr id="3" name="Espaço Reservado para Conteúdo 2"/>
@@ -8139,7 +7071,7 @@
 </p:sld>
 </file>
 
-<file path=ppt/slides/slide18.xml><?xml version="1.0" encoding="utf-8"?>
+<file path=ppt/slides/slide13.xml><?xml version="1.0" encoding="utf-8"?>
 <p:sld xmlns:a="http://schemas.openxmlformats.org/drawingml/2006/main" xmlns:r="http://schemas.openxmlformats.org/officeDocument/2006/relationships" xmlns:p="http://schemas.openxmlformats.org/presentationml/2006/main">
   <p:cSld>
     <p:spTree>
@@ -8173,15 +7105,14 @@
           <a:p>
             <a:pPr algn="ctr"/>
             <a:r>
-              <a:rPr lang="pt-BR" dirty="0" smtClean="0"/>
+              <a:rPr lang="pt-BR" dirty="0"/>
               <a:t>Dimensionamento</a:t>
             </a:r>
-            <a:endParaRPr lang="pt-BR" dirty="0"/>
           </a:p>
         </p:txBody>
       </p:sp>
-      <mc:AlternateContent xmlns:mc="http://schemas.openxmlformats.org/markup-compatibility/2006">
-        <mc:Choice xmlns:a14="http://schemas.microsoft.com/office/drawing/2010/main" Requires="a14">
+      <mc:AlternateContent xmlns:mc="http://schemas.openxmlformats.org/markup-compatibility/2006" xmlns:a14="http://schemas.microsoft.com/office/drawing/2010/main">
+        <mc:Choice Requires="a14">
           <p:sp>
             <p:nvSpPr>
               <p:cNvPr id="3" name="Espaço Reservado para Conteúdo 2"/>
@@ -8201,21 +7132,8 @@
               <a:p>
                 <a:r>
                   <a:rPr lang="pt-BR" dirty="0"/>
-                  <a:t> </a:t>
+                  <a:t> Verificando se a engrenagem irá aguentar a força exercida no pé do dente:</a:t>
                 </a:r>
-                <a:r>
-                  <a:rPr lang="pt-BR" dirty="0" smtClean="0"/>
-                  <a:t>Verificando se </a:t>
-                </a:r>
-                <a:r>
-                  <a:rPr lang="pt-BR" dirty="0"/>
-                  <a:t>a engrenagem irá aguentar a força exercida no pé do dente</a:t>
-                </a:r>
-                <a:r>
-                  <a:rPr lang="pt-BR" dirty="0"/>
-                  <a:t>:</a:t>
-                </a:r>
-                <a:endParaRPr lang="pt-BR" dirty="0"/>
               </a:p>
               <a:p>
                 <a:pPr marL="114300" indent="0">
@@ -8240,7 +7158,7 @@
                         <m:sSubPr>
                           <m:ctrlPr>
                             <a:rPr lang="pt-BR" i="1">
-                              <a:latin typeface="Cambria Math"/>
+                              <a:latin typeface="Cambria Math" panose="02040503050406030204" pitchFamily="18" charset="0"/>
                             </a:rPr>
                           </m:ctrlPr>
                         </m:sSubPr>
@@ -8271,7 +7189,7 @@
                         <m:fPr>
                           <m:ctrlPr>
                             <a:rPr lang="pt-BR" i="1">
-                              <a:latin typeface="Cambria Math"/>
+                              <a:latin typeface="Cambria Math" panose="02040503050406030204" pitchFamily="18" charset="0"/>
                             </a:rPr>
                           </m:ctrlPr>
                         </m:fPr>
@@ -8286,7 +7204,7 @@
                             <m:sSubPr>
                               <m:ctrlPr>
                                 <a:rPr lang="pt-BR" i="1">
-                                  <a:latin typeface="Cambria Math"/>
+                                  <a:latin typeface="Cambria Math" panose="02040503050406030204" pitchFamily="18" charset="0"/>
                                 </a:rPr>
                               </m:ctrlPr>
                             </m:sSubPr>
@@ -8313,7 +7231,7 @@
                             <m:sSubPr>
                               <m:ctrlPr>
                                 <a:rPr lang="pt-BR" i="1">
-                                  <a:latin typeface="Cambria Math"/>
+                                  <a:latin typeface="Cambria Math" panose="02040503050406030204" pitchFamily="18" charset="0"/>
                                 </a:rPr>
                               </m:ctrlPr>
                             </m:sSubPr>
@@ -8358,7 +7276,7 @@
                         <m:sSubPr>
                           <m:ctrlPr>
                             <a:rPr lang="pt-BR" i="1">
-                              <a:latin typeface="Cambria Math"/>
+                              <a:latin typeface="Cambria Math" panose="02040503050406030204" pitchFamily="18" charset="0"/>
                             </a:rPr>
                           </m:ctrlPr>
                         </m:sSubPr>
@@ -8389,7 +7307,7 @@
                         <m:fPr>
                           <m:ctrlPr>
                             <a:rPr lang="pt-BR" i="1">
-                              <a:latin typeface="Cambria Math"/>
+                              <a:latin typeface="Cambria Math" panose="02040503050406030204" pitchFamily="18" charset="0"/>
                             </a:rPr>
                           </m:ctrlPr>
                         </m:fPr>
@@ -8420,7 +7338,7 @@
                         <m:sSubPr>
                           <m:ctrlPr>
                             <a:rPr lang="pt-BR" i="1">
-                              <a:latin typeface="Cambria Math"/>
+                              <a:latin typeface="Cambria Math" panose="02040503050406030204" pitchFamily="18" charset="0"/>
                             </a:rPr>
                           </m:ctrlPr>
                         </m:sSubPr>
@@ -8456,7 +7374,7 @@
                     </m:oMath>
                   </m:oMathPara>
                 </a14:m>
-                <a:endParaRPr lang="pt-BR" dirty="0" smtClean="0"/>
+                <a:endParaRPr lang="pt-BR" dirty="0"/>
               </a:p>
               <a:p>
                 <a:pPr marL="114300" indent="0">
@@ -8514,7 +7432,7 @@
                 <a:pPr marL="114300" indent="0">
                   <a:buNone/>
                 </a:pPr>
-                <a:endParaRPr lang="pt-BR" i="1" dirty="0" smtClean="0"/>
+                <a:endParaRPr lang="pt-BR" i="1" dirty="0"/>
               </a:p>
               <a:p>
                 <a:pPr marL="114300" indent="0">
@@ -8529,66 +7447,90 @@
                       <m:sSub>
                         <m:sSubPr>
                           <m:ctrlPr>
-                            <a:rPr lang="pt-BR" i="1" smtClean="0"/>
+                            <a:rPr lang="pt-BR" i="1" smtClean="0">
+                              <a:latin typeface="Cambria Math" panose="02040503050406030204" pitchFamily="18" charset="0"/>
+                            </a:rPr>
                           </m:ctrlPr>
                         </m:sSubPr>
                         <m:e>
                           <m:r>
-                            <a:rPr lang="pt-BR" i="1"/>
+                            <a:rPr lang="pt-BR" i="1">
+                              <a:latin typeface="Cambria Math" panose="02040503050406030204" pitchFamily="18" charset="0"/>
+                            </a:rPr>
                             <m:t>𝜎</m:t>
                           </m:r>
                         </m:e>
                         <m:sub>
                           <m:r>
-                            <a:rPr lang="pt-BR" i="1"/>
+                            <a:rPr lang="pt-BR" i="1">
+                              <a:latin typeface="Cambria Math" panose="02040503050406030204" pitchFamily="18" charset="0"/>
+                            </a:rPr>
                             <m:t>𝑀𝐴𝑋</m:t>
                           </m:r>
                         </m:sub>
                       </m:sSub>
                       <m:r>
-                        <a:rPr lang="pt-BR" i="1"/>
+                        <a:rPr lang="pt-BR" i="1">
+                          <a:latin typeface="Cambria Math" panose="02040503050406030204" pitchFamily="18" charset="0"/>
+                        </a:rPr>
                         <m:t>=</m:t>
                       </m:r>
                       <m:f>
                         <m:fPr>
                           <m:ctrlPr>
-                            <a:rPr lang="pt-BR" i="1"/>
+                            <a:rPr lang="pt-BR" i="1">
+                              <a:latin typeface="Cambria Math" panose="02040503050406030204" pitchFamily="18" charset="0"/>
+                            </a:rPr>
                           </m:ctrlPr>
                         </m:fPr>
                         <m:num>
                           <m:sSub>
                             <m:sSubPr>
                               <m:ctrlPr>
-                                <a:rPr lang="pt-BR" i="1"/>
+                                <a:rPr lang="pt-BR" i="1">
+                                  <a:latin typeface="Cambria Math" panose="02040503050406030204" pitchFamily="18" charset="0"/>
+                                </a:rPr>
                               </m:ctrlPr>
                             </m:sSubPr>
                             <m:e>
                               <m:r>
-                                <a:rPr lang="pt-BR" i="1"/>
+                                <a:rPr lang="pt-BR" i="1">
+                                  <a:latin typeface="Cambria Math" panose="02040503050406030204" pitchFamily="18" charset="0"/>
+                                </a:rPr>
                                 <m:t>𝐹</m:t>
                               </m:r>
                             </m:e>
                             <m:sub>
                               <m:r>
-                                <a:rPr lang="pt-BR" i="1"/>
+                                <a:rPr lang="pt-BR" i="1">
+                                  <a:latin typeface="Cambria Math" panose="02040503050406030204" pitchFamily="18" charset="0"/>
+                                </a:rPr>
                                 <m:t>𝑡</m:t>
                               </m:r>
                             </m:sub>
                           </m:sSub>
                           <m:r>
-                            <a:rPr lang="pt-BR" i="1"/>
+                            <a:rPr lang="pt-BR" i="1">
+                              <a:latin typeface="Cambria Math" panose="02040503050406030204" pitchFamily="18" charset="0"/>
+                            </a:rPr>
                             <m:t>.</m:t>
                           </m:r>
                           <m:r>
-                            <a:rPr lang="pt-BR" i="1"/>
+                            <a:rPr lang="pt-BR" i="1">
+                              <a:latin typeface="Cambria Math" panose="02040503050406030204" pitchFamily="18" charset="0"/>
+                            </a:rPr>
                             <m:t>𝑞</m:t>
                           </m:r>
                           <m:r>
-                            <a:rPr lang="pt-BR" i="1"/>
+                            <a:rPr lang="pt-BR" i="1">
+                              <a:latin typeface="Cambria Math" panose="02040503050406030204" pitchFamily="18" charset="0"/>
+                            </a:rPr>
                             <m:t>.</m:t>
                           </m:r>
                           <m:r>
-                            <a:rPr lang="pt-BR" i="1"/>
+                            <a:rPr lang="pt-BR" i="1">
+                              <a:latin typeface="Cambria Math" panose="02040503050406030204" pitchFamily="18" charset="0"/>
+                            </a:rPr>
                             <m:t>𝜑</m:t>
                           </m:r>
                         </m:num>
@@ -8596,41 +7538,55 @@
                           <m:sSub>
                             <m:sSubPr>
                               <m:ctrlPr>
-                                <a:rPr lang="pt-BR" i="1"/>
+                                <a:rPr lang="pt-BR" i="1">
+                                  <a:latin typeface="Cambria Math" panose="02040503050406030204" pitchFamily="18" charset="0"/>
+                                </a:rPr>
                               </m:ctrlPr>
                             </m:sSubPr>
                             <m:e>
                               <m:r>
-                                <a:rPr lang="pt-BR" i="1"/>
+                                <a:rPr lang="pt-BR" i="1">
+                                  <a:latin typeface="Cambria Math" panose="02040503050406030204" pitchFamily="18" charset="0"/>
+                                </a:rPr>
                                 <m:t>𝑏</m:t>
                               </m:r>
                             </m:e>
                             <m:sub>
                               <m:r>
-                                <a:rPr lang="pt-BR" i="1"/>
+                                <a:rPr lang="pt-BR" i="1">
+                                  <a:latin typeface="Cambria Math" panose="02040503050406030204" pitchFamily="18" charset="0"/>
+                                </a:rPr>
                                 <m:t>1</m:t>
                               </m:r>
                             </m:sub>
                           </m:sSub>
                           <m:r>
-                            <a:rPr lang="pt-BR" i="1"/>
+                            <a:rPr lang="pt-BR" i="1">
+                              <a:latin typeface="Cambria Math" panose="02040503050406030204" pitchFamily="18" charset="0"/>
+                            </a:rPr>
                             <m:t>.</m:t>
                           </m:r>
                           <m:sSub>
                             <m:sSubPr>
                               <m:ctrlPr>
-                                <a:rPr lang="pt-BR" i="1"/>
+                                <a:rPr lang="pt-BR" i="1">
+                                  <a:latin typeface="Cambria Math" panose="02040503050406030204" pitchFamily="18" charset="0"/>
+                                </a:rPr>
                               </m:ctrlPr>
                             </m:sSubPr>
                             <m:e>
                               <m:r>
-                                <a:rPr lang="pt-BR" i="1"/>
+                                <a:rPr lang="pt-BR" i="1">
+                                  <a:latin typeface="Cambria Math" panose="02040503050406030204" pitchFamily="18" charset="0"/>
+                                </a:rPr>
                                 <m:t>𝑚</m:t>
                               </m:r>
                             </m:e>
                             <m:sub>
                               <m:r>
-                                <a:rPr lang="pt-BR" i="1"/>
+                                <a:rPr lang="pt-BR" i="1">
+                                  <a:latin typeface="Cambria Math" panose="02040503050406030204" pitchFamily="18" charset="0"/>
+                                </a:rPr>
                                 <m:t>𝑛</m:t>
                               </m:r>
                             </m:sub>
@@ -8638,24 +7594,32 @@
                         </m:den>
                       </m:f>
                       <m:r>
-                        <a:rPr lang="pt-BR" i="1"/>
+                        <a:rPr lang="pt-BR" i="1">
+                          <a:latin typeface="Cambria Math" panose="02040503050406030204" pitchFamily="18" charset="0"/>
+                        </a:rPr>
                         <m:t>⩾</m:t>
                       </m:r>
                       <m:sSub>
                         <m:sSubPr>
                           <m:ctrlPr>
-                            <a:rPr lang="pt-BR" i="1"/>
+                            <a:rPr lang="pt-BR" i="1">
+                              <a:latin typeface="Cambria Math" panose="02040503050406030204" pitchFamily="18" charset="0"/>
+                            </a:rPr>
                           </m:ctrlPr>
                         </m:sSubPr>
                         <m:e>
                           <m:r>
-                            <a:rPr lang="pt-BR" i="1"/>
+                            <a:rPr lang="pt-BR" i="1">
+                              <a:latin typeface="Cambria Math" panose="02040503050406030204" pitchFamily="18" charset="0"/>
+                            </a:rPr>
                             <m:t>𝜎</m:t>
                           </m:r>
                         </m:e>
                         <m:sub>
                           <m:r>
-                            <a:rPr lang="pt-BR" i="1"/>
+                            <a:rPr lang="pt-BR" i="1">
+                              <a:latin typeface="Cambria Math" panose="02040503050406030204" pitchFamily="18" charset="0"/>
+                            </a:rPr>
                             <m:t>𝑎𝑑𝑚</m:t>
                           </m:r>
                         </m:sub>
@@ -8669,7 +7633,7 @@
                 <a:pPr marL="114300" indent="0">
                   <a:buNone/>
                 </a:pPr>
-                <a:endParaRPr lang="pt-BR" i="1" dirty="0" smtClean="0"/>
+                <a:endParaRPr lang="pt-BR" i="1" dirty="0"/>
               </a:p>
               <a:p>
                 <a:pPr marL="114300" indent="0">
@@ -8684,74 +7648,100 @@
                       <m:sSub>
                         <m:sSubPr>
                           <m:ctrlPr>
-                            <a:rPr lang="pt-BR" i="1"/>
+                            <a:rPr lang="pt-BR" i="1">
+                              <a:latin typeface="Cambria Math" panose="02040503050406030204" pitchFamily="18" charset="0"/>
+                            </a:rPr>
                           </m:ctrlPr>
                         </m:sSubPr>
                         <m:e>
                           <m:r>
-                            <a:rPr lang="pt-BR" i="1"/>
+                            <a:rPr lang="pt-BR" i="1">
+                              <a:latin typeface="Cambria Math" panose="02040503050406030204" pitchFamily="18" charset="0"/>
+                            </a:rPr>
                             <m:t>𝜎</m:t>
                           </m:r>
                         </m:e>
                         <m:sub>
                           <m:r>
-                            <a:rPr lang="pt-BR" i="1"/>
+                            <a:rPr lang="pt-BR" i="1">
+                              <a:latin typeface="Cambria Math" panose="02040503050406030204" pitchFamily="18" charset="0"/>
+                            </a:rPr>
                             <m:t>𝑀𝐴𝑋</m:t>
                           </m:r>
                         </m:sub>
                       </m:sSub>
                       <m:r>
-                        <a:rPr lang="pt-BR" i="1"/>
+                        <a:rPr lang="pt-BR" i="1">
+                          <a:latin typeface="Cambria Math" panose="02040503050406030204" pitchFamily="18" charset="0"/>
+                        </a:rPr>
                         <m:t>=</m:t>
                       </m:r>
                       <m:f>
                         <m:fPr>
                           <m:ctrlPr>
-                            <a:rPr lang="pt-BR" i="1"/>
+                            <a:rPr lang="pt-BR" i="1">
+                              <a:latin typeface="Cambria Math" panose="02040503050406030204" pitchFamily="18" charset="0"/>
+                            </a:rPr>
                           </m:ctrlPr>
                         </m:fPr>
                         <m:num>
                           <m:r>
-                            <a:rPr lang="pt-BR" i="1"/>
+                            <a:rPr lang="pt-BR" i="1">
+                              <a:latin typeface="Cambria Math" panose="02040503050406030204" pitchFamily="18" charset="0"/>
+                            </a:rPr>
                             <m:t>2182,70.3,37.1,25</m:t>
                           </m:r>
                         </m:num>
                         <m:den>
                           <m:r>
-                            <a:rPr lang="pt-BR" i="1"/>
+                            <a:rPr lang="pt-BR" i="1">
+                              <a:latin typeface="Cambria Math" panose="02040503050406030204" pitchFamily="18" charset="0"/>
+                            </a:rPr>
                             <m:t>26,04.2,5</m:t>
                           </m:r>
                         </m:den>
                       </m:f>
                       <m:r>
-                        <a:rPr lang="pt-BR" i="1"/>
+                        <a:rPr lang="pt-BR" i="1">
+                          <a:latin typeface="Cambria Math" panose="02040503050406030204" pitchFamily="18" charset="0"/>
+                        </a:rPr>
                         <m:t>→</m:t>
                       </m:r>
                       <m:sSub>
                         <m:sSubPr>
                           <m:ctrlPr>
-                            <a:rPr lang="pt-BR" i="1"/>
+                            <a:rPr lang="pt-BR" i="1">
+                              <a:latin typeface="Cambria Math" panose="02040503050406030204" pitchFamily="18" charset="0"/>
+                            </a:rPr>
                           </m:ctrlPr>
                         </m:sSubPr>
                         <m:e>
                           <m:r>
-                            <a:rPr lang="pt-BR" i="1"/>
+                            <a:rPr lang="pt-BR" i="1">
+                              <a:latin typeface="Cambria Math" panose="02040503050406030204" pitchFamily="18" charset="0"/>
+                            </a:rPr>
                             <m:t>𝜎</m:t>
                           </m:r>
                         </m:e>
                         <m:sub>
                           <m:r>
-                            <a:rPr lang="pt-BR" i="1"/>
+                            <a:rPr lang="pt-BR" i="1">
+                              <a:latin typeface="Cambria Math" panose="02040503050406030204" pitchFamily="18" charset="0"/>
+                            </a:rPr>
                             <m:t>𝑀𝐴𝑋</m:t>
                           </m:r>
                         </m:sub>
                       </m:sSub>
                       <m:r>
-                        <a:rPr lang="pt-BR" i="1"/>
+                        <a:rPr lang="pt-BR" i="1">
+                          <a:latin typeface="Cambria Math" panose="02040503050406030204" pitchFamily="18" charset="0"/>
+                        </a:rPr>
                         <m:t>=141,24</m:t>
                       </m:r>
                       <m:r>
-                        <a:rPr lang="pt-BR" i="1"/>
+                        <a:rPr lang="pt-BR" i="1">
+                          <a:latin typeface="Cambria Math" panose="02040503050406030204" pitchFamily="18" charset="0"/>
+                        </a:rPr>
                         <m:t>𝑀𝑃𝑎</m:t>
                       </m:r>
                     </m:oMath>
@@ -8765,7 +7755,7 @@
             </p:txBody>
           </p:sp>
         </mc:Choice>
-        <mc:Fallback>
+        <mc:Fallback xmlns="">
           <p:sp>
             <p:nvSpPr>
               <p:cNvPr id="3" name="Espaço Reservado para Conteúdo 2"/>
@@ -8812,7 +7802,7 @@
 </p:sld>
 </file>
 
-<file path=ppt/slides/slide19.xml><?xml version="1.0" encoding="utf-8"?>
+<file path=ppt/slides/slide14.xml><?xml version="1.0" encoding="utf-8"?>
 <p:sld xmlns:a="http://schemas.openxmlformats.org/drawingml/2006/main" xmlns:r="http://schemas.openxmlformats.org/officeDocument/2006/relationships" xmlns:p="http://schemas.openxmlformats.org/presentationml/2006/main">
   <p:cSld>
     <p:spTree>
@@ -8846,10 +7836,9 @@
           <a:p>
             <a:pPr algn="ctr"/>
             <a:r>
-              <a:rPr lang="pt-BR" dirty="0" smtClean="0"/>
+              <a:rPr lang="pt-BR" dirty="0"/>
               <a:t>Análise do resultado</a:t>
             </a:r>
-            <a:endParaRPr lang="pt-BR" dirty="0"/>
           </a:p>
         </p:txBody>
       </p:sp>
@@ -8871,43 +7860,27 @@
           <a:lstStyle/>
           <a:p>
             <a:r>
-              <a:rPr lang="pt-BR" dirty="0" smtClean="0"/>
-              <a:t>Analisando se </a:t>
+              <a:rPr lang="pt-BR" dirty="0"/>
+              <a:t>Analisando se o dimensionamento atende a especificação. Conforme tabela abaixo de Tensões ideais, o aço escolhido (SAE 4340) suporta até 170 MPa. Como a engrenagem projetada irá suportar uma tensão de até 141,24 MPa, ela atende às especificações.</a:t>
             </a:r>
-            <a:r>
-              <a:rPr lang="pt-BR" dirty="0"/>
-              <a:t>o dimensionamento atende </a:t>
-            </a:r>
-            <a:r>
-              <a:rPr lang="pt-BR" dirty="0" smtClean="0"/>
-              <a:t>a especificação. Conforme </a:t>
-            </a:r>
-            <a:r>
-              <a:rPr lang="pt-BR" dirty="0"/>
-              <a:t>tabela abaixo de Tensões ideais, o aço escolhido (SAE 4340) suporta até 170 MPa. Como a engrenagem projetada irá suportar uma tensão de até 141,24 MPa, ela atende às especificações</a:t>
-            </a:r>
-            <a:r>
-              <a:rPr lang="pt-BR" dirty="0" smtClean="0"/>
-              <a:t>.</a:t>
-            </a:r>
           </a:p>
           <a:p>
             <a:endParaRPr lang="pt-BR" dirty="0"/>
           </a:p>
           <a:p>
-            <a:endParaRPr lang="pt-BR" dirty="0" smtClean="0"/>
-          </a:p>
-          <a:p>
             <a:endParaRPr lang="pt-BR" dirty="0"/>
           </a:p>
           <a:p>
-            <a:endParaRPr lang="pt-BR" dirty="0" smtClean="0"/>
-          </a:p>
-          <a:p>
             <a:endParaRPr lang="pt-BR" dirty="0"/>
           </a:p>
           <a:p>
-            <a:endParaRPr lang="pt-BR" dirty="0" smtClean="0"/>
+            <a:endParaRPr lang="pt-BR" dirty="0"/>
+          </a:p>
+          <a:p>
+            <a:endParaRPr lang="pt-BR" dirty="0"/>
+          </a:p>
+          <a:p>
+            <a:endParaRPr lang="pt-BR" dirty="0"/>
           </a:p>
           <a:p>
             <a:endParaRPr lang="pt-BR" dirty="0"/>
@@ -8916,44 +7889,40 @@
             <a:pPr marL="114300" indent="0">
               <a:buNone/>
             </a:pPr>
-            <a:endParaRPr lang="pt-BR" dirty="0" smtClean="0"/>
+            <a:endParaRPr lang="pt-BR" dirty="0"/>
           </a:p>
           <a:p>
             <a:pPr marL="114300" indent="0">
               <a:buNone/>
             </a:pPr>
             <a:r>
-              <a:rPr lang="pt-BR" dirty="0" smtClean="0"/>
-              <a:t>Conclui-se </a:t>
+              <a:rPr lang="pt-BR" dirty="0"/>
+              <a:t>Conclui-se que as engrenagens com as especificações abaixo atenderá os requisitos do sistema.</a:t>
             </a:r>
-            <a:r>
-              <a:rPr lang="pt-BR" dirty="0"/>
-              <a:t>que as engrenagens com as especificações abaixo atenderá os requisitos do sistema.</a:t>
-            </a:r>
           </a:p>
           <a:p>
             <a:endParaRPr lang="pt-BR" dirty="0"/>
           </a:p>
           <a:p>
-            <a:endParaRPr lang="pt-BR" dirty="0" smtClean="0"/>
-          </a:p>
-          <a:p>
             <a:endParaRPr lang="pt-BR" dirty="0"/>
           </a:p>
           <a:p>
-            <a:endParaRPr lang="pt-BR" dirty="0" smtClean="0"/>
-          </a:p>
-          <a:p>
             <a:endParaRPr lang="pt-BR" dirty="0"/>
           </a:p>
           <a:p>
-            <a:endParaRPr lang="pt-BR" dirty="0" smtClean="0"/>
-          </a:p>
-          <a:p>
             <a:endParaRPr lang="pt-BR" dirty="0"/>
           </a:p>
           <a:p>
-            <a:endParaRPr lang="pt-BR" dirty="0" smtClean="0"/>
+            <a:endParaRPr lang="pt-BR" dirty="0"/>
+          </a:p>
+          <a:p>
+            <a:endParaRPr lang="pt-BR" dirty="0"/>
+          </a:p>
+          <a:p>
+            <a:endParaRPr lang="pt-BR" dirty="0"/>
+          </a:p>
+          <a:p>
+            <a:endParaRPr lang="pt-BR" dirty="0"/>
           </a:p>
           <a:p>
             <a:endParaRPr lang="pt-BR" dirty="0"/>
@@ -9061,18 +8030,13 @@
           <a:p>
             <a:pPr algn="ctr"/>
             <a:r>
-              <a:rPr lang="pt-BR" dirty="0" smtClean="0">
+              <a:rPr lang="pt-BR" dirty="0">
                 <a:solidFill>
                   <a:schemeClr val="tx1"/>
                 </a:solidFill>
               </a:rPr>
               <a:t>Introdução</a:t>
             </a:r>
-            <a:endParaRPr lang="pt-BR" dirty="0">
-              <a:solidFill>
-                <a:schemeClr val="tx1"/>
-              </a:solidFill>
-            </a:endParaRPr>
           </a:p>
         </p:txBody>
       </p:sp>
@@ -9097,28 +8061,8 @@
               <a:buNone/>
             </a:pPr>
             <a:r>
-              <a:rPr lang="pt-BR" sz="3200" dirty="0" smtClean="0"/>
-              <a:t>Engrenagens </a:t>
-            </a:r>
-            <a:r>
               <a:rPr lang="pt-BR" sz="3200" dirty="0"/>
-              <a:t>são elementos de transmissão de potência muito </a:t>
-            </a:r>
-            <a:r>
-              <a:rPr lang="pt-BR" sz="3200" dirty="0" smtClean="0"/>
-              <a:t>utilizados, </a:t>
-            </a:r>
-            <a:r>
-              <a:rPr lang="pt-BR" sz="3200" dirty="0"/>
-              <a:t>combinando alta eficiência, alto tempo de serviço com pouca necessidade de manutenção, custo de produção razoável e capacidade de torque relativamente alta em um tamanho </a:t>
-            </a:r>
-            <a:r>
-              <a:rPr lang="pt-BR" sz="3200" dirty="0" smtClean="0"/>
-              <a:t>compacto. Devido </a:t>
-            </a:r>
-            <a:r>
-              <a:rPr lang="pt-BR" sz="3200" dirty="0"/>
-              <a:t>à variedade de tipos de engrenagens, pode-se transmitir movimento entre eixos paralelos, não-paralelos e </a:t>
+              <a:t>Engrenagens são elementos de transmissão de potência muito utilizados, combinando alta eficiência, alto tempo de serviço com pouca necessidade de manutenção, custo de produção razoável e capacidade de torque relativamente alta em um tamanho compacto. Devido à variedade de tipos de engrenagens, pode-se transmitir movimento entre eixos paralelos, não-paralelos e </a:t>
             </a:r>
             <a:r>
               <a:rPr lang="pt-BR" sz="3200" dirty="0" err="1"/>
@@ -9142,13 +8086,6 @@
   <p:clrMapOvr>
     <a:masterClrMapping/>
   </p:clrMapOvr>
-  <p:timing>
-    <p:tnLst>
-      <p:par>
-        <p:cTn id="1" dur="indefinite" restart="never" nodeType="tmRoot"/>
-      </p:par>
-    </p:tnLst>
-  </p:timing>
 </p:sld>
 </file>
 
@@ -9186,668 +8123,13 @@
           <a:p>
             <a:pPr algn="ctr"/>
             <a:r>
-              <a:rPr lang="pt-BR" sz="4000" dirty="0" smtClean="0">
-                <a:solidFill>
-                  <a:schemeClr val="tx1"/>
-                </a:solidFill>
-              </a:rPr>
-              <a:t>Principais tipos de engrenagens</a:t>
-            </a:r>
-            <a:endParaRPr lang="pt-BR" sz="4000" dirty="0">
-              <a:solidFill>
-                <a:schemeClr val="tx1"/>
-              </a:solidFill>
-            </a:endParaRPr>
-          </a:p>
-        </p:txBody>
-      </p:sp>
-      <p:sp>
-        <p:nvSpPr>
-          <p:cNvPr id="3" name="Espaço Reservado para Conteúdo 2"/>
-          <p:cNvSpPr>
-            <a:spLocks noGrp="1"/>
-          </p:cNvSpPr>
-          <p:nvPr>
-            <p:ph idx="1"/>
-          </p:nvPr>
-        </p:nvSpPr>
-        <p:spPr/>
-        <p:txBody>
-          <a:bodyPr>
-            <a:normAutofit/>
-          </a:bodyPr>
-          <a:lstStyle/>
-          <a:p>
-            <a:pPr marL="114300" indent="0">
-              <a:buClrTx/>
-              <a:buNone/>
-            </a:pPr>
-            <a:r>
-              <a:rPr lang="pt-BR" sz="3200" dirty="0" smtClean="0"/>
-              <a:t>Dentre os Tipos de engrenagens, podemos citar 4 como os mais utilizados, sendo esses:</a:t>
-            </a:r>
-          </a:p>
-          <a:p>
-            <a:pPr>
-              <a:buClrTx/>
-            </a:pPr>
-            <a:r>
-              <a:rPr lang="pt-BR" sz="3200" dirty="0" smtClean="0"/>
-              <a:t>Engrenagens cilíndricas de dente reto</a:t>
-            </a:r>
-          </a:p>
-          <a:p>
-            <a:pPr>
-              <a:buClrTx/>
-            </a:pPr>
-            <a:r>
-              <a:rPr lang="pt-BR" sz="3200" dirty="0" smtClean="0"/>
-              <a:t>Engrenagens helicoidais</a:t>
-            </a:r>
-          </a:p>
-          <a:p>
-            <a:pPr>
-              <a:buClrTx/>
-            </a:pPr>
-            <a:r>
-              <a:rPr lang="pt-BR" sz="3200" dirty="0" smtClean="0"/>
-              <a:t>Engrenagens cônicas</a:t>
-            </a:r>
-          </a:p>
-          <a:p>
-            <a:pPr>
-              <a:buClrTx/>
-            </a:pPr>
-            <a:r>
-              <a:rPr lang="pt-BR" sz="3200" dirty="0" smtClean="0"/>
-              <a:t>Cremalheiras</a:t>
-            </a:r>
-          </a:p>
-        </p:txBody>
-      </p:sp>
-    </p:spTree>
-    <p:extLst>
-      <p:ext uri="{BB962C8B-B14F-4D97-AF65-F5344CB8AC3E}">
-        <p14:creationId xmlns:p14="http://schemas.microsoft.com/office/powerpoint/2010/main" val="3269395476"/>
-      </p:ext>
-    </p:extLst>
-  </p:cSld>
-  <p:clrMapOvr>
-    <a:masterClrMapping/>
-  </p:clrMapOvr>
-  <p:timing>
-    <p:tnLst>
-      <p:par>
-        <p:cTn id="1" dur="indefinite" restart="never" nodeType="tmRoot"/>
-      </p:par>
-    </p:tnLst>
-  </p:timing>
-</p:sld>
-</file>
-
-<file path=ppt/slides/slide4.xml><?xml version="1.0" encoding="utf-8"?>
-<p:sld xmlns:a="http://schemas.openxmlformats.org/drawingml/2006/main" xmlns:r="http://schemas.openxmlformats.org/officeDocument/2006/relationships" xmlns:p="http://schemas.openxmlformats.org/presentationml/2006/main">
-  <p:cSld>
-    <p:spTree>
-      <p:nvGrpSpPr>
-        <p:cNvPr id="1" name=""/>
-        <p:cNvGrpSpPr/>
-        <p:nvPr/>
-      </p:nvGrpSpPr>
-      <p:grpSpPr>
-        <a:xfrm>
-          <a:off x="0" y="0"/>
-          <a:ext cx="0" cy="0"/>
-          <a:chOff x="0" y="0"/>
-          <a:chExt cx="0" cy="0"/>
-        </a:xfrm>
-      </p:grpSpPr>
-      <p:sp>
-        <p:nvSpPr>
-          <p:cNvPr id="2" name="Título 1"/>
-          <p:cNvSpPr>
-            <a:spLocks noGrp="1"/>
-          </p:cNvSpPr>
-          <p:nvPr>
-            <p:ph type="title"/>
-          </p:nvPr>
-        </p:nvSpPr>
-        <p:spPr/>
-        <p:txBody>
-          <a:bodyPr/>
-          <a:lstStyle/>
-          <a:p>
-            <a:pPr algn="ctr"/>
-            <a:r>
-              <a:rPr lang="pt-BR" dirty="0" smtClean="0">
-                <a:solidFill>
-                  <a:schemeClr val="tx1"/>
-                </a:solidFill>
-              </a:rPr>
-              <a:t>Engrenagens cilíndricas de dentes retos</a:t>
-            </a:r>
-            <a:endParaRPr lang="pt-BR" dirty="0">
-              <a:solidFill>
-                <a:schemeClr val="tx1"/>
-              </a:solidFill>
-            </a:endParaRPr>
-          </a:p>
-        </p:txBody>
-      </p:sp>
-      <p:sp>
-        <p:nvSpPr>
-          <p:cNvPr id="3" name="Espaço Reservado para Conteúdo 2"/>
-          <p:cNvSpPr>
-            <a:spLocks noGrp="1"/>
-          </p:cNvSpPr>
-          <p:nvPr>
-            <p:ph idx="1"/>
-          </p:nvPr>
-        </p:nvSpPr>
-        <p:spPr/>
-        <p:txBody>
-          <a:bodyPr/>
-          <a:lstStyle/>
-          <a:p>
-            <a:endParaRPr lang="pt-BR" dirty="0" smtClean="0"/>
-          </a:p>
-          <a:p>
-            <a:pPr>
-              <a:buClrTx/>
-            </a:pPr>
-            <a:r>
-              <a:rPr lang="pt-BR" sz="2400" dirty="0" smtClean="0"/>
-              <a:t>De todos os tipos de engrenagens, a cilíndrica de dentes retos é  mais simples. Possuem dentes paralelos ao eixo de rotação e são utilizadas para transferir movimento rotativo de um eixo à outro</a:t>
-            </a:r>
-          </a:p>
-          <a:p>
-            <a:endParaRPr lang="pt-BR" dirty="0"/>
-          </a:p>
-          <a:p>
-            <a:endParaRPr lang="pt-BR" dirty="0"/>
-          </a:p>
-        </p:txBody>
-      </p:sp>
-      <p:pic>
-        <p:nvPicPr>
-          <p:cNvPr id="4" name="Imagem 3"/>
-          <p:cNvPicPr>
-            <a:picLocks noChangeAspect="1"/>
-          </p:cNvPicPr>
-          <p:nvPr/>
-        </p:nvPicPr>
-        <p:blipFill>
-          <a:blip r:embed="rId2">
-            <a:extLst>
-              <a:ext uri="{28A0092B-C50C-407E-A947-70E740481C1C}">
-                <a14:useLocalDpi xmlns:a14="http://schemas.microsoft.com/office/drawing/2010/main" val="0"/>
-              </a:ext>
-            </a:extLst>
-          </a:blip>
-          <a:stretch>
-            <a:fillRect/>
-          </a:stretch>
-        </p:blipFill>
-        <p:spPr>
-          <a:xfrm>
-            <a:off x="1259632" y="3789040"/>
-            <a:ext cx="6066295" cy="2534022"/>
-          </a:xfrm>
-          <a:prstGeom prst="rect">
-            <a:avLst/>
-          </a:prstGeom>
-        </p:spPr>
-      </p:pic>
-    </p:spTree>
-    <p:extLst>
-      <p:ext uri="{BB962C8B-B14F-4D97-AF65-F5344CB8AC3E}">
-        <p14:creationId xmlns:p14="http://schemas.microsoft.com/office/powerpoint/2010/main" val="3352280910"/>
-      </p:ext>
-    </p:extLst>
-  </p:cSld>
-  <p:clrMapOvr>
-    <a:masterClrMapping/>
-  </p:clrMapOvr>
-  <p:timing>
-    <p:tnLst>
-      <p:par>
-        <p:cTn id="1" dur="indefinite" restart="never" nodeType="tmRoot"/>
-      </p:par>
-    </p:tnLst>
-  </p:timing>
-</p:sld>
-</file>
-
-<file path=ppt/slides/slide5.xml><?xml version="1.0" encoding="utf-8"?>
-<p:sld xmlns:a="http://schemas.openxmlformats.org/drawingml/2006/main" xmlns:r="http://schemas.openxmlformats.org/officeDocument/2006/relationships" xmlns:p="http://schemas.openxmlformats.org/presentationml/2006/main">
-  <p:cSld>
-    <p:spTree>
-      <p:nvGrpSpPr>
-        <p:cNvPr id="1" name=""/>
-        <p:cNvGrpSpPr/>
-        <p:nvPr/>
-      </p:nvGrpSpPr>
-      <p:grpSpPr>
-        <a:xfrm>
-          <a:off x="0" y="0"/>
-          <a:ext cx="0" cy="0"/>
-          <a:chOff x="0" y="0"/>
-          <a:chExt cx="0" cy="0"/>
-        </a:xfrm>
-      </p:grpSpPr>
-      <p:sp>
-        <p:nvSpPr>
-          <p:cNvPr id="2" name="Título 1"/>
-          <p:cNvSpPr>
-            <a:spLocks noGrp="1"/>
-          </p:cNvSpPr>
-          <p:nvPr>
-            <p:ph type="title"/>
-          </p:nvPr>
-        </p:nvSpPr>
-        <p:spPr/>
-        <p:txBody>
-          <a:bodyPr/>
-          <a:lstStyle/>
-          <a:p>
-            <a:pPr algn="ctr"/>
-            <a:r>
-              <a:rPr lang="pt-BR" dirty="0" smtClean="0">
-                <a:solidFill>
-                  <a:schemeClr val="tx1"/>
-                </a:solidFill>
-              </a:rPr>
-              <a:t>Engrenagens helicoidais</a:t>
-            </a:r>
-            <a:endParaRPr lang="pt-BR" dirty="0">
-              <a:solidFill>
-                <a:schemeClr val="tx1"/>
-              </a:solidFill>
-            </a:endParaRPr>
-          </a:p>
-        </p:txBody>
-      </p:sp>
-      <p:sp>
-        <p:nvSpPr>
-          <p:cNvPr id="3" name="Espaço Reservado para Conteúdo 2"/>
-          <p:cNvSpPr>
-            <a:spLocks noGrp="1"/>
-          </p:cNvSpPr>
-          <p:nvPr>
-            <p:ph idx="1"/>
-          </p:nvPr>
-        </p:nvSpPr>
-        <p:spPr/>
-        <p:txBody>
-          <a:bodyPr/>
-          <a:lstStyle/>
-          <a:p>
-            <a:pPr>
-              <a:buClrTx/>
-            </a:pPr>
-            <a:r>
-              <a:rPr lang="pt-BR" dirty="0" smtClean="0"/>
-              <a:t>A engrenagem helicoidal costuma ser utilizada para fazer a transmissão de maneira fixa em rotações altas. Isso ocorre, porque o trabalho deste modelo de engrenagem, não é tão barulhento, devido ao engajamento gradual dos dente durante o engranzamento. Estas engrenagens transmitem também entre eixos reversos(não paralelos).</a:t>
-            </a:r>
-          </a:p>
-          <a:p>
-            <a:endParaRPr lang="pt-BR" dirty="0"/>
-          </a:p>
-          <a:p>
-            <a:endParaRPr lang="pt-BR" dirty="0"/>
-          </a:p>
-        </p:txBody>
-      </p:sp>
-      <p:pic>
-        <p:nvPicPr>
-          <p:cNvPr id="4" name="Imagem 3"/>
-          <p:cNvPicPr>
-            <a:picLocks noChangeAspect="1"/>
-          </p:cNvPicPr>
-          <p:nvPr/>
-        </p:nvPicPr>
-        <p:blipFill>
-          <a:blip r:embed="rId2">
-            <a:extLst>
-              <a:ext uri="{28A0092B-C50C-407E-A947-70E740481C1C}">
-                <a14:useLocalDpi xmlns:a14="http://schemas.microsoft.com/office/drawing/2010/main" val="0"/>
-              </a:ext>
-            </a:extLst>
-          </a:blip>
-          <a:stretch>
-            <a:fillRect/>
-          </a:stretch>
-        </p:blipFill>
-        <p:spPr>
-          <a:xfrm>
-            <a:off x="2051720" y="3861048"/>
-            <a:ext cx="4536504" cy="2539657"/>
-          </a:xfrm>
-          <a:prstGeom prst="rect">
-            <a:avLst/>
-          </a:prstGeom>
-        </p:spPr>
-      </p:pic>
-    </p:spTree>
-    <p:extLst>
-      <p:ext uri="{BB962C8B-B14F-4D97-AF65-F5344CB8AC3E}">
-        <p14:creationId xmlns:p14="http://schemas.microsoft.com/office/powerpoint/2010/main" val="738236091"/>
-      </p:ext>
-    </p:extLst>
-  </p:cSld>
-  <p:clrMapOvr>
-    <a:masterClrMapping/>
-  </p:clrMapOvr>
-  <p:timing>
-    <p:tnLst>
-      <p:par>
-        <p:cTn id="1" dur="indefinite" restart="never" nodeType="tmRoot"/>
-      </p:par>
-    </p:tnLst>
-  </p:timing>
-</p:sld>
-</file>
-
-<file path=ppt/slides/slide6.xml><?xml version="1.0" encoding="utf-8"?>
-<p:sld xmlns:a="http://schemas.openxmlformats.org/drawingml/2006/main" xmlns:r="http://schemas.openxmlformats.org/officeDocument/2006/relationships" xmlns:p="http://schemas.openxmlformats.org/presentationml/2006/main">
-  <p:cSld>
-    <p:spTree>
-      <p:nvGrpSpPr>
-        <p:cNvPr id="1" name=""/>
-        <p:cNvGrpSpPr/>
-        <p:nvPr/>
-      </p:nvGrpSpPr>
-      <p:grpSpPr>
-        <a:xfrm>
-          <a:off x="0" y="0"/>
-          <a:ext cx="0" cy="0"/>
-          <a:chOff x="0" y="0"/>
-          <a:chExt cx="0" cy="0"/>
-        </a:xfrm>
-      </p:grpSpPr>
-      <p:sp>
-        <p:nvSpPr>
-          <p:cNvPr id="2" name="Título 1"/>
-          <p:cNvSpPr>
-            <a:spLocks noGrp="1"/>
-          </p:cNvSpPr>
-          <p:nvPr>
-            <p:ph type="title"/>
-          </p:nvPr>
-        </p:nvSpPr>
-        <p:spPr/>
-        <p:txBody>
-          <a:bodyPr/>
-          <a:lstStyle/>
-          <a:p>
-            <a:pPr algn="ctr"/>
-            <a:r>
-              <a:rPr lang="pt-BR" dirty="0" smtClean="0">
-                <a:solidFill>
-                  <a:schemeClr val="tx1"/>
-                </a:solidFill>
-              </a:rPr>
-              <a:t>Engrenagens cônicas</a:t>
-            </a:r>
-            <a:endParaRPr lang="pt-BR" dirty="0">
-              <a:solidFill>
-                <a:schemeClr val="tx1"/>
-              </a:solidFill>
-            </a:endParaRPr>
-          </a:p>
-        </p:txBody>
-      </p:sp>
-      <p:sp>
-        <p:nvSpPr>
-          <p:cNvPr id="3" name="Espaço Reservado para Conteúdo 2"/>
-          <p:cNvSpPr>
-            <a:spLocks noGrp="1"/>
-          </p:cNvSpPr>
-          <p:nvPr>
-            <p:ph idx="1"/>
-          </p:nvPr>
-        </p:nvSpPr>
-        <p:spPr/>
-        <p:txBody>
-          <a:bodyPr>
-            <a:normAutofit/>
-          </a:bodyPr>
-          <a:lstStyle/>
-          <a:p>
-            <a:pPr>
-              <a:buClrTx/>
-            </a:pPr>
-            <a:r>
-              <a:rPr lang="pt-BR" sz="2400" dirty="0" smtClean="0"/>
-              <a:t>Engrenagens cônicas são aquelas que possuem dentes formados em superfície cônica e são utilizadas, principalmente, para transmitir movimento entre eixos que se interceptam.</a:t>
-            </a:r>
-            <a:endParaRPr lang="pt-BR" sz="2400" dirty="0"/>
-          </a:p>
-        </p:txBody>
-      </p:sp>
-      <p:pic>
-        <p:nvPicPr>
-          <p:cNvPr id="4" name="Imagem 3"/>
-          <p:cNvPicPr>
-            <a:picLocks noChangeAspect="1"/>
-          </p:cNvPicPr>
-          <p:nvPr/>
-        </p:nvPicPr>
-        <p:blipFill>
-          <a:blip r:embed="rId2">
-            <a:extLst>
-              <a:ext uri="{28A0092B-C50C-407E-A947-70E740481C1C}">
-                <a14:useLocalDpi xmlns:a14="http://schemas.microsoft.com/office/drawing/2010/main" val="0"/>
-              </a:ext>
-            </a:extLst>
-          </a:blip>
-          <a:stretch>
-            <a:fillRect/>
-          </a:stretch>
-        </p:blipFill>
-        <p:spPr>
-          <a:xfrm>
-            <a:off x="1979712" y="3284984"/>
-            <a:ext cx="4896544" cy="3312368"/>
-          </a:xfrm>
-          <a:prstGeom prst="rect">
-            <a:avLst/>
-          </a:prstGeom>
-        </p:spPr>
-      </p:pic>
-    </p:spTree>
-    <p:extLst>
-      <p:ext uri="{BB962C8B-B14F-4D97-AF65-F5344CB8AC3E}">
-        <p14:creationId xmlns:p14="http://schemas.microsoft.com/office/powerpoint/2010/main" val="205353003"/>
-      </p:ext>
-    </p:extLst>
-  </p:cSld>
-  <p:clrMapOvr>
-    <a:masterClrMapping/>
-  </p:clrMapOvr>
-  <p:timing>
-    <p:tnLst>
-      <p:par>
-        <p:cTn id="1" dur="indefinite" restart="never" nodeType="tmRoot"/>
-      </p:par>
-    </p:tnLst>
-  </p:timing>
-</p:sld>
-</file>
-
-<file path=ppt/slides/slide7.xml><?xml version="1.0" encoding="utf-8"?>
-<p:sld xmlns:a="http://schemas.openxmlformats.org/drawingml/2006/main" xmlns:r="http://schemas.openxmlformats.org/officeDocument/2006/relationships" xmlns:p="http://schemas.openxmlformats.org/presentationml/2006/main">
-  <p:cSld>
-    <p:spTree>
-      <p:nvGrpSpPr>
-        <p:cNvPr id="1" name=""/>
-        <p:cNvGrpSpPr/>
-        <p:nvPr/>
-      </p:nvGrpSpPr>
-      <p:grpSpPr>
-        <a:xfrm>
-          <a:off x="0" y="0"/>
-          <a:ext cx="0" cy="0"/>
-          <a:chOff x="0" y="0"/>
-          <a:chExt cx="0" cy="0"/>
-        </a:xfrm>
-      </p:grpSpPr>
-      <p:sp>
-        <p:nvSpPr>
-          <p:cNvPr id="2" name="Título 1"/>
-          <p:cNvSpPr>
-            <a:spLocks noGrp="1"/>
-          </p:cNvSpPr>
-          <p:nvPr>
-            <p:ph type="title"/>
-          </p:nvPr>
-        </p:nvSpPr>
-        <p:spPr/>
-        <p:txBody>
-          <a:bodyPr/>
-          <a:lstStyle/>
-          <a:p>
-            <a:pPr algn="ctr"/>
-            <a:r>
-              <a:rPr lang="pt-BR" dirty="0" smtClean="0">
-                <a:solidFill>
-                  <a:schemeClr val="tx1"/>
-                </a:solidFill>
-              </a:rPr>
-              <a:t>Cremalheiras</a:t>
-            </a:r>
-            <a:endParaRPr lang="pt-BR" dirty="0">
-              <a:solidFill>
-                <a:schemeClr val="tx1"/>
-              </a:solidFill>
-            </a:endParaRPr>
-          </a:p>
-        </p:txBody>
-      </p:sp>
-      <p:sp>
-        <p:nvSpPr>
-          <p:cNvPr id="3" name="Espaço Reservado para Conteúdo 2"/>
-          <p:cNvSpPr>
-            <a:spLocks noGrp="1"/>
-          </p:cNvSpPr>
-          <p:nvPr>
-            <p:ph idx="1"/>
-          </p:nvPr>
-        </p:nvSpPr>
-        <p:spPr/>
-        <p:txBody>
-          <a:bodyPr>
-            <a:normAutofit/>
-          </a:bodyPr>
-          <a:lstStyle/>
-          <a:p>
-            <a:pPr>
-              <a:buClrTx/>
-            </a:pPr>
-            <a:r>
-              <a:rPr lang="pt-BR" sz="2400" dirty="0" smtClean="0"/>
-              <a:t>É uma barra provida de dentes, destinada a engrenar uma roda dentada. Com esse sistema, pode-se transformar movimento de rotação em movimento retilíneo e vice-versa.</a:t>
-            </a:r>
-            <a:endParaRPr lang="pt-BR" sz="2400" dirty="0"/>
-          </a:p>
-        </p:txBody>
-      </p:sp>
-      <p:pic>
-        <p:nvPicPr>
-          <p:cNvPr id="4" name="Imagem 3"/>
-          <p:cNvPicPr>
-            <a:picLocks noChangeAspect="1"/>
-          </p:cNvPicPr>
-          <p:nvPr/>
-        </p:nvPicPr>
-        <p:blipFill>
-          <a:blip r:embed="rId2">
-            <a:extLst>
-              <a:ext uri="{28A0092B-C50C-407E-A947-70E740481C1C}">
-                <a14:useLocalDpi xmlns:a14="http://schemas.microsoft.com/office/drawing/2010/main" val="0"/>
-              </a:ext>
-            </a:extLst>
-          </a:blip>
-          <a:stretch>
-            <a:fillRect/>
-          </a:stretch>
-        </p:blipFill>
-        <p:spPr>
-          <a:xfrm>
-            <a:off x="1547664" y="3418447"/>
-            <a:ext cx="5256584" cy="3189312"/>
-          </a:xfrm>
-          <a:prstGeom prst="rect">
-            <a:avLst/>
-          </a:prstGeom>
-        </p:spPr>
-      </p:pic>
-    </p:spTree>
-    <p:extLst>
-      <p:ext uri="{BB962C8B-B14F-4D97-AF65-F5344CB8AC3E}">
-        <p14:creationId xmlns:p14="http://schemas.microsoft.com/office/powerpoint/2010/main" val="3984634417"/>
-      </p:ext>
-    </p:extLst>
-  </p:cSld>
-  <p:clrMapOvr>
-    <a:masterClrMapping/>
-  </p:clrMapOvr>
-  <p:timing>
-    <p:tnLst>
-      <p:par>
-        <p:cTn id="1" dur="indefinite" restart="never" nodeType="tmRoot"/>
-      </p:par>
-    </p:tnLst>
-  </p:timing>
-</p:sld>
-</file>
-
-<file path=ppt/slides/slide8.xml><?xml version="1.0" encoding="utf-8"?>
-<p:sld xmlns:a="http://schemas.openxmlformats.org/drawingml/2006/main" xmlns:r="http://schemas.openxmlformats.org/officeDocument/2006/relationships" xmlns:p="http://schemas.openxmlformats.org/presentationml/2006/main">
-  <p:cSld>
-    <p:spTree>
-      <p:nvGrpSpPr>
-        <p:cNvPr id="1" name=""/>
-        <p:cNvGrpSpPr/>
-        <p:nvPr/>
-      </p:nvGrpSpPr>
-      <p:grpSpPr>
-        <a:xfrm>
-          <a:off x="0" y="0"/>
-          <a:ext cx="0" cy="0"/>
-          <a:chOff x="0" y="0"/>
-          <a:chExt cx="0" cy="0"/>
-        </a:xfrm>
-      </p:grpSpPr>
-      <p:sp>
-        <p:nvSpPr>
-          <p:cNvPr id="2" name="Título 1"/>
-          <p:cNvSpPr>
-            <a:spLocks noGrp="1"/>
-          </p:cNvSpPr>
-          <p:nvPr>
-            <p:ph type="title"/>
-          </p:nvPr>
-        </p:nvSpPr>
-        <p:spPr/>
-        <p:txBody>
-          <a:bodyPr/>
-          <a:lstStyle/>
-          <a:p>
-            <a:pPr algn="ctr"/>
-            <a:r>
-              <a:rPr lang="pt-BR" dirty="0" smtClean="0">
+              <a:rPr lang="pt-BR" dirty="0">
                 <a:solidFill>
                   <a:schemeClr val="tx1"/>
                 </a:solidFill>
               </a:rPr>
               <a:t>Problema Proposto</a:t>
             </a:r>
-            <a:endParaRPr lang="pt-BR" dirty="0">
-              <a:solidFill>
-                <a:schemeClr val="tx1"/>
-              </a:solidFill>
-            </a:endParaRPr>
           </a:p>
         </p:txBody>
       </p:sp>
@@ -9900,26 +8182,9 @@
           <a:lstStyle/>
           <a:p>
             <a:r>
-              <a:rPr lang="pt-BR" sz="2000" dirty="0" smtClean="0"/>
-              <a:t>Dimensionar e projetar o eixo de entrada e a engrenagem A de uma caixa de redução que será aplicada em uma </a:t>
+              <a:rPr lang="pt-BR" sz="2000" dirty="0"/>
+              <a:t>Dimensionar e projetar o eixo de entrada e a engrenagem A de uma caixa de redução que será aplicada em uma bomba de refinaria de petróleo que estará em operação durante 24 horas.</a:t>
             </a:r>
-            <a:r>
-              <a:rPr lang="pt-BR" sz="2000" dirty="0"/>
-              <a:t>bomba </a:t>
-            </a:r>
-            <a:r>
-              <a:rPr lang="pt-BR" sz="2000" dirty="0" smtClean="0"/>
-              <a:t>de </a:t>
-            </a:r>
-            <a:r>
-              <a:rPr lang="pt-BR" sz="2000" dirty="0"/>
-              <a:t>refinaria de petróleo que estará em operação durante 24 </a:t>
-            </a:r>
-            <a:r>
-              <a:rPr lang="pt-BR" sz="2000" dirty="0" smtClean="0"/>
-              <a:t>horas.</a:t>
-            </a:r>
-            <a:endParaRPr lang="pt-BR" sz="2000" dirty="0"/>
           </a:p>
         </p:txBody>
       </p:sp>
@@ -9936,7 +8201,7 @@
 </p:sld>
 </file>
 
-<file path=ppt/slides/slide9.xml><?xml version="1.0" encoding="utf-8"?>
+<file path=ppt/slides/slide4.xml><?xml version="1.0" encoding="utf-8"?>
 <p:sld xmlns:a="http://schemas.openxmlformats.org/drawingml/2006/main" xmlns:r="http://schemas.openxmlformats.org/officeDocument/2006/relationships" xmlns:p="http://schemas.openxmlformats.org/presentationml/2006/main">
   <p:cSld>
     <p:spTree>
@@ -9970,23 +8235,18 @@
           <a:p>
             <a:pPr algn="ctr"/>
             <a:r>
-              <a:rPr lang="pt-BR" dirty="0" smtClean="0">
+              <a:rPr lang="pt-BR" dirty="0">
                 <a:solidFill>
                   <a:schemeClr val="tx1"/>
                 </a:solidFill>
               </a:rPr>
               <a:t>Relação de transmissão</a:t>
             </a:r>
-            <a:endParaRPr lang="pt-BR" dirty="0">
-              <a:solidFill>
-                <a:schemeClr val="tx1"/>
-              </a:solidFill>
-            </a:endParaRPr>
           </a:p>
         </p:txBody>
       </p:sp>
-      <mc:AlternateContent xmlns:mc="http://schemas.openxmlformats.org/markup-compatibility/2006">
-        <mc:Choice xmlns:a14="http://schemas.microsoft.com/office/drawing/2010/main" Requires="a14">
+      <mc:AlternateContent xmlns:mc="http://schemas.openxmlformats.org/markup-compatibility/2006" xmlns:a14="http://schemas.microsoft.com/office/drawing/2010/main">
+        <mc:Choice Requires="a14">
           <p:sp>
             <p:nvSpPr>
               <p:cNvPr id="3" name="Espaço Reservado para Conteúdo 2"/>
@@ -10008,7 +8268,7 @@
                   <a:buNone/>
                 </a:pPr>
                 <a:r>
-                  <a:rPr lang="pt-BR" dirty="0" smtClean="0"/>
+                  <a:rPr lang="pt-BR" dirty="0"/>
                   <a:t>Tomamos como primeiro passo, encontrar a relação de transmissão , cuja fórmula genérica é:</a:t>
                 </a:r>
               </a:p>
@@ -10016,35 +8276,47 @@
                 <a14:m>
                   <m:oMath xmlns:m="http://schemas.openxmlformats.org/officeDocument/2006/math">
                     <m:r>
-                      <a:rPr lang="pt-BR" i="1"/>
+                      <a:rPr lang="pt-BR" i="1">
+                        <a:latin typeface="Cambria Math" panose="02040503050406030204" pitchFamily="18" charset="0"/>
+                      </a:rPr>
                       <m:t>𝑖</m:t>
                     </m:r>
                     <m:r>
-                      <a:rPr lang="pt-BR" i="1"/>
+                      <a:rPr lang="pt-BR" i="1">
+                        <a:latin typeface="Cambria Math" panose="02040503050406030204" pitchFamily="18" charset="0"/>
+                      </a:rPr>
                       <m:t>=</m:t>
                     </m:r>
                     <m:f>
                       <m:fPr>
                         <m:ctrlPr>
-                          <a:rPr lang="pt-BR" i="1"/>
+                          <a:rPr lang="pt-BR" i="1">
+                            <a:latin typeface="Cambria Math" panose="02040503050406030204" pitchFamily="18" charset="0"/>
+                          </a:rPr>
                         </m:ctrlPr>
                       </m:fPr>
                       <m:num>
                         <m:sSub>
                           <m:sSubPr>
                             <m:ctrlPr>
-                              <a:rPr lang="pt-BR" i="1"/>
+                              <a:rPr lang="pt-BR" i="1">
+                                <a:latin typeface="Cambria Math" panose="02040503050406030204" pitchFamily="18" charset="0"/>
+                              </a:rPr>
                             </m:ctrlPr>
                           </m:sSubPr>
                           <m:e>
                             <m:r>
-                              <a:rPr lang="pt-BR" i="1"/>
+                              <a:rPr lang="pt-BR" i="1">
+                                <a:latin typeface="Cambria Math" panose="02040503050406030204" pitchFamily="18" charset="0"/>
+                              </a:rPr>
                               <m:t>𝑤</m:t>
                             </m:r>
                           </m:e>
                           <m:sub>
                             <m:r>
-                              <a:rPr lang="pt-BR" i="1"/>
+                              <a:rPr lang="pt-BR" i="1">
+                                <a:latin typeface="Cambria Math" panose="02040503050406030204" pitchFamily="18" charset="0"/>
+                              </a:rPr>
                               <m:t>1</m:t>
                             </m:r>
                           </m:sub>
@@ -10054,18 +8326,24 @@
                         <m:sSub>
                           <m:sSubPr>
                             <m:ctrlPr>
-                              <a:rPr lang="pt-BR" i="1"/>
+                              <a:rPr lang="pt-BR" i="1">
+                                <a:latin typeface="Cambria Math" panose="02040503050406030204" pitchFamily="18" charset="0"/>
+                              </a:rPr>
                             </m:ctrlPr>
                           </m:sSubPr>
                           <m:e>
                             <m:r>
-                              <a:rPr lang="pt-BR" i="1"/>
+                              <a:rPr lang="pt-BR" i="1">
+                                <a:latin typeface="Cambria Math" panose="02040503050406030204" pitchFamily="18" charset="0"/>
+                              </a:rPr>
                               <m:t>𝑤</m:t>
                             </m:r>
                           </m:e>
                           <m:sub>
                             <m:r>
-                              <a:rPr lang="pt-BR" i="1"/>
+                              <a:rPr lang="pt-BR" i="1">
+                                <a:latin typeface="Cambria Math" panose="02040503050406030204" pitchFamily="18" charset="0"/>
+                              </a:rPr>
                               <m:t>2</m:t>
                             </m:r>
                           </m:sub>
@@ -10073,31 +8351,41 @@
                       </m:den>
                     </m:f>
                     <m:r>
-                      <a:rPr lang="pt-BR" i="1"/>
+                      <a:rPr lang="pt-BR" i="1">
+                        <a:latin typeface="Cambria Math" panose="02040503050406030204" pitchFamily="18" charset="0"/>
+                      </a:rPr>
                       <m:t>=</m:t>
                     </m:r>
                     <m:f>
                       <m:fPr>
                         <m:ctrlPr>
-                          <a:rPr lang="pt-BR" i="1"/>
+                          <a:rPr lang="pt-BR" i="1">
+                            <a:latin typeface="Cambria Math" panose="02040503050406030204" pitchFamily="18" charset="0"/>
+                          </a:rPr>
                         </m:ctrlPr>
                       </m:fPr>
                       <m:num>
                         <m:sSub>
                           <m:sSubPr>
                             <m:ctrlPr>
-                              <a:rPr lang="pt-BR" i="1"/>
+                              <a:rPr lang="pt-BR" i="1">
+                                <a:latin typeface="Cambria Math" panose="02040503050406030204" pitchFamily="18" charset="0"/>
+                              </a:rPr>
                             </m:ctrlPr>
                           </m:sSubPr>
                           <m:e>
                             <m:r>
-                              <a:rPr lang="pt-BR" i="1"/>
+                              <a:rPr lang="pt-BR" i="1">
+                                <a:latin typeface="Cambria Math" panose="02040503050406030204" pitchFamily="18" charset="0"/>
+                              </a:rPr>
                               <m:t>𝑍</m:t>
                             </m:r>
                           </m:e>
                           <m:sub>
                             <m:r>
-                              <a:rPr lang="pt-BR" i="1"/>
+                              <a:rPr lang="pt-BR" i="1">
+                                <a:latin typeface="Cambria Math" panose="02040503050406030204" pitchFamily="18" charset="0"/>
+                              </a:rPr>
                               <m:t>2</m:t>
                             </m:r>
                           </m:sub>
@@ -10107,18 +8395,24 @@
                         <m:sSub>
                           <m:sSubPr>
                             <m:ctrlPr>
-                              <a:rPr lang="pt-BR" i="1"/>
+                              <a:rPr lang="pt-BR" i="1">
+                                <a:latin typeface="Cambria Math" panose="02040503050406030204" pitchFamily="18" charset="0"/>
+                              </a:rPr>
                             </m:ctrlPr>
                           </m:sSubPr>
                           <m:e>
                             <m:r>
-                              <a:rPr lang="pt-BR" i="1"/>
+                              <a:rPr lang="pt-BR" i="1">
+                                <a:latin typeface="Cambria Math" panose="02040503050406030204" pitchFamily="18" charset="0"/>
+                              </a:rPr>
                               <m:t>𝑍</m:t>
                             </m:r>
                           </m:e>
                           <m:sub>
                             <m:r>
-                              <a:rPr lang="pt-BR" i="1"/>
+                              <a:rPr lang="pt-BR" i="1">
+                                <a:latin typeface="Cambria Math" panose="02040503050406030204" pitchFamily="18" charset="0"/>
+                              </a:rPr>
                               <m:t>1</m:t>
                             </m:r>
                           </m:sub>
@@ -10126,31 +8420,41 @@
                       </m:den>
                     </m:f>
                     <m:r>
-                      <a:rPr lang="pt-BR" i="1"/>
+                      <a:rPr lang="pt-BR" i="1">
+                        <a:latin typeface="Cambria Math" panose="02040503050406030204" pitchFamily="18" charset="0"/>
+                      </a:rPr>
                       <m:t>=</m:t>
                     </m:r>
                     <m:f>
                       <m:fPr>
                         <m:ctrlPr>
-                          <a:rPr lang="pt-BR" i="1"/>
+                          <a:rPr lang="pt-BR" i="1">
+                            <a:latin typeface="Cambria Math" panose="02040503050406030204" pitchFamily="18" charset="0"/>
+                          </a:rPr>
                         </m:ctrlPr>
                       </m:fPr>
                       <m:num>
                         <m:sSub>
                           <m:sSubPr>
                             <m:ctrlPr>
-                              <a:rPr lang="pt-BR" i="1"/>
+                              <a:rPr lang="pt-BR" i="1">
+                                <a:latin typeface="Cambria Math" panose="02040503050406030204" pitchFamily="18" charset="0"/>
+                              </a:rPr>
                             </m:ctrlPr>
                           </m:sSubPr>
                           <m:e>
                             <m:r>
-                              <a:rPr lang="pt-BR" i="1"/>
+                              <a:rPr lang="pt-BR" i="1">
+                                <a:latin typeface="Cambria Math" panose="02040503050406030204" pitchFamily="18" charset="0"/>
+                              </a:rPr>
                               <m:t>𝑛</m:t>
                             </m:r>
                           </m:e>
                           <m:sub>
                             <m:r>
-                              <a:rPr lang="pt-BR" i="1"/>
+                              <a:rPr lang="pt-BR" i="1">
+                                <a:latin typeface="Cambria Math" panose="02040503050406030204" pitchFamily="18" charset="0"/>
+                              </a:rPr>
                               <m:t>1</m:t>
                             </m:r>
                           </m:sub>
@@ -10160,18 +8464,24 @@
                         <m:sSub>
                           <m:sSubPr>
                             <m:ctrlPr>
-                              <a:rPr lang="pt-BR" i="1"/>
+                              <a:rPr lang="pt-BR" i="1">
+                                <a:latin typeface="Cambria Math" panose="02040503050406030204" pitchFamily="18" charset="0"/>
+                              </a:rPr>
                             </m:ctrlPr>
                           </m:sSubPr>
                           <m:e>
                             <m:r>
-                              <a:rPr lang="pt-BR" i="1"/>
+                              <a:rPr lang="pt-BR" i="1">
+                                <a:latin typeface="Cambria Math" panose="02040503050406030204" pitchFamily="18" charset="0"/>
+                              </a:rPr>
                               <m:t>𝑛</m:t>
                             </m:r>
                           </m:e>
                           <m:sub>
                             <m:r>
-                              <a:rPr lang="pt-BR" i="1"/>
+                              <a:rPr lang="pt-BR" i="1">
+                                <a:latin typeface="Cambria Math" panose="02040503050406030204" pitchFamily="18" charset="0"/>
+                              </a:rPr>
                               <m:t>2</m:t>
                             </m:r>
                           </m:sub>
@@ -10179,31 +8489,41 @@
                       </m:den>
                     </m:f>
                     <m:r>
-                      <a:rPr lang="pt-BR" i="1"/>
+                      <a:rPr lang="pt-BR" i="1">
+                        <a:latin typeface="Cambria Math" panose="02040503050406030204" pitchFamily="18" charset="0"/>
+                      </a:rPr>
                       <m:t>=</m:t>
                     </m:r>
                     <m:f>
                       <m:fPr>
                         <m:ctrlPr>
-                          <a:rPr lang="pt-BR" i="1"/>
+                          <a:rPr lang="pt-BR" i="1">
+                            <a:latin typeface="Cambria Math" panose="02040503050406030204" pitchFamily="18" charset="0"/>
+                          </a:rPr>
                         </m:ctrlPr>
                       </m:fPr>
                       <m:num>
                         <m:sSub>
                           <m:sSubPr>
                             <m:ctrlPr>
-                              <a:rPr lang="pt-BR" i="1"/>
+                              <a:rPr lang="pt-BR" i="1">
+                                <a:latin typeface="Cambria Math" panose="02040503050406030204" pitchFamily="18" charset="0"/>
+                              </a:rPr>
                             </m:ctrlPr>
                           </m:sSubPr>
                           <m:e>
                             <m:r>
-                              <a:rPr lang="pt-BR" i="1"/>
+                              <a:rPr lang="pt-BR" i="1">
+                                <a:latin typeface="Cambria Math" panose="02040503050406030204" pitchFamily="18" charset="0"/>
+                              </a:rPr>
                               <m:t>𝑅</m:t>
                             </m:r>
                           </m:e>
                           <m:sub>
                             <m:r>
-                              <a:rPr lang="pt-BR" i="1"/>
+                              <a:rPr lang="pt-BR" i="1">
+                                <a:latin typeface="Cambria Math" panose="02040503050406030204" pitchFamily="18" charset="0"/>
+                              </a:rPr>
                               <m:t>2</m:t>
                             </m:r>
                           </m:sub>
@@ -10213,18 +8533,24 @@
                         <m:sSub>
                           <m:sSubPr>
                             <m:ctrlPr>
-                              <a:rPr lang="pt-BR" i="1"/>
+                              <a:rPr lang="pt-BR" i="1">
+                                <a:latin typeface="Cambria Math" panose="02040503050406030204" pitchFamily="18" charset="0"/>
+                              </a:rPr>
                             </m:ctrlPr>
                           </m:sSubPr>
                           <m:e>
                             <m:r>
-                              <a:rPr lang="pt-BR" i="1"/>
+                              <a:rPr lang="pt-BR" i="1">
+                                <a:latin typeface="Cambria Math" panose="02040503050406030204" pitchFamily="18" charset="0"/>
+                              </a:rPr>
                               <m:t>𝑅</m:t>
                             </m:r>
                           </m:e>
                           <m:sub>
                             <m:r>
-                              <a:rPr lang="pt-BR" i="1"/>
+                              <a:rPr lang="pt-BR" i="1">
+                                <a:latin typeface="Cambria Math" panose="02040503050406030204" pitchFamily="18" charset="0"/>
+                              </a:rPr>
                               <m:t>1</m:t>
                             </m:r>
                           </m:sub>
@@ -10232,31 +8558,41 @@
                       </m:den>
                     </m:f>
                     <m:r>
-                      <a:rPr lang="pt-BR" i="1"/>
+                      <a:rPr lang="pt-BR" i="1">
+                        <a:latin typeface="Cambria Math" panose="02040503050406030204" pitchFamily="18" charset="0"/>
+                      </a:rPr>
                       <m:t>=</m:t>
                     </m:r>
                     <m:f>
                       <m:fPr>
                         <m:ctrlPr>
-                          <a:rPr lang="pt-BR" i="1"/>
+                          <a:rPr lang="pt-BR" i="1">
+                            <a:latin typeface="Cambria Math" panose="02040503050406030204" pitchFamily="18" charset="0"/>
+                          </a:rPr>
                         </m:ctrlPr>
                       </m:fPr>
                       <m:num>
                         <m:sSub>
                           <m:sSubPr>
                             <m:ctrlPr>
-                              <a:rPr lang="pt-BR" i="1"/>
+                              <a:rPr lang="pt-BR" i="1">
+                                <a:latin typeface="Cambria Math" panose="02040503050406030204" pitchFamily="18" charset="0"/>
+                              </a:rPr>
                             </m:ctrlPr>
                           </m:sSubPr>
                           <m:e>
                             <m:r>
-                              <a:rPr lang="pt-BR" i="1"/>
+                              <a:rPr lang="pt-BR" i="1">
+                                <a:latin typeface="Cambria Math" panose="02040503050406030204" pitchFamily="18" charset="0"/>
+                              </a:rPr>
                               <m:t>𝐷</m:t>
                             </m:r>
                           </m:e>
                           <m:sub>
                             <m:r>
-                              <a:rPr lang="pt-BR" i="1"/>
+                              <a:rPr lang="pt-BR" i="1">
+                                <a:latin typeface="Cambria Math" panose="02040503050406030204" pitchFamily="18" charset="0"/>
+                              </a:rPr>
                               <m:t>2</m:t>
                             </m:r>
                           </m:sub>
@@ -10266,18 +8602,24 @@
                         <m:sSub>
                           <m:sSubPr>
                             <m:ctrlPr>
-                              <a:rPr lang="pt-BR" i="1"/>
+                              <a:rPr lang="pt-BR" i="1">
+                                <a:latin typeface="Cambria Math" panose="02040503050406030204" pitchFamily="18" charset="0"/>
+                              </a:rPr>
                             </m:ctrlPr>
                           </m:sSubPr>
                           <m:e>
                             <m:r>
-                              <a:rPr lang="pt-BR" i="1"/>
+                              <a:rPr lang="pt-BR" i="1">
+                                <a:latin typeface="Cambria Math" panose="02040503050406030204" pitchFamily="18" charset="0"/>
+                              </a:rPr>
                               <m:t>𝐷</m:t>
                             </m:r>
                           </m:e>
                           <m:sub>
                             <m:r>
-                              <a:rPr lang="pt-BR" i="1"/>
+                              <a:rPr lang="pt-BR" i="1">
+                                <a:latin typeface="Cambria Math" panose="02040503050406030204" pitchFamily="18" charset="0"/>
+                              </a:rPr>
                               <m:t>1</m:t>
                             </m:r>
                           </m:sub>
@@ -10285,31 +8627,41 @@
                       </m:den>
                     </m:f>
                     <m:r>
-                      <a:rPr lang="pt-BR" i="1"/>
+                      <a:rPr lang="pt-BR" i="1">
+                        <a:latin typeface="Cambria Math" panose="02040503050406030204" pitchFamily="18" charset="0"/>
+                      </a:rPr>
                       <m:t>=</m:t>
                     </m:r>
                     <m:f>
                       <m:fPr>
                         <m:ctrlPr>
-                          <a:rPr lang="pt-BR" i="1"/>
+                          <a:rPr lang="pt-BR" i="1">
+                            <a:latin typeface="Cambria Math" panose="02040503050406030204" pitchFamily="18" charset="0"/>
+                          </a:rPr>
                         </m:ctrlPr>
                       </m:fPr>
                       <m:num>
                         <m:sSub>
                           <m:sSubPr>
                             <m:ctrlPr>
-                              <a:rPr lang="pt-BR" i="1"/>
+                              <a:rPr lang="pt-BR" i="1">
+                                <a:latin typeface="Cambria Math" panose="02040503050406030204" pitchFamily="18" charset="0"/>
+                              </a:rPr>
                             </m:ctrlPr>
                           </m:sSubPr>
                           <m:e>
                             <m:r>
-                              <a:rPr lang="pt-BR" i="1"/>
+                              <a:rPr lang="pt-BR" i="1">
+                                <a:latin typeface="Cambria Math" panose="02040503050406030204" pitchFamily="18" charset="0"/>
+                              </a:rPr>
                               <m:t>𝑇</m:t>
                             </m:r>
                           </m:e>
                           <m:sub>
                             <m:r>
-                              <a:rPr lang="pt-BR" i="1"/>
+                              <a:rPr lang="pt-BR" i="1">
+                                <a:latin typeface="Cambria Math" panose="02040503050406030204" pitchFamily="18" charset="0"/>
+                              </a:rPr>
                               <m:t>2</m:t>
                             </m:r>
                           </m:sub>
@@ -10319,18 +8671,24 @@
                         <m:sSub>
                           <m:sSubPr>
                             <m:ctrlPr>
-                              <a:rPr lang="pt-BR" i="1"/>
+                              <a:rPr lang="pt-BR" i="1">
+                                <a:latin typeface="Cambria Math" panose="02040503050406030204" pitchFamily="18" charset="0"/>
+                              </a:rPr>
                             </m:ctrlPr>
                           </m:sSubPr>
                           <m:e>
                             <m:r>
-                              <a:rPr lang="pt-BR" i="1"/>
+                              <a:rPr lang="pt-BR" i="1">
+                                <a:latin typeface="Cambria Math" panose="02040503050406030204" pitchFamily="18" charset="0"/>
+                              </a:rPr>
                               <m:t>𝑇</m:t>
                             </m:r>
                           </m:e>
                           <m:sub>
                             <m:r>
-                              <a:rPr lang="pt-BR" i="1"/>
+                              <a:rPr lang="pt-BR" i="1">
+                                <a:latin typeface="Cambria Math" panose="02040503050406030204" pitchFamily="18" charset="0"/>
+                              </a:rPr>
                               <m:t>1</m:t>
                             </m:r>
                           </m:sub>
@@ -10342,86 +8700,62 @@
                 <a:endParaRPr lang="pt-BR" dirty="0"/>
               </a:p>
               <a:p>
-                <a:endParaRPr lang="pt-BR" dirty="0" smtClean="0"/>
+                <a:endParaRPr lang="pt-BR" dirty="0"/>
               </a:p>
               <a:p>
                 <a:pPr marL="114300" indent="0">
                   <a:buNone/>
                 </a:pPr>
                 <a:r>
-                  <a:rPr lang="pt-BR" dirty="0" smtClean="0"/>
-                  <a:t>Por se tratar de um </a:t>
-                </a:r>
-                <a:r>
                   <a:rPr lang="pt-BR" dirty="0"/>
-                  <a:t>sistema que tem um trem de engrenagens composto </a:t>
-                </a:r>
-                <a:r>
-                  <a:rPr lang="pt-BR" dirty="0" smtClean="0"/>
-                  <a:t>o </a:t>
-                </a:r>
-                <a:r>
-                  <a:rPr lang="pt-BR" dirty="0"/>
-                  <a:t>qual </a:t>
-                </a:r>
-                <a:r>
-                  <a:rPr lang="pt-BR" dirty="0" smtClean="0"/>
-                  <a:t>são fornecidos os </a:t>
-                </a:r>
-                <a:r>
-                  <a:rPr lang="pt-BR" dirty="0"/>
-                  <a:t>valores de </a:t>
-                </a:r>
-                <a:r>
-                  <a:rPr lang="pt-BR" dirty="0" smtClean="0"/>
-                  <a:t>rotação inicial de 1750 </a:t>
-                </a:r>
-                <a:r>
-                  <a:rPr lang="pt-BR" dirty="0"/>
-                  <a:t>rpm e rotação final </a:t>
-                </a:r>
-                <a:r>
-                  <a:rPr lang="pt-BR" dirty="0"/>
-                  <a:t> </a:t>
-                </a:r>
-                <a:r>
-                  <a:rPr lang="pt-BR" dirty="0" smtClean="0"/>
-                  <a:t>de 292 rpm, encontramos a seguinte relação de transmissão:</a:t>
+                  <a:t>Por se tratar de um sistema que tem um trem de engrenagens composto o qual são fornecidos os valores de rotação inicial de 1750 rpm e rotação final  de 292 rpm, encontramos a seguinte relação de transmissão:</a:t>
                 </a:r>
               </a:p>
               <a:p>
                 <a14:m>
                   <m:oMath xmlns:m="http://schemas.openxmlformats.org/officeDocument/2006/math">
                     <m:r>
-                      <a:rPr lang="pt-BR" i="1"/>
+                      <a:rPr lang="pt-BR" i="1">
+                        <a:latin typeface="Cambria Math" panose="02040503050406030204" pitchFamily="18" charset="0"/>
+                      </a:rPr>
                       <m:t>𝑖</m:t>
                     </m:r>
                     <m:r>
-                      <a:rPr lang="pt-BR" i="1"/>
+                      <a:rPr lang="pt-BR" i="1">
+                        <a:latin typeface="Cambria Math" panose="02040503050406030204" pitchFamily="18" charset="0"/>
+                      </a:rPr>
                       <m:t>=</m:t>
                     </m:r>
                     <m:f>
                       <m:fPr>
                         <m:ctrlPr>
-                          <a:rPr lang="pt-BR" i="1"/>
+                          <a:rPr lang="pt-BR" i="1">
+                            <a:latin typeface="Cambria Math" panose="02040503050406030204" pitchFamily="18" charset="0"/>
+                          </a:rPr>
                         </m:ctrlPr>
                       </m:fPr>
                       <m:num>
                         <m:sSub>
                           <m:sSubPr>
                             <m:ctrlPr>
-                              <a:rPr lang="pt-BR" i="1"/>
+                              <a:rPr lang="pt-BR" i="1">
+                                <a:latin typeface="Cambria Math" panose="02040503050406030204" pitchFamily="18" charset="0"/>
+                              </a:rPr>
                             </m:ctrlPr>
                           </m:sSubPr>
                           <m:e>
                             <m:r>
-                              <a:rPr lang="pt-BR" i="1"/>
+                              <a:rPr lang="pt-BR" i="1">
+                                <a:latin typeface="Cambria Math" panose="02040503050406030204" pitchFamily="18" charset="0"/>
+                              </a:rPr>
                               <m:t>𝑛</m:t>
                             </m:r>
                           </m:e>
                           <m:sub>
                             <m:r>
-                              <a:rPr lang="pt-BR" i="1"/>
+                              <a:rPr lang="pt-BR" i="1">
+                                <a:latin typeface="Cambria Math" panose="02040503050406030204" pitchFamily="18" charset="0"/>
+                              </a:rPr>
                               <m:t>1</m:t>
                             </m:r>
                           </m:sub>
@@ -10431,18 +8765,24 @@
                         <m:sSub>
                           <m:sSubPr>
                             <m:ctrlPr>
-                              <a:rPr lang="pt-BR" i="1"/>
+                              <a:rPr lang="pt-BR" i="1">
+                                <a:latin typeface="Cambria Math" panose="02040503050406030204" pitchFamily="18" charset="0"/>
+                              </a:rPr>
                             </m:ctrlPr>
                           </m:sSubPr>
                           <m:e>
                             <m:r>
-                              <a:rPr lang="pt-BR" i="1"/>
+                              <a:rPr lang="pt-BR" i="1">
+                                <a:latin typeface="Cambria Math" panose="02040503050406030204" pitchFamily="18" charset="0"/>
+                              </a:rPr>
                               <m:t>𝑛</m:t>
                             </m:r>
                           </m:e>
                           <m:sub>
                             <m:r>
-                              <a:rPr lang="pt-BR" i="1"/>
+                              <a:rPr lang="pt-BR" i="1">
+                                <a:latin typeface="Cambria Math" panose="02040503050406030204" pitchFamily="18" charset="0"/>
+                              </a:rPr>
                               <m:t>2</m:t>
                             </m:r>
                           </m:sub>
@@ -10450,46 +8790,64 @@
                       </m:den>
                     </m:f>
                     <m:r>
-                      <a:rPr lang="pt-BR" i="1"/>
+                      <a:rPr lang="pt-BR" i="1">
+                        <a:latin typeface="Cambria Math" panose="02040503050406030204" pitchFamily="18" charset="0"/>
+                      </a:rPr>
                       <m:t>→</m:t>
                     </m:r>
                     <m:r>
-                      <a:rPr lang="pt-BR" i="1"/>
+                      <a:rPr lang="pt-BR" i="1">
+                        <a:latin typeface="Cambria Math" panose="02040503050406030204" pitchFamily="18" charset="0"/>
+                      </a:rPr>
                       <m:t>𝑖</m:t>
                     </m:r>
                     <m:r>
-                      <a:rPr lang="pt-BR" i="1"/>
+                      <a:rPr lang="pt-BR" i="1">
+                        <a:latin typeface="Cambria Math" panose="02040503050406030204" pitchFamily="18" charset="0"/>
+                      </a:rPr>
                       <m:t>=</m:t>
                     </m:r>
                     <m:f>
                       <m:fPr>
                         <m:ctrlPr>
-                          <a:rPr lang="pt-BR" i="1"/>
+                          <a:rPr lang="pt-BR" i="1">
+                            <a:latin typeface="Cambria Math" panose="02040503050406030204" pitchFamily="18" charset="0"/>
+                          </a:rPr>
                         </m:ctrlPr>
                       </m:fPr>
                       <m:num>
                         <m:r>
-                          <a:rPr lang="pt-BR" i="1"/>
+                          <a:rPr lang="pt-BR" i="1">
+                            <a:latin typeface="Cambria Math" panose="02040503050406030204" pitchFamily="18" charset="0"/>
+                          </a:rPr>
                           <m:t>1750</m:t>
                         </m:r>
                       </m:num>
                       <m:den>
                         <m:r>
-                          <a:rPr lang="pt-BR" i="1"/>
+                          <a:rPr lang="pt-BR" i="1">
+                            <a:latin typeface="Cambria Math" panose="02040503050406030204" pitchFamily="18" charset="0"/>
+                          </a:rPr>
                           <m:t>292</m:t>
                         </m:r>
                       </m:den>
                     </m:f>
                     <m:r>
-                      <a:rPr lang="pt-BR" i="1"/>
+                      <a:rPr lang="pt-BR" i="1">
+                        <a:latin typeface="Cambria Math" panose="02040503050406030204" pitchFamily="18" charset="0"/>
+                      </a:rPr>
                       <m:t>→</m:t>
                     </m:r>
                     <m:r>
-                      <a:rPr lang="pt-BR" i="1"/>
+                      <a:rPr lang="pt-BR" i="1">
+                        <a:latin typeface="Cambria Math" panose="02040503050406030204" pitchFamily="18" charset="0"/>
+                      </a:rPr>
                       <m:t>𝑖</m:t>
                     </m:r>
                     <m:r>
-                      <a:rPr lang="pt-BR" i="1"/>
+                      <a:rPr lang="pt-BR" i="1">
+                        <a:latin typeface="Cambria Math" panose="02040503050406030204" pitchFamily="18" charset="0"/>
+                      </a:rPr>
                       <m:t>≈6</m:t>
                     </m:r>
                   </m:oMath>
@@ -10501,18 +8859,9 @@
                   <a:buNone/>
                 </a:pPr>
                 <a:r>
-                  <a:rPr lang="pt-BR" dirty="0" smtClean="0"/>
-                  <a:t>a </a:t>
+                  <a:rPr lang="pt-BR" dirty="0"/>
+                  <a:t>a relação de transmissão de todo o sistema é a multiplicação entre a relação de transmissão do primeiro conjunto com a relação de transmissão do segundo conjunto, logo:</a:t>
                 </a:r>
-                <a:r>
-                  <a:rPr lang="pt-BR" dirty="0"/>
-                  <a:t>relação de transmissão de todo o sistema é a multiplicação entre a relação de transmissão do primeiro conjunto com a relação de transmissão do segundo conjunto, </a:t>
-                </a:r>
-                <a:r>
-                  <a:rPr lang="pt-BR" dirty="0" smtClean="0"/>
-                  <a:t>logo:</a:t>
-                </a:r>
-                <a:endParaRPr lang="pt-BR" dirty="0"/>
               </a:p>
               <a:p>
                 <a14:m>
@@ -10520,64 +8869,86 @@
                     <m:sSub>
                       <m:sSubPr>
                         <m:ctrlPr>
-                          <a:rPr lang="pt-BR" i="1"/>
+                          <a:rPr lang="pt-BR" i="1">
+                            <a:latin typeface="Cambria Math" panose="02040503050406030204" pitchFamily="18" charset="0"/>
+                          </a:rPr>
                         </m:ctrlPr>
                       </m:sSubPr>
                       <m:e>
                         <m:r>
-                          <a:rPr lang="pt-BR" i="1"/>
+                          <a:rPr lang="pt-BR" i="1">
+                            <a:latin typeface="Cambria Math" panose="02040503050406030204" pitchFamily="18" charset="0"/>
+                          </a:rPr>
                           <m:t>𝑖</m:t>
                         </m:r>
                       </m:e>
                       <m:sub>
                         <m:r>
-                          <a:rPr lang="pt-BR" i="1"/>
+                          <a:rPr lang="pt-BR" i="1">
+                            <a:latin typeface="Cambria Math" panose="02040503050406030204" pitchFamily="18" charset="0"/>
+                          </a:rPr>
                           <m:t>𝑡𝑜𝑡𝑎𝑙</m:t>
                         </m:r>
                       </m:sub>
                     </m:sSub>
                     <m:r>
-                      <a:rPr lang="pt-BR" i="1"/>
+                      <a:rPr lang="pt-BR" i="1">
+                        <a:latin typeface="Cambria Math" panose="02040503050406030204" pitchFamily="18" charset="0"/>
+                      </a:rPr>
                       <m:t>=</m:t>
                     </m:r>
                     <m:sSub>
                       <m:sSubPr>
                         <m:ctrlPr>
-                          <a:rPr lang="pt-BR" i="1"/>
+                          <a:rPr lang="pt-BR" i="1">
+                            <a:latin typeface="Cambria Math" panose="02040503050406030204" pitchFamily="18" charset="0"/>
+                          </a:rPr>
                         </m:ctrlPr>
                       </m:sSubPr>
                       <m:e>
                         <m:r>
-                          <a:rPr lang="pt-BR" i="1"/>
+                          <a:rPr lang="pt-BR" i="1">
+                            <a:latin typeface="Cambria Math" panose="02040503050406030204" pitchFamily="18" charset="0"/>
+                          </a:rPr>
                           <m:t>𝑖</m:t>
                         </m:r>
                       </m:e>
                       <m:sub>
                         <m:r>
-                          <a:rPr lang="pt-BR" i="1"/>
+                          <a:rPr lang="pt-BR" i="1">
+                            <a:latin typeface="Cambria Math" panose="02040503050406030204" pitchFamily="18" charset="0"/>
+                          </a:rPr>
                           <m:t>𝐴</m:t>
                         </m:r>
                       </m:sub>
                     </m:sSub>
                     <m:r>
-                      <a:rPr lang="pt-BR" i="1"/>
+                      <a:rPr lang="pt-BR" i="1">
+                        <a:latin typeface="Cambria Math" panose="02040503050406030204" pitchFamily="18" charset="0"/>
+                      </a:rPr>
                       <m:t>∗</m:t>
                     </m:r>
                     <m:sSub>
                       <m:sSubPr>
                         <m:ctrlPr>
-                          <a:rPr lang="pt-BR" i="1"/>
+                          <a:rPr lang="pt-BR" i="1">
+                            <a:latin typeface="Cambria Math" panose="02040503050406030204" pitchFamily="18" charset="0"/>
+                          </a:rPr>
                         </m:ctrlPr>
                       </m:sSubPr>
                       <m:e>
                         <m:r>
-                          <a:rPr lang="pt-BR" i="1"/>
+                          <a:rPr lang="pt-BR" i="1">
+                            <a:latin typeface="Cambria Math" panose="02040503050406030204" pitchFamily="18" charset="0"/>
+                          </a:rPr>
                           <m:t>𝑖</m:t>
                         </m:r>
                       </m:e>
                       <m:sub>
                         <m:r>
-                          <a:rPr lang="pt-BR" i="1"/>
+                          <a:rPr lang="pt-BR" i="1">
+                            <a:latin typeface="Cambria Math" panose="02040503050406030204" pitchFamily="18" charset="0"/>
+                          </a:rPr>
                           <m:t>𝐵</m:t>
                         </m:r>
                       </m:sub>
@@ -10625,7 +8996,7 @@
             </p:txBody>
           </p:sp>
         </mc:Choice>
-        <mc:Fallback>
+        <mc:Fallback xmlns="">
           <p:sp>
             <p:nvSpPr>
               <p:cNvPr id="3" name="Espaço Reservado para Conteúdo 2"/>
@@ -10663,6 +9034,1343 @@
     <p:extLst>
       <p:ext uri="{BB962C8B-B14F-4D97-AF65-F5344CB8AC3E}">
         <p14:creationId xmlns:p14="http://schemas.microsoft.com/office/powerpoint/2010/main" val="1680814428"/>
+      </p:ext>
+    </p:extLst>
+  </p:cSld>
+  <p:clrMapOvr>
+    <a:masterClrMapping/>
+  </p:clrMapOvr>
+</p:sld>
+</file>
+
+<file path=ppt/slides/slide5.xml><?xml version="1.0" encoding="utf-8"?>
+<p:sld xmlns:a="http://schemas.openxmlformats.org/drawingml/2006/main" xmlns:r="http://schemas.openxmlformats.org/officeDocument/2006/relationships" xmlns:p="http://schemas.openxmlformats.org/presentationml/2006/main">
+  <p:cSld>
+    <p:spTree>
+      <p:nvGrpSpPr>
+        <p:cNvPr id="1" name=""/>
+        <p:cNvGrpSpPr/>
+        <p:nvPr/>
+      </p:nvGrpSpPr>
+      <p:grpSpPr>
+        <a:xfrm>
+          <a:off x="0" y="0"/>
+          <a:ext cx="0" cy="0"/>
+          <a:chOff x="0" y="0"/>
+          <a:chExt cx="0" cy="0"/>
+        </a:xfrm>
+      </p:grpSpPr>
+      <p:sp>
+        <p:nvSpPr>
+          <p:cNvPr id="2" name="Título 1"/>
+          <p:cNvSpPr>
+            <a:spLocks noGrp="1"/>
+          </p:cNvSpPr>
+          <p:nvPr>
+            <p:ph type="title"/>
+          </p:nvPr>
+        </p:nvSpPr>
+        <p:spPr/>
+        <p:txBody>
+          <a:bodyPr/>
+          <a:lstStyle/>
+          <a:p>
+            <a:pPr algn="ctr"/>
+            <a:r>
+              <a:rPr lang="pt-BR" dirty="0">
+                <a:solidFill>
+                  <a:schemeClr val="tx1"/>
+                </a:solidFill>
+              </a:rPr>
+              <a:t>Fator de serviço</a:t>
+            </a:r>
+          </a:p>
+        </p:txBody>
+      </p:sp>
+      <p:sp>
+        <p:nvSpPr>
+          <p:cNvPr id="3" name="Espaço Reservado para Conteúdo 2"/>
+          <p:cNvSpPr>
+            <a:spLocks noGrp="1"/>
+          </p:cNvSpPr>
+          <p:nvPr>
+            <p:ph idx="1"/>
+          </p:nvPr>
+        </p:nvSpPr>
+        <p:spPr/>
+        <p:txBody>
+          <a:bodyPr>
+            <a:normAutofit fontScale="92500" lnSpcReduction="10000"/>
+          </a:bodyPr>
+          <a:lstStyle/>
+          <a:p>
+            <a:pPr marL="114300" indent="0">
+              <a:buNone/>
+            </a:pPr>
+            <a:r>
+              <a:rPr lang="pt-BR" dirty="0"/>
+              <a:t>Como nossa caixa de redução será aplicada em uma bomba de uma refinaria de petróleo, que estará em operação durante 24 horas, deseja-se que o equipamento  tenha vida útil de pelo menos  10.000 horas. Esses dados são importantes para definir qual será o fator de serviço a ser usado nos cálculos. Segundo a tabela contida na pagina 103 do livro do </a:t>
+            </a:r>
+            <a:r>
+              <a:rPr lang="pt-BR" dirty="0" err="1"/>
+              <a:t>Sarkis</a:t>
+            </a:r>
+            <a:r>
+              <a:rPr lang="pt-BR" dirty="0"/>
+              <a:t> podemos encontrar o fator de serviço para o equipamento a ser empregado o sistema (figura abaixo). Portanto o fator de serviço (φ) = 1,25.</a:t>
+            </a:r>
+          </a:p>
+          <a:p>
+            <a:endParaRPr lang="pt-BR" dirty="0"/>
+          </a:p>
+          <a:p>
+            <a:endParaRPr lang="pt-BR" dirty="0"/>
+          </a:p>
+          <a:p>
+            <a:endParaRPr lang="pt-BR" dirty="0"/>
+          </a:p>
+          <a:p>
+            <a:pPr marL="114300" indent="0">
+              <a:buNone/>
+            </a:pPr>
+            <a:r>
+              <a:rPr lang="pt-BR" dirty="0"/>
+              <a:t>A primeira coluna diz respeito onde será aplicado, a segunda coluna é o fator de serviço para equipamentos que trabalharão por 10 horas e a última coluna diz respeito ao fator de serviço para equipamentos que trabalharão por 24 horas.</a:t>
+            </a:r>
+          </a:p>
+          <a:p>
+            <a:endParaRPr lang="pt-BR" dirty="0"/>
+          </a:p>
+        </p:txBody>
+      </p:sp>
+      <p:pic>
+        <p:nvPicPr>
+          <p:cNvPr id="4" name="Image2"/>
+          <p:cNvPicPr/>
+          <p:nvPr/>
+        </p:nvPicPr>
+        <p:blipFill>
+          <a:blip r:embed="rId2"/>
+          <a:stretch>
+            <a:fillRect/>
+          </a:stretch>
+        </p:blipFill>
+        <p:spPr bwMode="auto">
+          <a:xfrm>
+            <a:off x="512734" y="3939627"/>
+            <a:ext cx="6147498" cy="749300"/>
+          </a:xfrm>
+          <a:prstGeom prst="rect">
+            <a:avLst/>
+          </a:prstGeom>
+        </p:spPr>
+      </p:pic>
+    </p:spTree>
+    <p:extLst>
+      <p:ext uri="{BB962C8B-B14F-4D97-AF65-F5344CB8AC3E}">
+        <p14:creationId xmlns:p14="http://schemas.microsoft.com/office/powerpoint/2010/main" val="4168315558"/>
+      </p:ext>
+    </p:extLst>
+  </p:cSld>
+  <p:clrMapOvr>
+    <a:masterClrMapping/>
+  </p:clrMapOvr>
+</p:sld>
+</file>
+
+<file path=ppt/slides/slide6.xml><?xml version="1.0" encoding="utf-8"?>
+<p:sld xmlns:a="http://schemas.openxmlformats.org/drawingml/2006/main" xmlns:r="http://schemas.openxmlformats.org/officeDocument/2006/relationships" xmlns:p="http://schemas.openxmlformats.org/presentationml/2006/main">
+  <p:cSld>
+    <p:spTree>
+      <p:nvGrpSpPr>
+        <p:cNvPr id="1" name=""/>
+        <p:cNvGrpSpPr/>
+        <p:nvPr/>
+      </p:nvGrpSpPr>
+      <p:grpSpPr>
+        <a:xfrm>
+          <a:off x="0" y="0"/>
+          <a:ext cx="0" cy="0"/>
+          <a:chOff x="0" y="0"/>
+          <a:chExt cx="0" cy="0"/>
+        </a:xfrm>
+      </p:grpSpPr>
+      <p:sp>
+        <p:nvSpPr>
+          <p:cNvPr id="2" name="Título 1"/>
+          <p:cNvSpPr>
+            <a:spLocks noGrp="1"/>
+          </p:cNvSpPr>
+          <p:nvPr>
+            <p:ph type="title"/>
+          </p:nvPr>
+        </p:nvSpPr>
+        <p:spPr/>
+        <p:txBody>
+          <a:bodyPr/>
+          <a:lstStyle/>
+          <a:p>
+            <a:pPr algn="ctr"/>
+            <a:r>
+              <a:rPr lang="pt-BR" dirty="0">
+                <a:solidFill>
+                  <a:schemeClr val="tx1"/>
+                </a:solidFill>
+              </a:rPr>
+              <a:t>Dureza </a:t>
+            </a:r>
+            <a:r>
+              <a:rPr lang="pt-BR" dirty="0" err="1">
+                <a:solidFill>
+                  <a:schemeClr val="tx1"/>
+                </a:solidFill>
+              </a:rPr>
+              <a:t>Brinell</a:t>
+            </a:r>
+            <a:endParaRPr lang="pt-BR" dirty="0">
+              <a:solidFill>
+                <a:schemeClr val="tx1"/>
+              </a:solidFill>
+            </a:endParaRPr>
+          </a:p>
+        </p:txBody>
+      </p:sp>
+      <p:sp>
+        <p:nvSpPr>
+          <p:cNvPr id="3" name="Espaço Reservado para Conteúdo 2"/>
+          <p:cNvSpPr>
+            <a:spLocks noGrp="1"/>
+          </p:cNvSpPr>
+          <p:nvPr>
+            <p:ph idx="1"/>
+          </p:nvPr>
+        </p:nvSpPr>
+        <p:spPr/>
+        <p:txBody>
+          <a:bodyPr/>
+          <a:lstStyle/>
+          <a:p>
+            <a:pPr marL="114300" indent="0">
+              <a:buNone/>
+            </a:pPr>
+            <a:r>
+              <a:rPr lang="pt-BR" dirty="0"/>
+              <a:t>Como o equipamento irá trabalhar por 24 horas, será adotada um engrenagem feita com aço SAE 4340 que tem um resistência </a:t>
+            </a:r>
+            <a:r>
+              <a:rPr lang="pt-BR" dirty="0" err="1"/>
+              <a:t>Brinell</a:t>
+            </a:r>
+            <a:r>
+              <a:rPr lang="pt-BR" dirty="0"/>
+              <a:t> de 6000 MPa.</a:t>
+            </a:r>
+          </a:p>
+        </p:txBody>
+      </p:sp>
+      <p:pic>
+        <p:nvPicPr>
+          <p:cNvPr id="1026" name="Picture 2"/>
+          <p:cNvPicPr>
+            <a:picLocks noChangeAspect="1" noChangeArrowheads="1"/>
+          </p:cNvPicPr>
+          <p:nvPr/>
+        </p:nvPicPr>
+        <p:blipFill>
+          <a:blip r:embed="rId2">
+            <a:extLst>
+              <a:ext uri="{28A0092B-C50C-407E-A947-70E740481C1C}">
+                <a14:useLocalDpi xmlns:a14="http://schemas.microsoft.com/office/drawing/2010/main" val="0"/>
+              </a:ext>
+            </a:extLst>
+          </a:blip>
+          <a:srcRect/>
+          <a:stretch>
+            <a:fillRect/>
+          </a:stretch>
+        </p:blipFill>
+        <p:spPr bwMode="auto">
+          <a:xfrm>
+            <a:off x="683568" y="2784432"/>
+            <a:ext cx="6192688" cy="4067175"/>
+          </a:xfrm>
+          <a:prstGeom prst="rect">
+            <a:avLst/>
+          </a:prstGeom>
+          <a:noFill/>
+          <a:ln>
+            <a:noFill/>
+          </a:ln>
+          <a:extLst>
+            <a:ext uri="{909E8E84-426E-40DD-AFC4-6F175D3DCCD1}">
+              <a14:hiddenFill xmlns:a14="http://schemas.microsoft.com/office/drawing/2010/main">
+                <a:solidFill>
+                  <a:schemeClr val="accent1"/>
+                </a:solidFill>
+              </a14:hiddenFill>
+            </a:ext>
+            <a:ext uri="{91240B29-F687-4F45-9708-019B960494DF}">
+              <a14:hiddenLine xmlns:a14="http://schemas.microsoft.com/office/drawing/2010/main" w="9525">
+                <a:solidFill>
+                  <a:schemeClr val="tx1"/>
+                </a:solidFill>
+                <a:miter lim="800000"/>
+                <a:headEnd/>
+                <a:tailEnd/>
+              </a14:hiddenLine>
+            </a:ext>
+          </a:extLst>
+        </p:spPr>
+      </p:pic>
+    </p:spTree>
+    <p:extLst>
+      <p:ext uri="{BB962C8B-B14F-4D97-AF65-F5344CB8AC3E}">
+        <p14:creationId xmlns:p14="http://schemas.microsoft.com/office/powerpoint/2010/main" val="1583531653"/>
+      </p:ext>
+    </p:extLst>
+  </p:cSld>
+  <p:clrMapOvr>
+    <a:masterClrMapping/>
+  </p:clrMapOvr>
+</p:sld>
+</file>
+
+<file path=ppt/slides/slide7.xml><?xml version="1.0" encoding="utf-8"?>
+<p:sld xmlns:a="http://schemas.openxmlformats.org/drawingml/2006/main" xmlns:r="http://schemas.openxmlformats.org/officeDocument/2006/relationships" xmlns:p="http://schemas.openxmlformats.org/presentationml/2006/main">
+  <p:cSld>
+    <p:spTree>
+      <p:nvGrpSpPr>
+        <p:cNvPr id="1" name=""/>
+        <p:cNvGrpSpPr/>
+        <p:nvPr/>
+      </p:nvGrpSpPr>
+      <p:grpSpPr>
+        <a:xfrm>
+          <a:off x="0" y="0"/>
+          <a:ext cx="0" cy="0"/>
+          <a:chOff x="0" y="0"/>
+          <a:chExt cx="0" cy="0"/>
+        </a:xfrm>
+      </p:grpSpPr>
+      <p:sp>
+        <p:nvSpPr>
+          <p:cNvPr id="2" name="Título 1"/>
+          <p:cNvSpPr>
+            <a:spLocks noGrp="1"/>
+          </p:cNvSpPr>
+          <p:nvPr>
+            <p:ph type="title"/>
+          </p:nvPr>
+        </p:nvSpPr>
+        <p:spPr/>
+        <p:txBody>
+          <a:bodyPr/>
+          <a:lstStyle/>
+          <a:p>
+            <a:pPr algn="ctr"/>
+            <a:r>
+              <a:rPr lang="pt-BR" dirty="0"/>
+              <a:t>Relação entre largura e largura e diâmetro primitivo</a:t>
+            </a:r>
+          </a:p>
+        </p:txBody>
+      </p:sp>
+      <mc:AlternateContent xmlns:mc="http://schemas.openxmlformats.org/markup-compatibility/2006" xmlns:a14="http://schemas.microsoft.com/office/drawing/2010/main">
+        <mc:Choice Requires="a14">
+          <p:sp>
+            <p:nvSpPr>
+              <p:cNvPr id="3" name="Espaço Reservado para Conteúdo 2"/>
+              <p:cNvSpPr>
+                <a:spLocks noGrp="1"/>
+              </p:cNvSpPr>
+              <p:nvPr>
+                <p:ph idx="1"/>
+              </p:nvPr>
+            </p:nvSpPr>
+            <p:spPr>
+              <a:xfrm>
+                <a:off x="457200" y="1600200"/>
+                <a:ext cx="7620000" cy="5069160"/>
+              </a:xfrm>
+            </p:spPr>
+            <p:txBody>
+              <a:bodyPr>
+                <a:normAutofit lnSpcReduction="10000"/>
+              </a:bodyPr>
+              <a:lstStyle/>
+              <a:p>
+                <a:pPr marL="114300" indent="0">
+                  <a:buNone/>
+                </a:pPr>
+                <a:r>
+                  <a:rPr lang="pt-BR" sz="2000" dirty="0"/>
+                  <a:t>Por trata-se de uma engrenagem bi apoiada será adotado o valor de 0,50 que é bem menor do que 1,2 para a relação entre largura da engrenagem e o diâmetro primitivo (b/d</a:t>
+                </a:r>
+                <a:r>
+                  <a:rPr lang="pt-BR" sz="2000" baseline="-25000" dirty="0"/>
+                  <a:t>0</a:t>
+                </a:r>
+                <a:r>
+                  <a:rPr lang="pt-BR" sz="2000" dirty="0"/>
+                  <a:t>)</a:t>
+                </a:r>
+              </a:p>
+              <a:p>
+                <a:pPr marL="114300" indent="0">
+                  <a:buNone/>
+                </a:pPr>
+                <a:endParaRPr lang="pt-BR" dirty="0"/>
+              </a:p>
+              <a:p>
+                <a:pPr marL="114300" indent="0">
+                  <a:buNone/>
+                </a:pPr>
+                <a:endParaRPr lang="pt-BR" dirty="0"/>
+              </a:p>
+              <a:p>
+                <a:pPr marL="114300" indent="0">
+                  <a:buNone/>
+                </a:pPr>
+                <a:endParaRPr lang="pt-BR" dirty="0"/>
+              </a:p>
+              <a:p>
+                <a:pPr marL="114300" indent="0">
+                  <a:buNone/>
+                </a:pPr>
+                <a:endParaRPr lang="pt-BR" dirty="0"/>
+              </a:p>
+              <a:p>
+                <a:pPr marL="114300" indent="0">
+                  <a:buNone/>
+                </a:pPr>
+                <a:endParaRPr lang="pt-BR" dirty="0"/>
+              </a:p>
+              <a:p>
+                <a:endParaRPr lang="pt-BR" dirty="0"/>
+              </a:p>
+              <a:p>
+                <a:pPr marL="114300" indent="0">
+                  <a:buNone/>
+                </a:pPr>
+                <a:r>
+                  <a:rPr lang="pt-BR" dirty="0"/>
+                  <a:t>Foi fornecido que o pinhão (Z</a:t>
+                </a:r>
+                <a:r>
+                  <a:rPr lang="pt-BR" baseline="-25000" dirty="0"/>
+                  <a:t>1</a:t>
+                </a:r>
+                <a:r>
+                  <a:rPr lang="pt-BR" dirty="0"/>
+                  <a:t>) tem 20 dentes, aplicando a relação de transmissão acha-se o números de dentes da coroa (Z</a:t>
+                </a:r>
+                <a:r>
+                  <a:rPr lang="pt-BR" baseline="-25000" dirty="0"/>
+                  <a:t>2</a:t>
+                </a:r>
+                <a:r>
+                  <a:rPr lang="pt-BR" dirty="0"/>
+                  <a:t>)</a:t>
+                </a:r>
+              </a:p>
+              <a:p>
+                <a:pPr marL="114300" indent="0">
+                  <a:buNone/>
+                </a:pPr>
+                <a:r>
+                  <a:rPr lang="pt-BR" dirty="0"/>
+                  <a:t> </a:t>
+                </a:r>
+                <a14:m>
+                  <m:oMath xmlns:m="http://schemas.openxmlformats.org/officeDocument/2006/math">
+                    <m:sSub>
+                      <m:sSubPr>
+                        <m:ctrlPr>
+                          <a:rPr lang="pt-BR" i="1">
+                            <a:latin typeface="Cambria Math" panose="02040503050406030204" pitchFamily="18" charset="0"/>
+                          </a:rPr>
+                        </m:ctrlPr>
+                      </m:sSubPr>
+                      <m:e>
+                        <m:r>
+                          <a:rPr lang="pt-BR" i="1">
+                            <a:latin typeface="Cambria Math" panose="02040503050406030204" pitchFamily="18" charset="0"/>
+                          </a:rPr>
+                          <m:t>𝑖</m:t>
+                        </m:r>
+                      </m:e>
+                      <m:sub>
+                        <m:r>
+                          <a:rPr lang="pt-BR" i="1">
+                            <a:latin typeface="Cambria Math" panose="02040503050406030204" pitchFamily="18" charset="0"/>
+                          </a:rPr>
+                          <m:t>𝐴</m:t>
+                        </m:r>
+                      </m:sub>
+                    </m:sSub>
+                    <m:r>
+                      <a:rPr lang="pt-BR" i="1">
+                        <a:latin typeface="Cambria Math" panose="02040503050406030204" pitchFamily="18" charset="0"/>
+                      </a:rPr>
+                      <m:t>=</m:t>
+                    </m:r>
+                    <m:f>
+                      <m:fPr>
+                        <m:ctrlPr>
+                          <a:rPr lang="pt-BR" i="1">
+                            <a:latin typeface="Cambria Math" panose="02040503050406030204" pitchFamily="18" charset="0"/>
+                          </a:rPr>
+                        </m:ctrlPr>
+                      </m:fPr>
+                      <m:num>
+                        <m:sSub>
+                          <m:sSubPr>
+                            <m:ctrlPr>
+                              <a:rPr lang="pt-BR" i="1">
+                                <a:latin typeface="Cambria Math" panose="02040503050406030204" pitchFamily="18" charset="0"/>
+                              </a:rPr>
+                            </m:ctrlPr>
+                          </m:sSubPr>
+                          <m:e>
+                            <m:r>
+                              <a:rPr lang="pt-BR" i="1">
+                                <a:latin typeface="Cambria Math" panose="02040503050406030204" pitchFamily="18" charset="0"/>
+                              </a:rPr>
+                              <m:t>𝑍</m:t>
+                            </m:r>
+                          </m:e>
+                          <m:sub>
+                            <m:r>
+                              <a:rPr lang="pt-BR" i="1">
+                                <a:latin typeface="Cambria Math" panose="02040503050406030204" pitchFamily="18" charset="0"/>
+                              </a:rPr>
+                              <m:t>2</m:t>
+                            </m:r>
+                          </m:sub>
+                        </m:sSub>
+                      </m:num>
+                      <m:den>
+                        <m:sSub>
+                          <m:sSubPr>
+                            <m:ctrlPr>
+                              <a:rPr lang="pt-BR" i="1">
+                                <a:latin typeface="Cambria Math" panose="02040503050406030204" pitchFamily="18" charset="0"/>
+                              </a:rPr>
+                            </m:ctrlPr>
+                          </m:sSubPr>
+                          <m:e>
+                            <m:r>
+                              <a:rPr lang="pt-BR" i="1">
+                                <a:latin typeface="Cambria Math" panose="02040503050406030204" pitchFamily="18" charset="0"/>
+                              </a:rPr>
+                              <m:t>𝑍</m:t>
+                            </m:r>
+                          </m:e>
+                          <m:sub>
+                            <m:r>
+                              <a:rPr lang="pt-BR" i="1">
+                                <a:latin typeface="Cambria Math" panose="02040503050406030204" pitchFamily="18" charset="0"/>
+                              </a:rPr>
+                              <m:t>1</m:t>
+                            </m:r>
+                          </m:sub>
+                        </m:sSub>
+                      </m:den>
+                    </m:f>
+                    <m:r>
+                      <a:rPr lang="pt-BR" i="1">
+                        <a:latin typeface="Cambria Math" panose="02040503050406030204" pitchFamily="18" charset="0"/>
+                      </a:rPr>
+                      <m:t>→</m:t>
+                    </m:r>
+                    <m:sSub>
+                      <m:sSubPr>
+                        <m:ctrlPr>
+                          <a:rPr lang="pt-BR" i="1">
+                            <a:latin typeface="Cambria Math" panose="02040503050406030204" pitchFamily="18" charset="0"/>
+                          </a:rPr>
+                        </m:ctrlPr>
+                      </m:sSubPr>
+                      <m:e>
+                        <m:r>
+                          <a:rPr lang="pt-BR" i="1">
+                            <a:latin typeface="Cambria Math" panose="02040503050406030204" pitchFamily="18" charset="0"/>
+                          </a:rPr>
+                          <m:t>𝑍</m:t>
+                        </m:r>
+                      </m:e>
+                      <m:sub>
+                        <m:r>
+                          <a:rPr lang="pt-BR" i="1">
+                            <a:latin typeface="Cambria Math" panose="02040503050406030204" pitchFamily="18" charset="0"/>
+                          </a:rPr>
+                          <m:t>2</m:t>
+                        </m:r>
+                      </m:sub>
+                    </m:sSub>
+                    <m:r>
+                      <a:rPr lang="pt-BR" i="1">
+                        <a:latin typeface="Cambria Math" panose="02040503050406030204" pitchFamily="18" charset="0"/>
+                      </a:rPr>
+                      <m:t>=</m:t>
+                    </m:r>
+                    <m:sSub>
+                      <m:sSubPr>
+                        <m:ctrlPr>
+                          <a:rPr lang="pt-BR" i="1">
+                            <a:latin typeface="Cambria Math" panose="02040503050406030204" pitchFamily="18" charset="0"/>
+                          </a:rPr>
+                        </m:ctrlPr>
+                      </m:sSubPr>
+                      <m:e>
+                        <m:r>
+                          <a:rPr lang="pt-BR" i="1">
+                            <a:latin typeface="Cambria Math" panose="02040503050406030204" pitchFamily="18" charset="0"/>
+                          </a:rPr>
+                          <m:t>𝑍</m:t>
+                        </m:r>
+                      </m:e>
+                      <m:sub>
+                        <m:r>
+                          <a:rPr lang="pt-BR" i="1">
+                            <a:latin typeface="Cambria Math" panose="02040503050406030204" pitchFamily="18" charset="0"/>
+                          </a:rPr>
+                          <m:t>1</m:t>
+                        </m:r>
+                      </m:sub>
+                    </m:sSub>
+                    <m:r>
+                      <a:rPr lang="pt-BR" i="1">
+                        <a:latin typeface="Cambria Math" panose="02040503050406030204" pitchFamily="18" charset="0"/>
+                      </a:rPr>
+                      <m:t>∗</m:t>
+                    </m:r>
+                    <m:sSub>
+                      <m:sSubPr>
+                        <m:ctrlPr>
+                          <a:rPr lang="pt-BR" i="1">
+                            <a:latin typeface="Cambria Math" panose="02040503050406030204" pitchFamily="18" charset="0"/>
+                          </a:rPr>
+                        </m:ctrlPr>
+                      </m:sSubPr>
+                      <m:e>
+                        <m:r>
+                          <a:rPr lang="pt-BR" i="1">
+                            <a:latin typeface="Cambria Math" panose="02040503050406030204" pitchFamily="18" charset="0"/>
+                          </a:rPr>
+                          <m:t>𝑖</m:t>
+                        </m:r>
+                      </m:e>
+                      <m:sub>
+                        <m:r>
+                          <a:rPr lang="pt-BR" i="1">
+                            <a:latin typeface="Cambria Math" panose="02040503050406030204" pitchFamily="18" charset="0"/>
+                          </a:rPr>
+                          <m:t>𝐴</m:t>
+                        </m:r>
+                      </m:sub>
+                    </m:sSub>
+                    <m:r>
+                      <a:rPr lang="pt-BR" i="1">
+                        <a:latin typeface="Cambria Math" panose="02040503050406030204" pitchFamily="18" charset="0"/>
+                      </a:rPr>
+                      <m:t>→</m:t>
+                    </m:r>
+                    <m:sSub>
+                      <m:sSubPr>
+                        <m:ctrlPr>
+                          <a:rPr lang="pt-BR" i="1">
+                            <a:latin typeface="Cambria Math" panose="02040503050406030204" pitchFamily="18" charset="0"/>
+                          </a:rPr>
+                        </m:ctrlPr>
+                      </m:sSubPr>
+                      <m:e>
+                        <m:r>
+                          <a:rPr lang="pt-BR" i="1">
+                            <a:latin typeface="Cambria Math" panose="02040503050406030204" pitchFamily="18" charset="0"/>
+                          </a:rPr>
+                          <m:t>𝑍</m:t>
+                        </m:r>
+                      </m:e>
+                      <m:sub>
+                        <m:r>
+                          <a:rPr lang="pt-BR" i="1">
+                            <a:latin typeface="Cambria Math" panose="02040503050406030204" pitchFamily="18" charset="0"/>
+                          </a:rPr>
+                          <m:t>2</m:t>
+                        </m:r>
+                      </m:sub>
+                    </m:sSub>
+                    <m:r>
+                      <a:rPr lang="pt-BR" i="1">
+                        <a:latin typeface="Cambria Math" panose="02040503050406030204" pitchFamily="18" charset="0"/>
+                      </a:rPr>
+                      <m:t>=20∗2→</m:t>
+                    </m:r>
+                    <m:sSub>
+                      <m:sSubPr>
+                        <m:ctrlPr>
+                          <a:rPr lang="pt-BR" i="1">
+                            <a:latin typeface="Cambria Math" panose="02040503050406030204" pitchFamily="18" charset="0"/>
+                          </a:rPr>
+                        </m:ctrlPr>
+                      </m:sSubPr>
+                      <m:e>
+                        <m:r>
+                          <a:rPr lang="pt-BR" i="1">
+                            <a:latin typeface="Cambria Math" panose="02040503050406030204" pitchFamily="18" charset="0"/>
+                          </a:rPr>
+                          <m:t>𝑍</m:t>
+                        </m:r>
+                      </m:e>
+                      <m:sub>
+                        <m:r>
+                          <a:rPr lang="pt-BR" i="1">
+                            <a:latin typeface="Cambria Math" panose="02040503050406030204" pitchFamily="18" charset="0"/>
+                          </a:rPr>
+                          <m:t>2</m:t>
+                        </m:r>
+                      </m:sub>
+                    </m:sSub>
+                    <m:r>
+                      <a:rPr lang="pt-BR" i="1">
+                        <a:latin typeface="Cambria Math" panose="02040503050406030204" pitchFamily="18" charset="0"/>
+                      </a:rPr>
+                      <m:t>=40</m:t>
+                    </m:r>
+                  </m:oMath>
+                </a14:m>
+                <a:endParaRPr lang="pt-BR" dirty="0"/>
+              </a:p>
+              <a:p>
+                <a:pPr marL="114300" indent="0">
+                  <a:buNone/>
+                </a:pPr>
+                <a:endParaRPr lang="pt-BR" dirty="0"/>
+              </a:p>
+            </p:txBody>
+          </p:sp>
+        </mc:Choice>
+        <mc:Fallback xmlns="">
+          <p:sp>
+            <p:nvSpPr>
+              <p:cNvPr id="3" name="Espaço Reservado para Conteúdo 2"/>
+              <p:cNvSpPr>
+                <a:spLocks noGrp="1" noRot="1" noChangeAspect="1" noMove="1" noResize="1" noEditPoints="1" noAdjustHandles="1" noChangeArrowheads="1" noChangeShapeType="1" noTextEdit="1"/>
+              </p:cNvSpPr>
+              <p:nvPr>
+                <p:ph idx="1"/>
+              </p:nvPr>
+            </p:nvSpPr>
+            <p:spPr>
+              <a:xfrm>
+                <a:off x="457200" y="1600200"/>
+                <a:ext cx="7620000" cy="5069160"/>
+              </a:xfrm>
+              <a:blipFill rotWithShape="1">
+                <a:blip r:embed="rId2"/>
+                <a:stretch>
+                  <a:fillRect t="-1203"/>
+                </a:stretch>
+              </a:blipFill>
+            </p:spPr>
+            <p:txBody>
+              <a:bodyPr/>
+              <a:lstStyle/>
+              <a:p>
+                <a:r>
+                  <a:rPr lang="pt-BR">
+                    <a:noFill/>
+                  </a:rPr>
+                  <a:t> </a:t>
+                </a:r>
+              </a:p>
+            </p:txBody>
+          </p:sp>
+        </mc:Fallback>
+      </mc:AlternateContent>
+      <p:pic>
+        <p:nvPicPr>
+          <p:cNvPr id="4" name="Image3"/>
+          <p:cNvPicPr/>
+          <p:nvPr/>
+        </p:nvPicPr>
+        <p:blipFill>
+          <a:blip r:embed="rId3"/>
+          <a:stretch>
+            <a:fillRect/>
+          </a:stretch>
+        </p:blipFill>
+        <p:spPr bwMode="auto">
+          <a:xfrm>
+            <a:off x="611560" y="2636912"/>
+            <a:ext cx="6480720" cy="1979930"/>
+          </a:xfrm>
+          <a:prstGeom prst="rect">
+            <a:avLst/>
+          </a:prstGeom>
+        </p:spPr>
+      </p:pic>
+    </p:spTree>
+    <p:extLst>
+      <p:ext uri="{BB962C8B-B14F-4D97-AF65-F5344CB8AC3E}">
+        <p14:creationId xmlns:p14="http://schemas.microsoft.com/office/powerpoint/2010/main" val="2754313490"/>
+      </p:ext>
+    </p:extLst>
+  </p:cSld>
+  <p:clrMapOvr>
+    <a:masterClrMapping/>
+  </p:clrMapOvr>
+</p:sld>
+</file>
+
+<file path=ppt/slides/slide8.xml><?xml version="1.0" encoding="utf-8"?>
+<p:sld xmlns:a="http://schemas.openxmlformats.org/drawingml/2006/main" xmlns:r="http://schemas.openxmlformats.org/officeDocument/2006/relationships" xmlns:p="http://schemas.openxmlformats.org/presentationml/2006/main">
+  <p:cSld>
+    <p:spTree>
+      <p:nvGrpSpPr>
+        <p:cNvPr id="1" name=""/>
+        <p:cNvGrpSpPr/>
+        <p:nvPr/>
+      </p:nvGrpSpPr>
+      <p:grpSpPr>
+        <a:xfrm>
+          <a:off x="0" y="0"/>
+          <a:ext cx="0" cy="0"/>
+          <a:chOff x="0" y="0"/>
+          <a:chExt cx="0" cy="0"/>
+        </a:xfrm>
+      </p:grpSpPr>
+      <p:sp>
+        <p:nvSpPr>
+          <p:cNvPr id="2" name="Título 1"/>
+          <p:cNvSpPr>
+            <a:spLocks noGrp="1"/>
+          </p:cNvSpPr>
+          <p:nvPr>
+            <p:ph type="title"/>
+          </p:nvPr>
+        </p:nvSpPr>
+        <p:spPr/>
+        <p:txBody>
+          <a:bodyPr/>
+          <a:lstStyle/>
+          <a:p>
+            <a:pPr algn="ctr"/>
+            <a:r>
+              <a:rPr lang="pt-BR" dirty="0">
+                <a:solidFill>
+                  <a:schemeClr val="tx1"/>
+                </a:solidFill>
+              </a:rPr>
+              <a:t>Fator de forma</a:t>
+            </a:r>
+          </a:p>
+        </p:txBody>
+      </p:sp>
+      <p:sp>
+        <p:nvSpPr>
+          <p:cNvPr id="3" name="Espaço Reservado para Conteúdo 2"/>
+          <p:cNvSpPr>
+            <a:spLocks noGrp="1"/>
+          </p:cNvSpPr>
+          <p:nvPr>
+            <p:ph idx="1"/>
+          </p:nvPr>
+        </p:nvSpPr>
+        <p:spPr/>
+        <p:txBody>
+          <a:bodyPr>
+            <a:normAutofit/>
+          </a:bodyPr>
+          <a:lstStyle/>
+          <a:p>
+            <a:pPr marL="114300" indent="0">
+              <a:buNone/>
+            </a:pPr>
+            <a:r>
+              <a:rPr lang="pt-BR" dirty="0"/>
+              <a:t>Para encontrar o fator de forma, utiliza-se a tabela abaixo:</a:t>
+            </a:r>
+          </a:p>
+          <a:p>
+            <a:pPr marL="114300" indent="0">
+              <a:buNone/>
+            </a:pPr>
+            <a:endParaRPr lang="pt-BR" dirty="0"/>
+          </a:p>
+          <a:p>
+            <a:pPr marL="114300" indent="0">
+              <a:buNone/>
+            </a:pPr>
+            <a:endParaRPr lang="pt-BR" dirty="0"/>
+          </a:p>
+          <a:p>
+            <a:pPr marL="114300" indent="0">
+              <a:buNone/>
+            </a:pPr>
+            <a:endParaRPr lang="pt-BR" dirty="0"/>
+          </a:p>
+          <a:p>
+            <a:pPr marL="114300" indent="0">
+              <a:buNone/>
+            </a:pPr>
+            <a:endParaRPr lang="pt-BR" dirty="0"/>
+          </a:p>
+          <a:p>
+            <a:pPr marL="114300" indent="0">
+              <a:buNone/>
+            </a:pPr>
+            <a:endParaRPr lang="pt-BR" dirty="0"/>
+          </a:p>
+          <a:p>
+            <a:pPr marL="114300" indent="0">
+              <a:buNone/>
+            </a:pPr>
+            <a:endParaRPr lang="pt-BR" dirty="0"/>
+          </a:p>
+          <a:p>
+            <a:pPr marL="114300" indent="0">
+              <a:buNone/>
+            </a:pPr>
+            <a:endParaRPr lang="pt-BR" dirty="0"/>
+          </a:p>
+          <a:p>
+            <a:pPr marL="114300" indent="0">
+              <a:buNone/>
+            </a:pPr>
+            <a:endParaRPr lang="pt-BR" dirty="0"/>
+          </a:p>
+          <a:p>
+            <a:pPr marL="114300" indent="0">
+              <a:buNone/>
+            </a:pPr>
+            <a:endParaRPr lang="pt-BR" dirty="0"/>
+          </a:p>
+          <a:p>
+            <a:pPr marL="114300" indent="0">
+              <a:buNone/>
+            </a:pPr>
+            <a:endParaRPr lang="pt-BR" dirty="0"/>
+          </a:p>
+        </p:txBody>
+      </p:sp>
+      <p:pic>
+        <p:nvPicPr>
+          <p:cNvPr id="4" name="Image4"/>
+          <p:cNvPicPr/>
+          <p:nvPr/>
+        </p:nvPicPr>
+        <p:blipFill>
+          <a:blip r:embed="rId2"/>
+          <a:stretch>
+            <a:fillRect/>
+          </a:stretch>
+        </p:blipFill>
+        <p:spPr bwMode="auto">
+          <a:xfrm>
+            <a:off x="683568" y="2060848"/>
+            <a:ext cx="6912768" cy="4536504"/>
+          </a:xfrm>
+          <a:prstGeom prst="rect">
+            <a:avLst/>
+          </a:prstGeom>
+        </p:spPr>
+      </p:pic>
+    </p:spTree>
+    <p:extLst>
+      <p:ext uri="{BB962C8B-B14F-4D97-AF65-F5344CB8AC3E}">
+        <p14:creationId xmlns:p14="http://schemas.microsoft.com/office/powerpoint/2010/main" val="1322372691"/>
+      </p:ext>
+    </p:extLst>
+  </p:cSld>
+  <p:clrMapOvr>
+    <a:masterClrMapping/>
+  </p:clrMapOvr>
+</p:sld>
+</file>
+
+<file path=ppt/slides/slide9.xml><?xml version="1.0" encoding="utf-8"?>
+<p:sld xmlns:a="http://schemas.openxmlformats.org/drawingml/2006/main" xmlns:r="http://schemas.openxmlformats.org/officeDocument/2006/relationships" xmlns:p="http://schemas.openxmlformats.org/presentationml/2006/main">
+  <p:cSld>
+    <p:spTree>
+      <p:nvGrpSpPr>
+        <p:cNvPr id="1" name=""/>
+        <p:cNvGrpSpPr/>
+        <p:nvPr/>
+      </p:nvGrpSpPr>
+      <p:grpSpPr>
+        <a:xfrm>
+          <a:off x="0" y="0"/>
+          <a:ext cx="0" cy="0"/>
+          <a:chOff x="0" y="0"/>
+          <a:chExt cx="0" cy="0"/>
+        </a:xfrm>
+      </p:grpSpPr>
+      <p:sp>
+        <p:nvSpPr>
+          <p:cNvPr id="2" name="Título 1"/>
+          <p:cNvSpPr>
+            <a:spLocks noGrp="1"/>
+          </p:cNvSpPr>
+          <p:nvPr>
+            <p:ph type="title"/>
+          </p:nvPr>
+        </p:nvSpPr>
+        <p:spPr/>
+        <p:txBody>
+          <a:bodyPr/>
+          <a:lstStyle/>
+          <a:p>
+            <a:pPr algn="ctr"/>
+            <a:r>
+              <a:rPr lang="pt-BR" dirty="0"/>
+              <a:t>Fator de forma</a:t>
+            </a:r>
+          </a:p>
+        </p:txBody>
+      </p:sp>
+      <mc:AlternateContent xmlns:mc="http://schemas.openxmlformats.org/markup-compatibility/2006" xmlns:a14="http://schemas.microsoft.com/office/drawing/2010/main">
+        <mc:Choice Requires="a14">
+          <p:sp>
+            <p:nvSpPr>
+              <p:cNvPr id="3" name="Espaço Reservado para Conteúdo 2"/>
+              <p:cNvSpPr>
+                <a:spLocks noGrp="1"/>
+              </p:cNvSpPr>
+              <p:nvPr>
+                <p:ph idx="1"/>
+              </p:nvPr>
+            </p:nvSpPr>
+            <p:spPr/>
+            <p:txBody>
+              <a:bodyPr>
+                <a:normAutofit fontScale="92500" lnSpcReduction="10000"/>
+              </a:bodyPr>
+              <a:lstStyle/>
+              <a:p>
+                <a:pPr marL="114300" indent="0">
+                  <a:buNone/>
+                </a:pPr>
+                <a:r>
+                  <a:rPr lang="pt-BR" dirty="0"/>
+                  <a:t>O pinhão tem 20 dentes, e esse número não se encontra na tabela, para isso é preciso fazer interpolação pegando-se os valores entre 18 dentes e 21 dentes.</a:t>
+                </a:r>
+              </a:p>
+              <a:p>
+                <a:pPr marL="114300" indent="0">
+                  <a:buNone/>
+                </a:pPr>
+                <a:r>
+                  <a:rPr lang="pt-BR" dirty="0"/>
+                  <a:t> </a:t>
+                </a:r>
+              </a:p>
+              <a:p>
+                <a:pPr marL="114300" indent="0" algn="ctr">
+                  <a:buNone/>
+                </a:pPr>
+                <a14:m>
+                  <m:oMath xmlns:m="http://schemas.openxmlformats.org/officeDocument/2006/math">
+                    <m:r>
+                      <a:rPr lang="pt-BR" i="1">
+                        <a:latin typeface="Cambria Math"/>
+                      </a:rPr>
+                      <m:t>𝑖𝑛𝑐𝑟𝑒𝑚𝑒𝑛𝑡𝑜</m:t>
+                    </m:r>
+                    <m:r>
+                      <a:rPr lang="pt-BR" i="1">
+                        <a:latin typeface="Cambria Math"/>
+                      </a:rPr>
+                      <m:t>=</m:t>
+                    </m:r>
+                    <m:f>
+                      <m:fPr>
+                        <m:ctrlPr>
+                          <a:rPr lang="pt-BR" i="1">
+                            <a:latin typeface="Cambria Math" panose="02040503050406030204" pitchFamily="18" charset="0"/>
+                          </a:rPr>
+                        </m:ctrlPr>
+                      </m:fPr>
+                      <m:num>
+                        <m:r>
+                          <a:rPr lang="pt-BR" i="1">
+                            <a:latin typeface="Cambria Math"/>
+                          </a:rPr>
+                          <m:t>3,5−3,3</m:t>
+                        </m:r>
+                      </m:num>
+                      <m:den>
+                        <m:r>
+                          <a:rPr lang="pt-BR" i="1">
+                            <a:latin typeface="Cambria Math"/>
+                          </a:rPr>
+                          <m:t>3</m:t>
+                        </m:r>
+                      </m:den>
+                    </m:f>
+                    <m:r>
+                      <a:rPr lang="pt-BR" i="1">
+                        <a:latin typeface="Cambria Math"/>
+                      </a:rPr>
+                      <m:t>=0,0667</m:t>
+                    </m:r>
+                  </m:oMath>
+                </a14:m>
+                <a:r>
+                  <a:rPr lang="pt-BR" dirty="0"/>
+                  <a:t> </a:t>
+                </a:r>
+              </a:p>
+              <a:p>
+                <a:pPr marL="114300" indent="0">
+                  <a:buNone/>
+                </a:pPr>
+                <a:r>
+                  <a:rPr lang="pt-BR" dirty="0"/>
+                  <a:t> </a:t>
+                </a:r>
+              </a:p>
+              <a:p>
+                <a:pPr marL="114300" indent="0">
+                  <a:buNone/>
+                </a:pPr>
+                <a:r>
+                  <a:rPr lang="pt-BR" dirty="0"/>
+                  <a:t>Verifica-se que quanto maior o número de dentes, menor é o fator, por isso iremos diminuir o incremento em cada posição.</a:t>
+                </a:r>
+              </a:p>
+              <a:p>
+                <a:pPr marL="114300" indent="0">
+                  <a:buNone/>
+                </a:pPr>
+                <a:r>
+                  <a:rPr lang="pt-BR" dirty="0"/>
+                  <a:t> </a:t>
+                </a:r>
+              </a:p>
+              <a:p>
+                <a:pPr marL="114300" indent="0">
+                  <a:buNone/>
+                </a:pPr>
+                <a14:m>
+                  <m:oMathPara xmlns:m="http://schemas.openxmlformats.org/officeDocument/2006/math">
+                    <m:oMathParaPr>
+                      <m:jc m:val="centerGroup"/>
+                    </m:oMathParaPr>
+                    <m:oMath xmlns:m="http://schemas.openxmlformats.org/officeDocument/2006/math">
+                      <m:sSub>
+                        <m:sSubPr>
+                          <m:ctrlPr>
+                            <a:rPr lang="pt-BR" i="1">
+                              <a:latin typeface="Cambria Math" panose="02040503050406030204" pitchFamily="18" charset="0"/>
+                            </a:rPr>
+                          </m:ctrlPr>
+                        </m:sSubPr>
+                        <m:e>
+                          <m:r>
+                            <a:rPr lang="pt-BR" i="1">
+                              <a:latin typeface="Cambria Math"/>
+                            </a:rPr>
+                            <m:t>𝑞</m:t>
+                          </m:r>
+                        </m:e>
+                        <m:sub>
+                          <m:r>
+                            <a:rPr lang="pt-BR" i="1">
+                              <a:latin typeface="Cambria Math"/>
+                            </a:rPr>
+                            <m:t>19</m:t>
+                          </m:r>
+                        </m:sub>
+                      </m:sSub>
+                      <m:r>
+                        <a:rPr lang="pt-BR" i="1">
+                          <a:latin typeface="Cambria Math"/>
+                        </a:rPr>
+                        <m:t>=3,50−0.0667→</m:t>
+                      </m:r>
+                      <m:sSub>
+                        <m:sSubPr>
+                          <m:ctrlPr>
+                            <a:rPr lang="pt-BR" i="1">
+                              <a:latin typeface="Cambria Math" panose="02040503050406030204" pitchFamily="18" charset="0"/>
+                            </a:rPr>
+                          </m:ctrlPr>
+                        </m:sSubPr>
+                        <m:e>
+                          <m:r>
+                            <a:rPr lang="pt-BR" i="1">
+                              <a:latin typeface="Cambria Math"/>
+                            </a:rPr>
+                            <m:t>𝑞</m:t>
+                          </m:r>
+                        </m:e>
+                        <m:sub>
+                          <m:r>
+                            <a:rPr lang="pt-BR" i="1">
+                              <a:latin typeface="Cambria Math"/>
+                            </a:rPr>
+                            <m:t>19</m:t>
+                          </m:r>
+                        </m:sub>
+                      </m:sSub>
+                      <m:r>
+                        <a:rPr lang="pt-BR" i="1">
+                          <a:latin typeface="Cambria Math"/>
+                        </a:rPr>
+                        <m:t>=3,43</m:t>
+                      </m:r>
+                    </m:oMath>
+                  </m:oMathPara>
+                </a14:m>
+                <a:endParaRPr lang="pt-BR" dirty="0"/>
+              </a:p>
+              <a:p>
+                <a:pPr marL="114300" indent="0">
+                  <a:buNone/>
+                </a:pPr>
+                <a14:m>
+                  <m:oMathPara xmlns:m="http://schemas.openxmlformats.org/officeDocument/2006/math">
+                    <m:oMathParaPr>
+                      <m:jc m:val="centerGroup"/>
+                    </m:oMathParaPr>
+                    <m:oMath xmlns:m="http://schemas.openxmlformats.org/officeDocument/2006/math">
+                      <m:sSub>
+                        <m:sSubPr>
+                          <m:ctrlPr>
+                            <a:rPr lang="pt-BR" i="1">
+                              <a:latin typeface="Cambria Math" panose="02040503050406030204" pitchFamily="18" charset="0"/>
+                            </a:rPr>
+                          </m:ctrlPr>
+                        </m:sSubPr>
+                        <m:e>
+                          <m:r>
+                            <a:rPr lang="pt-BR" i="1">
+                              <a:latin typeface="Cambria Math"/>
+                            </a:rPr>
+                            <m:t>𝑞</m:t>
+                          </m:r>
+                        </m:e>
+                        <m:sub>
+                          <m:r>
+                            <a:rPr lang="pt-BR" i="1">
+                              <a:latin typeface="Cambria Math"/>
+                            </a:rPr>
+                            <m:t>20</m:t>
+                          </m:r>
+                        </m:sub>
+                      </m:sSub>
+                      <m:r>
+                        <a:rPr lang="pt-BR" i="1">
+                          <a:latin typeface="Cambria Math"/>
+                        </a:rPr>
+                        <m:t>=3,43−0.0667→</m:t>
+                      </m:r>
+                      <m:sSub>
+                        <m:sSubPr>
+                          <m:ctrlPr>
+                            <a:rPr lang="pt-BR" i="1">
+                              <a:latin typeface="Cambria Math" panose="02040503050406030204" pitchFamily="18" charset="0"/>
+                            </a:rPr>
+                          </m:ctrlPr>
+                        </m:sSubPr>
+                        <m:e>
+                          <m:r>
+                            <a:rPr lang="pt-BR" i="1">
+                              <a:latin typeface="Cambria Math"/>
+                            </a:rPr>
+                            <m:t>𝑞</m:t>
+                          </m:r>
+                        </m:e>
+                        <m:sub>
+                          <m:r>
+                            <a:rPr lang="pt-BR" i="1">
+                              <a:latin typeface="Cambria Math"/>
+                            </a:rPr>
+                            <m:t>20</m:t>
+                          </m:r>
+                        </m:sub>
+                      </m:sSub>
+                      <m:r>
+                        <a:rPr lang="pt-BR" i="1">
+                          <a:latin typeface="Cambria Math"/>
+                        </a:rPr>
+                        <m:t>=3,37</m:t>
+                      </m:r>
+                    </m:oMath>
+                  </m:oMathPara>
+                </a14:m>
+                <a:endParaRPr lang="pt-BR" dirty="0"/>
+              </a:p>
+              <a:p>
+                <a:pPr marL="114300" indent="0">
+                  <a:buNone/>
+                </a:pPr>
+                <a:endParaRPr lang="pt-BR" dirty="0"/>
+              </a:p>
+              <a:p>
+                <a:pPr marL="114300" indent="0">
+                  <a:buNone/>
+                </a:pPr>
+                <a:r>
+                  <a:rPr lang="pt-BR" dirty="0"/>
+                  <a:t>Portanto será usado como fator de forma (q) = 3,37</a:t>
+                </a:r>
+              </a:p>
+              <a:p>
+                <a:pPr marL="114300" indent="0">
+                  <a:buNone/>
+                </a:pPr>
+                <a:r>
+                  <a:rPr lang="pt-BR" dirty="0"/>
+                  <a:t> Adotaremos também o ângulo pressão α = 20º</a:t>
+                </a:r>
+              </a:p>
+              <a:p>
+                <a:endParaRPr lang="pt-BR" dirty="0"/>
+              </a:p>
+            </p:txBody>
+          </p:sp>
+        </mc:Choice>
+        <mc:Fallback xmlns="">
+          <p:sp>
+            <p:nvSpPr>
+              <p:cNvPr id="3" name="Espaço Reservado para Conteúdo 2"/>
+              <p:cNvSpPr>
+                <a:spLocks noGrp="1" noRot="1" noChangeAspect="1" noMove="1" noResize="1" noEditPoints="1" noAdjustHandles="1" noChangeArrowheads="1" noChangeShapeType="1" noTextEdit="1"/>
+              </p:cNvSpPr>
+              <p:nvPr>
+                <p:ph idx="1"/>
+              </p:nvPr>
+            </p:nvSpPr>
+            <p:spPr>
+              <a:blipFill rotWithShape="1">
+                <a:blip r:embed="rId2"/>
+                <a:stretch>
+                  <a:fillRect t="-1271" r="-1440"/>
+                </a:stretch>
+              </a:blipFill>
+            </p:spPr>
+            <p:txBody>
+              <a:bodyPr/>
+              <a:lstStyle/>
+              <a:p>
+                <a:r>
+                  <a:rPr lang="pt-BR">
+                    <a:noFill/>
+                  </a:rPr>
+                  <a:t> </a:t>
+                </a:r>
+              </a:p>
+            </p:txBody>
+          </p:sp>
+        </mc:Fallback>
+      </mc:AlternateContent>
+    </p:spTree>
+    <p:extLst>
+      <p:ext uri="{BB962C8B-B14F-4D97-AF65-F5344CB8AC3E}">
+        <p14:creationId xmlns:p14="http://schemas.microsoft.com/office/powerpoint/2010/main" val="1515222303"/>
       </p:ext>
     </p:extLst>
   </p:cSld>
